--- a/slides/powerpoint/00_intro.pptx
+++ b/slides/powerpoint/00_intro.pptx
@@ -6,13 +6,18 @@
     <p:sldMasterId id="2147483673" r:id="rId2"/>
   </p:sldMasterIdLst>
   <p:notesMasterIdLst>
-    <p:notesMasterId r:id="rId7"/>
+    <p:notesMasterId r:id="rId12"/>
   </p:notesMasterIdLst>
   <p:sldIdLst>
-    <p:sldId id="293" r:id="rId3"/>
-    <p:sldId id="271" r:id="rId4"/>
-    <p:sldId id="291" r:id="rId5"/>
-    <p:sldId id="294" r:id="rId6"/>
+    <p:sldId id="291" r:id="rId3"/>
+    <p:sldId id="893" r:id="rId4"/>
+    <p:sldId id="894" r:id="rId5"/>
+    <p:sldId id="898" r:id="rId6"/>
+    <p:sldId id="895" r:id="rId7"/>
+    <p:sldId id="896" r:id="rId8"/>
+    <p:sldId id="897" r:id="rId9"/>
+    <p:sldId id="899" r:id="rId10"/>
+    <p:sldId id="290" r:id="rId11"/>
   </p:sldIdLst>
   <p:sldSz cx="12192000" cy="6858000"/>
   <p:notesSz cx="6858000" cy="9144000"/>
@@ -212,7 +217,7 @@
           <a:p>
             <a:fld id="{D0FE861C-486B-4E18-A0E9-A790238A915C}" type="datetimeFigureOut">
               <a:rPr lang="en-US" smtClean="0"/>
-              <a:t>8/13/21</a:t>
+              <a:t>9/17/21</a:t>
             </a:fld>
             <a:endParaRPr lang="en-US"/>
           </a:p>
@@ -476,6 +481,1070 @@
 </p:notesMaster>
 </file>
 
+<file path=ppt/notesSlides/notesSlide1.xml><?xml version="1.0" encoding="utf-8"?>
+<p:notes xmlns:a="http://schemas.openxmlformats.org/drawingml/2006/main" xmlns:r="http://schemas.openxmlformats.org/officeDocument/2006/relationships" xmlns:p="http://schemas.openxmlformats.org/presentationml/2006/main">
+  <p:cSld>
+    <p:spTree>
+      <p:nvGrpSpPr>
+        <p:cNvPr id="1" name=""/>
+        <p:cNvGrpSpPr/>
+        <p:nvPr/>
+      </p:nvGrpSpPr>
+      <p:grpSpPr>
+        <a:xfrm>
+          <a:off x="0" y="0"/>
+          <a:ext cx="0" cy="0"/>
+          <a:chOff x="0" y="0"/>
+          <a:chExt cx="0" cy="0"/>
+        </a:xfrm>
+      </p:grpSpPr>
+      <p:sp>
+        <p:nvSpPr>
+          <p:cNvPr id="2" name="Slide Image Placeholder 1"/>
+          <p:cNvSpPr>
+            <a:spLocks noGrp="1" noRot="1" noChangeAspect="1"/>
+          </p:cNvSpPr>
+          <p:nvPr>
+            <p:ph type="sldImg"/>
+          </p:nvPr>
+        </p:nvSpPr>
+        <p:spPr/>
+      </p:sp>
+      <p:sp>
+        <p:nvSpPr>
+          <p:cNvPr id="3" name="Notes Placeholder 2"/>
+          <p:cNvSpPr>
+            <a:spLocks noGrp="1"/>
+          </p:cNvSpPr>
+          <p:nvPr>
+            <p:ph type="body" idx="1"/>
+          </p:nvPr>
+        </p:nvSpPr>
+        <p:spPr/>
+        <p:txBody>
+          <a:bodyPr/>
+          <a:lstStyle/>
+          <a:p>
+            <a:endParaRPr lang="en-US" dirty="0"/>
+          </a:p>
+        </p:txBody>
+      </p:sp>
+      <p:sp>
+        <p:nvSpPr>
+          <p:cNvPr id="4" name="Slide Number Placeholder 3"/>
+          <p:cNvSpPr>
+            <a:spLocks noGrp="1"/>
+          </p:cNvSpPr>
+          <p:nvPr>
+            <p:ph type="sldNum" sz="quarter" idx="10"/>
+          </p:nvPr>
+        </p:nvSpPr>
+        <p:spPr/>
+        <p:txBody>
+          <a:bodyPr/>
+          <a:lstStyle/>
+          <a:p>
+            <a:pPr algn="r"/>
+            <a:fld id="{111E5896-917A-4035-A860-408E1EC3CD51}" type="slidenum">
+              <a:rPr lang="en-US" smtClean="0">
+                <a:solidFill>
+                  <a:srgbClr val="052049"/>
+                </a:solidFill>
+                <a:latin typeface="Arial" pitchFamily="34" charset="0"/>
+                <a:cs typeface="Arial" pitchFamily="34" charset="0"/>
+              </a:rPr>
+              <a:pPr algn="r"/>
+              <a:t>2</a:t>
+            </a:fld>
+            <a:endParaRPr lang="en-US" dirty="0">
+              <a:solidFill>
+                <a:srgbClr val="052049"/>
+              </a:solidFill>
+              <a:latin typeface="Arial" pitchFamily="34" charset="0"/>
+              <a:cs typeface="Arial" pitchFamily="34" charset="0"/>
+            </a:endParaRPr>
+          </a:p>
+        </p:txBody>
+      </p:sp>
+      <p:sp>
+        <p:nvSpPr>
+          <p:cNvPr id="5" name="Footer Placeholder 4"/>
+          <p:cNvSpPr>
+            <a:spLocks noGrp="1"/>
+          </p:cNvSpPr>
+          <p:nvPr>
+            <p:ph type="ftr" sz="quarter" idx="11"/>
+          </p:nvPr>
+        </p:nvSpPr>
+        <p:spPr/>
+        <p:txBody>
+          <a:bodyPr/>
+          <a:lstStyle/>
+          <a:p>
+            <a:r>
+              <a:rPr lang="en-US" sz="800">
+                <a:solidFill>
+                  <a:srgbClr val="052049"/>
+                </a:solidFill>
+                <a:latin typeface="+mj-lt"/>
+              </a:rPr>
+              <a:t>| [footer text here]</a:t>
+            </a:r>
+            <a:endParaRPr lang="en-US" sz="800" dirty="0">
+              <a:solidFill>
+                <a:srgbClr val="052049"/>
+              </a:solidFill>
+              <a:latin typeface="+mj-lt"/>
+            </a:endParaRPr>
+          </a:p>
+        </p:txBody>
+      </p:sp>
+    </p:spTree>
+    <p:extLst>
+      <p:ext uri="{BB962C8B-B14F-4D97-AF65-F5344CB8AC3E}">
+        <p14:creationId xmlns:p14="http://schemas.microsoft.com/office/powerpoint/2010/main" val="3205321747"/>
+      </p:ext>
+    </p:extLst>
+  </p:cSld>
+  <p:clrMapOvr>
+    <a:masterClrMapping/>
+  </p:clrMapOvr>
+</p:notes>
+</file>
+
+<file path=ppt/notesSlides/notesSlide2.xml><?xml version="1.0" encoding="utf-8"?>
+<p:notes xmlns:a="http://schemas.openxmlformats.org/drawingml/2006/main" xmlns:r="http://schemas.openxmlformats.org/officeDocument/2006/relationships" xmlns:p="http://schemas.openxmlformats.org/presentationml/2006/main">
+  <p:cSld>
+    <p:spTree>
+      <p:nvGrpSpPr>
+        <p:cNvPr id="1" name=""/>
+        <p:cNvGrpSpPr/>
+        <p:nvPr/>
+      </p:nvGrpSpPr>
+      <p:grpSpPr>
+        <a:xfrm>
+          <a:off x="0" y="0"/>
+          <a:ext cx="0" cy="0"/>
+          <a:chOff x="0" y="0"/>
+          <a:chExt cx="0" cy="0"/>
+        </a:xfrm>
+      </p:grpSpPr>
+      <p:sp>
+        <p:nvSpPr>
+          <p:cNvPr id="2" name="Slide Image Placeholder 1"/>
+          <p:cNvSpPr>
+            <a:spLocks noGrp="1" noRot="1" noChangeAspect="1"/>
+          </p:cNvSpPr>
+          <p:nvPr>
+            <p:ph type="sldImg"/>
+          </p:nvPr>
+        </p:nvSpPr>
+        <p:spPr/>
+      </p:sp>
+      <p:sp>
+        <p:nvSpPr>
+          <p:cNvPr id="3" name="Notes Placeholder 2"/>
+          <p:cNvSpPr>
+            <a:spLocks noGrp="1"/>
+          </p:cNvSpPr>
+          <p:nvPr>
+            <p:ph type="body" idx="1"/>
+          </p:nvPr>
+        </p:nvSpPr>
+        <p:spPr/>
+        <p:txBody>
+          <a:bodyPr/>
+          <a:lstStyle/>
+          <a:p>
+            <a:endParaRPr lang="en-US" dirty="0"/>
+          </a:p>
+        </p:txBody>
+      </p:sp>
+      <p:sp>
+        <p:nvSpPr>
+          <p:cNvPr id="4" name="Slide Number Placeholder 3"/>
+          <p:cNvSpPr>
+            <a:spLocks noGrp="1"/>
+          </p:cNvSpPr>
+          <p:nvPr>
+            <p:ph type="sldNum" sz="quarter" idx="10"/>
+          </p:nvPr>
+        </p:nvSpPr>
+        <p:spPr/>
+        <p:txBody>
+          <a:bodyPr/>
+          <a:lstStyle/>
+          <a:p>
+            <a:pPr algn="r"/>
+            <a:fld id="{111E5896-917A-4035-A860-408E1EC3CD51}" type="slidenum">
+              <a:rPr lang="en-US" smtClean="0">
+                <a:solidFill>
+                  <a:srgbClr val="052049"/>
+                </a:solidFill>
+                <a:latin typeface="Arial" pitchFamily="34" charset="0"/>
+                <a:cs typeface="Arial" pitchFamily="34" charset="0"/>
+              </a:rPr>
+              <a:pPr algn="r"/>
+              <a:t>3</a:t>
+            </a:fld>
+            <a:endParaRPr lang="en-US" dirty="0">
+              <a:solidFill>
+                <a:srgbClr val="052049"/>
+              </a:solidFill>
+              <a:latin typeface="Arial" pitchFamily="34" charset="0"/>
+              <a:cs typeface="Arial" pitchFamily="34" charset="0"/>
+            </a:endParaRPr>
+          </a:p>
+        </p:txBody>
+      </p:sp>
+      <p:sp>
+        <p:nvSpPr>
+          <p:cNvPr id="5" name="Footer Placeholder 4"/>
+          <p:cNvSpPr>
+            <a:spLocks noGrp="1"/>
+          </p:cNvSpPr>
+          <p:nvPr>
+            <p:ph type="ftr" sz="quarter" idx="11"/>
+          </p:nvPr>
+        </p:nvSpPr>
+        <p:spPr/>
+        <p:txBody>
+          <a:bodyPr/>
+          <a:lstStyle/>
+          <a:p>
+            <a:r>
+              <a:rPr lang="en-US" sz="800">
+                <a:solidFill>
+                  <a:srgbClr val="052049"/>
+                </a:solidFill>
+                <a:latin typeface="+mj-lt"/>
+              </a:rPr>
+              <a:t>| [footer text here]</a:t>
+            </a:r>
+            <a:endParaRPr lang="en-US" sz="800" dirty="0">
+              <a:solidFill>
+                <a:srgbClr val="052049"/>
+              </a:solidFill>
+              <a:latin typeface="+mj-lt"/>
+            </a:endParaRPr>
+          </a:p>
+        </p:txBody>
+      </p:sp>
+    </p:spTree>
+    <p:extLst>
+      <p:ext uri="{BB962C8B-B14F-4D97-AF65-F5344CB8AC3E}">
+        <p14:creationId xmlns:p14="http://schemas.microsoft.com/office/powerpoint/2010/main" val="640688582"/>
+      </p:ext>
+    </p:extLst>
+  </p:cSld>
+  <p:clrMapOvr>
+    <a:masterClrMapping/>
+  </p:clrMapOvr>
+</p:notes>
+</file>
+
+<file path=ppt/notesSlides/notesSlide3.xml><?xml version="1.0" encoding="utf-8"?>
+<p:notes xmlns:a="http://schemas.openxmlformats.org/drawingml/2006/main" xmlns:r="http://schemas.openxmlformats.org/officeDocument/2006/relationships" xmlns:p="http://schemas.openxmlformats.org/presentationml/2006/main">
+  <p:cSld>
+    <p:spTree>
+      <p:nvGrpSpPr>
+        <p:cNvPr id="1" name=""/>
+        <p:cNvGrpSpPr/>
+        <p:nvPr/>
+      </p:nvGrpSpPr>
+      <p:grpSpPr>
+        <a:xfrm>
+          <a:off x="0" y="0"/>
+          <a:ext cx="0" cy="0"/>
+          <a:chOff x="0" y="0"/>
+          <a:chExt cx="0" cy="0"/>
+        </a:xfrm>
+      </p:grpSpPr>
+      <p:sp>
+        <p:nvSpPr>
+          <p:cNvPr id="2" name="Slide Image Placeholder 1"/>
+          <p:cNvSpPr>
+            <a:spLocks noGrp="1" noRot="1" noChangeAspect="1"/>
+          </p:cNvSpPr>
+          <p:nvPr>
+            <p:ph type="sldImg"/>
+          </p:nvPr>
+        </p:nvSpPr>
+        <p:spPr/>
+      </p:sp>
+      <p:sp>
+        <p:nvSpPr>
+          <p:cNvPr id="3" name="Notes Placeholder 2"/>
+          <p:cNvSpPr>
+            <a:spLocks noGrp="1"/>
+          </p:cNvSpPr>
+          <p:nvPr>
+            <p:ph type="body" idx="1"/>
+          </p:nvPr>
+        </p:nvSpPr>
+        <p:spPr/>
+        <p:txBody>
+          <a:bodyPr/>
+          <a:lstStyle/>
+          <a:p>
+            <a:endParaRPr lang="en-US" dirty="0"/>
+          </a:p>
+        </p:txBody>
+      </p:sp>
+      <p:sp>
+        <p:nvSpPr>
+          <p:cNvPr id="4" name="Slide Number Placeholder 3"/>
+          <p:cNvSpPr>
+            <a:spLocks noGrp="1"/>
+          </p:cNvSpPr>
+          <p:nvPr>
+            <p:ph type="sldNum" sz="quarter" idx="10"/>
+          </p:nvPr>
+        </p:nvSpPr>
+        <p:spPr/>
+        <p:txBody>
+          <a:bodyPr/>
+          <a:lstStyle/>
+          <a:p>
+            <a:pPr algn="r"/>
+            <a:fld id="{111E5896-917A-4035-A860-408E1EC3CD51}" type="slidenum">
+              <a:rPr lang="en-US" smtClean="0">
+                <a:solidFill>
+                  <a:srgbClr val="052049"/>
+                </a:solidFill>
+                <a:latin typeface="Arial" pitchFamily="34" charset="0"/>
+                <a:cs typeface="Arial" pitchFamily="34" charset="0"/>
+              </a:rPr>
+              <a:pPr algn="r"/>
+              <a:t>4</a:t>
+            </a:fld>
+            <a:endParaRPr lang="en-US" dirty="0">
+              <a:solidFill>
+                <a:srgbClr val="052049"/>
+              </a:solidFill>
+              <a:latin typeface="Arial" pitchFamily="34" charset="0"/>
+              <a:cs typeface="Arial" pitchFamily="34" charset="0"/>
+            </a:endParaRPr>
+          </a:p>
+        </p:txBody>
+      </p:sp>
+      <p:sp>
+        <p:nvSpPr>
+          <p:cNvPr id="5" name="Footer Placeholder 4"/>
+          <p:cNvSpPr>
+            <a:spLocks noGrp="1"/>
+          </p:cNvSpPr>
+          <p:nvPr>
+            <p:ph type="ftr" sz="quarter" idx="11"/>
+          </p:nvPr>
+        </p:nvSpPr>
+        <p:spPr/>
+        <p:txBody>
+          <a:bodyPr/>
+          <a:lstStyle/>
+          <a:p>
+            <a:r>
+              <a:rPr lang="en-US" sz="800">
+                <a:solidFill>
+                  <a:srgbClr val="052049"/>
+                </a:solidFill>
+                <a:latin typeface="+mj-lt"/>
+              </a:rPr>
+              <a:t>| [footer text here]</a:t>
+            </a:r>
+            <a:endParaRPr lang="en-US" sz="800" dirty="0">
+              <a:solidFill>
+                <a:srgbClr val="052049"/>
+              </a:solidFill>
+              <a:latin typeface="+mj-lt"/>
+            </a:endParaRPr>
+          </a:p>
+        </p:txBody>
+      </p:sp>
+    </p:spTree>
+    <p:extLst>
+      <p:ext uri="{BB962C8B-B14F-4D97-AF65-F5344CB8AC3E}">
+        <p14:creationId xmlns:p14="http://schemas.microsoft.com/office/powerpoint/2010/main" val="882096331"/>
+      </p:ext>
+    </p:extLst>
+  </p:cSld>
+  <p:clrMapOvr>
+    <a:masterClrMapping/>
+  </p:clrMapOvr>
+</p:notes>
+</file>
+
+<file path=ppt/notesSlides/notesSlide4.xml><?xml version="1.0" encoding="utf-8"?>
+<p:notes xmlns:a="http://schemas.openxmlformats.org/drawingml/2006/main" xmlns:r="http://schemas.openxmlformats.org/officeDocument/2006/relationships" xmlns:p="http://schemas.openxmlformats.org/presentationml/2006/main">
+  <p:cSld>
+    <p:spTree>
+      <p:nvGrpSpPr>
+        <p:cNvPr id="1" name=""/>
+        <p:cNvGrpSpPr/>
+        <p:nvPr/>
+      </p:nvGrpSpPr>
+      <p:grpSpPr>
+        <a:xfrm>
+          <a:off x="0" y="0"/>
+          <a:ext cx="0" cy="0"/>
+          <a:chOff x="0" y="0"/>
+          <a:chExt cx="0" cy="0"/>
+        </a:xfrm>
+      </p:grpSpPr>
+      <p:sp>
+        <p:nvSpPr>
+          <p:cNvPr id="2" name="Slide Image Placeholder 1"/>
+          <p:cNvSpPr>
+            <a:spLocks noGrp="1" noRot="1" noChangeAspect="1"/>
+          </p:cNvSpPr>
+          <p:nvPr>
+            <p:ph type="sldImg"/>
+          </p:nvPr>
+        </p:nvSpPr>
+        <p:spPr/>
+      </p:sp>
+      <p:sp>
+        <p:nvSpPr>
+          <p:cNvPr id="3" name="Notes Placeholder 2"/>
+          <p:cNvSpPr>
+            <a:spLocks noGrp="1"/>
+          </p:cNvSpPr>
+          <p:nvPr>
+            <p:ph type="body" idx="1"/>
+          </p:nvPr>
+        </p:nvSpPr>
+        <p:spPr/>
+        <p:txBody>
+          <a:bodyPr/>
+          <a:lstStyle/>
+          <a:p>
+            <a:endParaRPr lang="en-US" dirty="0"/>
+          </a:p>
+        </p:txBody>
+      </p:sp>
+      <p:sp>
+        <p:nvSpPr>
+          <p:cNvPr id="4" name="Slide Number Placeholder 3"/>
+          <p:cNvSpPr>
+            <a:spLocks noGrp="1"/>
+          </p:cNvSpPr>
+          <p:nvPr>
+            <p:ph type="sldNum" sz="quarter" idx="10"/>
+          </p:nvPr>
+        </p:nvSpPr>
+        <p:spPr/>
+        <p:txBody>
+          <a:bodyPr/>
+          <a:lstStyle/>
+          <a:p>
+            <a:pPr algn="r"/>
+            <a:fld id="{111E5896-917A-4035-A860-408E1EC3CD51}" type="slidenum">
+              <a:rPr lang="en-US" smtClean="0">
+                <a:solidFill>
+                  <a:srgbClr val="052049"/>
+                </a:solidFill>
+                <a:latin typeface="Arial" pitchFamily="34" charset="0"/>
+                <a:cs typeface="Arial" pitchFamily="34" charset="0"/>
+              </a:rPr>
+              <a:pPr algn="r"/>
+              <a:t>5</a:t>
+            </a:fld>
+            <a:endParaRPr lang="en-US" dirty="0">
+              <a:solidFill>
+                <a:srgbClr val="052049"/>
+              </a:solidFill>
+              <a:latin typeface="Arial" pitchFamily="34" charset="0"/>
+              <a:cs typeface="Arial" pitchFamily="34" charset="0"/>
+            </a:endParaRPr>
+          </a:p>
+        </p:txBody>
+      </p:sp>
+      <p:sp>
+        <p:nvSpPr>
+          <p:cNvPr id="5" name="Footer Placeholder 4"/>
+          <p:cNvSpPr>
+            <a:spLocks noGrp="1"/>
+          </p:cNvSpPr>
+          <p:nvPr>
+            <p:ph type="ftr" sz="quarter" idx="11"/>
+          </p:nvPr>
+        </p:nvSpPr>
+        <p:spPr/>
+        <p:txBody>
+          <a:bodyPr/>
+          <a:lstStyle/>
+          <a:p>
+            <a:r>
+              <a:rPr lang="en-US" sz="800">
+                <a:solidFill>
+                  <a:srgbClr val="052049"/>
+                </a:solidFill>
+                <a:latin typeface="+mj-lt"/>
+              </a:rPr>
+              <a:t>| [footer text here]</a:t>
+            </a:r>
+            <a:endParaRPr lang="en-US" sz="800" dirty="0">
+              <a:solidFill>
+                <a:srgbClr val="052049"/>
+              </a:solidFill>
+              <a:latin typeface="+mj-lt"/>
+            </a:endParaRPr>
+          </a:p>
+        </p:txBody>
+      </p:sp>
+    </p:spTree>
+    <p:extLst>
+      <p:ext uri="{BB962C8B-B14F-4D97-AF65-F5344CB8AC3E}">
+        <p14:creationId xmlns:p14="http://schemas.microsoft.com/office/powerpoint/2010/main" val="578222700"/>
+      </p:ext>
+    </p:extLst>
+  </p:cSld>
+  <p:clrMapOvr>
+    <a:masterClrMapping/>
+  </p:clrMapOvr>
+</p:notes>
+</file>
+
+<file path=ppt/notesSlides/notesSlide5.xml><?xml version="1.0" encoding="utf-8"?>
+<p:notes xmlns:a="http://schemas.openxmlformats.org/drawingml/2006/main" xmlns:r="http://schemas.openxmlformats.org/officeDocument/2006/relationships" xmlns:p="http://schemas.openxmlformats.org/presentationml/2006/main">
+  <p:cSld>
+    <p:spTree>
+      <p:nvGrpSpPr>
+        <p:cNvPr id="1" name=""/>
+        <p:cNvGrpSpPr/>
+        <p:nvPr/>
+      </p:nvGrpSpPr>
+      <p:grpSpPr>
+        <a:xfrm>
+          <a:off x="0" y="0"/>
+          <a:ext cx="0" cy="0"/>
+          <a:chOff x="0" y="0"/>
+          <a:chExt cx="0" cy="0"/>
+        </a:xfrm>
+      </p:grpSpPr>
+      <p:sp>
+        <p:nvSpPr>
+          <p:cNvPr id="2" name="Slide Image Placeholder 1"/>
+          <p:cNvSpPr>
+            <a:spLocks noGrp="1" noRot="1" noChangeAspect="1"/>
+          </p:cNvSpPr>
+          <p:nvPr>
+            <p:ph type="sldImg"/>
+          </p:nvPr>
+        </p:nvSpPr>
+        <p:spPr/>
+      </p:sp>
+      <p:sp>
+        <p:nvSpPr>
+          <p:cNvPr id="3" name="Notes Placeholder 2"/>
+          <p:cNvSpPr>
+            <a:spLocks noGrp="1"/>
+          </p:cNvSpPr>
+          <p:nvPr>
+            <p:ph type="body" idx="1"/>
+          </p:nvPr>
+        </p:nvSpPr>
+        <p:spPr/>
+        <p:txBody>
+          <a:bodyPr/>
+          <a:lstStyle/>
+          <a:p>
+            <a:endParaRPr lang="en-US" dirty="0"/>
+          </a:p>
+        </p:txBody>
+      </p:sp>
+      <p:sp>
+        <p:nvSpPr>
+          <p:cNvPr id="4" name="Slide Number Placeholder 3"/>
+          <p:cNvSpPr>
+            <a:spLocks noGrp="1"/>
+          </p:cNvSpPr>
+          <p:nvPr>
+            <p:ph type="sldNum" sz="quarter" idx="10"/>
+          </p:nvPr>
+        </p:nvSpPr>
+        <p:spPr/>
+        <p:txBody>
+          <a:bodyPr/>
+          <a:lstStyle/>
+          <a:p>
+            <a:pPr algn="r"/>
+            <a:fld id="{111E5896-917A-4035-A860-408E1EC3CD51}" type="slidenum">
+              <a:rPr lang="en-US" smtClean="0">
+                <a:solidFill>
+                  <a:srgbClr val="052049"/>
+                </a:solidFill>
+                <a:latin typeface="Arial" pitchFamily="34" charset="0"/>
+                <a:cs typeface="Arial" pitchFamily="34" charset="0"/>
+              </a:rPr>
+              <a:pPr algn="r"/>
+              <a:t>6</a:t>
+            </a:fld>
+            <a:endParaRPr lang="en-US" dirty="0">
+              <a:solidFill>
+                <a:srgbClr val="052049"/>
+              </a:solidFill>
+              <a:latin typeface="Arial" pitchFamily="34" charset="0"/>
+              <a:cs typeface="Arial" pitchFamily="34" charset="0"/>
+            </a:endParaRPr>
+          </a:p>
+        </p:txBody>
+      </p:sp>
+      <p:sp>
+        <p:nvSpPr>
+          <p:cNvPr id="5" name="Footer Placeholder 4"/>
+          <p:cNvSpPr>
+            <a:spLocks noGrp="1"/>
+          </p:cNvSpPr>
+          <p:nvPr>
+            <p:ph type="ftr" sz="quarter" idx="11"/>
+          </p:nvPr>
+        </p:nvSpPr>
+        <p:spPr/>
+        <p:txBody>
+          <a:bodyPr/>
+          <a:lstStyle/>
+          <a:p>
+            <a:r>
+              <a:rPr lang="en-US" sz="800">
+                <a:solidFill>
+                  <a:srgbClr val="052049"/>
+                </a:solidFill>
+                <a:latin typeface="+mj-lt"/>
+              </a:rPr>
+              <a:t>| [footer text here]</a:t>
+            </a:r>
+            <a:endParaRPr lang="en-US" sz="800" dirty="0">
+              <a:solidFill>
+                <a:srgbClr val="052049"/>
+              </a:solidFill>
+              <a:latin typeface="+mj-lt"/>
+            </a:endParaRPr>
+          </a:p>
+        </p:txBody>
+      </p:sp>
+    </p:spTree>
+    <p:extLst>
+      <p:ext uri="{BB962C8B-B14F-4D97-AF65-F5344CB8AC3E}">
+        <p14:creationId xmlns:p14="http://schemas.microsoft.com/office/powerpoint/2010/main" val="3709485679"/>
+      </p:ext>
+    </p:extLst>
+  </p:cSld>
+  <p:clrMapOvr>
+    <a:masterClrMapping/>
+  </p:clrMapOvr>
+</p:notes>
+</file>
+
+<file path=ppt/notesSlides/notesSlide6.xml><?xml version="1.0" encoding="utf-8"?>
+<p:notes xmlns:a="http://schemas.openxmlformats.org/drawingml/2006/main" xmlns:r="http://schemas.openxmlformats.org/officeDocument/2006/relationships" xmlns:p="http://schemas.openxmlformats.org/presentationml/2006/main">
+  <p:cSld>
+    <p:spTree>
+      <p:nvGrpSpPr>
+        <p:cNvPr id="1" name=""/>
+        <p:cNvGrpSpPr/>
+        <p:nvPr/>
+      </p:nvGrpSpPr>
+      <p:grpSpPr>
+        <a:xfrm>
+          <a:off x="0" y="0"/>
+          <a:ext cx="0" cy="0"/>
+          <a:chOff x="0" y="0"/>
+          <a:chExt cx="0" cy="0"/>
+        </a:xfrm>
+      </p:grpSpPr>
+      <p:sp>
+        <p:nvSpPr>
+          <p:cNvPr id="2" name="Slide Image Placeholder 1"/>
+          <p:cNvSpPr>
+            <a:spLocks noGrp="1" noRot="1" noChangeAspect="1"/>
+          </p:cNvSpPr>
+          <p:nvPr>
+            <p:ph type="sldImg"/>
+          </p:nvPr>
+        </p:nvSpPr>
+        <p:spPr/>
+      </p:sp>
+      <p:sp>
+        <p:nvSpPr>
+          <p:cNvPr id="3" name="Notes Placeholder 2"/>
+          <p:cNvSpPr>
+            <a:spLocks noGrp="1"/>
+          </p:cNvSpPr>
+          <p:nvPr>
+            <p:ph type="body" idx="1"/>
+          </p:nvPr>
+        </p:nvSpPr>
+        <p:spPr/>
+        <p:txBody>
+          <a:bodyPr/>
+          <a:lstStyle/>
+          <a:p>
+            <a:endParaRPr lang="en-US" dirty="0"/>
+          </a:p>
+        </p:txBody>
+      </p:sp>
+      <p:sp>
+        <p:nvSpPr>
+          <p:cNvPr id="4" name="Slide Number Placeholder 3"/>
+          <p:cNvSpPr>
+            <a:spLocks noGrp="1"/>
+          </p:cNvSpPr>
+          <p:nvPr>
+            <p:ph type="sldNum" sz="quarter" idx="10"/>
+          </p:nvPr>
+        </p:nvSpPr>
+        <p:spPr/>
+        <p:txBody>
+          <a:bodyPr/>
+          <a:lstStyle/>
+          <a:p>
+            <a:pPr algn="r"/>
+            <a:fld id="{111E5896-917A-4035-A860-408E1EC3CD51}" type="slidenum">
+              <a:rPr lang="en-US" smtClean="0">
+                <a:solidFill>
+                  <a:srgbClr val="052049"/>
+                </a:solidFill>
+                <a:latin typeface="Arial" pitchFamily="34" charset="0"/>
+                <a:cs typeface="Arial" pitchFamily="34" charset="0"/>
+              </a:rPr>
+              <a:pPr algn="r"/>
+              <a:t>7</a:t>
+            </a:fld>
+            <a:endParaRPr lang="en-US" dirty="0">
+              <a:solidFill>
+                <a:srgbClr val="052049"/>
+              </a:solidFill>
+              <a:latin typeface="Arial" pitchFamily="34" charset="0"/>
+              <a:cs typeface="Arial" pitchFamily="34" charset="0"/>
+            </a:endParaRPr>
+          </a:p>
+        </p:txBody>
+      </p:sp>
+      <p:sp>
+        <p:nvSpPr>
+          <p:cNvPr id="5" name="Footer Placeholder 4"/>
+          <p:cNvSpPr>
+            <a:spLocks noGrp="1"/>
+          </p:cNvSpPr>
+          <p:nvPr>
+            <p:ph type="ftr" sz="quarter" idx="11"/>
+          </p:nvPr>
+        </p:nvSpPr>
+        <p:spPr/>
+        <p:txBody>
+          <a:bodyPr/>
+          <a:lstStyle/>
+          <a:p>
+            <a:r>
+              <a:rPr lang="en-US" sz="800">
+                <a:solidFill>
+                  <a:srgbClr val="052049"/>
+                </a:solidFill>
+                <a:latin typeface="+mj-lt"/>
+              </a:rPr>
+              <a:t>| [footer text here]</a:t>
+            </a:r>
+            <a:endParaRPr lang="en-US" sz="800" dirty="0">
+              <a:solidFill>
+                <a:srgbClr val="052049"/>
+              </a:solidFill>
+              <a:latin typeface="+mj-lt"/>
+            </a:endParaRPr>
+          </a:p>
+        </p:txBody>
+      </p:sp>
+    </p:spTree>
+    <p:extLst>
+      <p:ext uri="{BB962C8B-B14F-4D97-AF65-F5344CB8AC3E}">
+        <p14:creationId xmlns:p14="http://schemas.microsoft.com/office/powerpoint/2010/main" val="1409691162"/>
+      </p:ext>
+    </p:extLst>
+  </p:cSld>
+  <p:clrMapOvr>
+    <a:masterClrMapping/>
+  </p:clrMapOvr>
+</p:notes>
+</file>
+
+<file path=ppt/notesSlides/notesSlide7.xml><?xml version="1.0" encoding="utf-8"?>
+<p:notes xmlns:a="http://schemas.openxmlformats.org/drawingml/2006/main" xmlns:r="http://schemas.openxmlformats.org/officeDocument/2006/relationships" xmlns:p="http://schemas.openxmlformats.org/presentationml/2006/main">
+  <p:cSld>
+    <p:spTree>
+      <p:nvGrpSpPr>
+        <p:cNvPr id="1" name=""/>
+        <p:cNvGrpSpPr/>
+        <p:nvPr/>
+      </p:nvGrpSpPr>
+      <p:grpSpPr>
+        <a:xfrm>
+          <a:off x="0" y="0"/>
+          <a:ext cx="0" cy="0"/>
+          <a:chOff x="0" y="0"/>
+          <a:chExt cx="0" cy="0"/>
+        </a:xfrm>
+      </p:grpSpPr>
+      <p:sp>
+        <p:nvSpPr>
+          <p:cNvPr id="2" name="Slide Image Placeholder 1"/>
+          <p:cNvSpPr>
+            <a:spLocks noGrp="1" noRot="1" noChangeAspect="1"/>
+          </p:cNvSpPr>
+          <p:nvPr>
+            <p:ph type="sldImg"/>
+          </p:nvPr>
+        </p:nvSpPr>
+        <p:spPr/>
+      </p:sp>
+      <p:sp>
+        <p:nvSpPr>
+          <p:cNvPr id="3" name="Notes Placeholder 2"/>
+          <p:cNvSpPr>
+            <a:spLocks noGrp="1"/>
+          </p:cNvSpPr>
+          <p:nvPr>
+            <p:ph type="body" idx="1"/>
+          </p:nvPr>
+        </p:nvSpPr>
+        <p:spPr/>
+        <p:txBody>
+          <a:bodyPr/>
+          <a:lstStyle/>
+          <a:p>
+            <a:endParaRPr lang="en-US" dirty="0"/>
+          </a:p>
+        </p:txBody>
+      </p:sp>
+      <p:sp>
+        <p:nvSpPr>
+          <p:cNvPr id="4" name="Slide Number Placeholder 3"/>
+          <p:cNvSpPr>
+            <a:spLocks noGrp="1"/>
+          </p:cNvSpPr>
+          <p:nvPr>
+            <p:ph type="sldNum" sz="quarter" idx="10"/>
+          </p:nvPr>
+        </p:nvSpPr>
+        <p:spPr/>
+        <p:txBody>
+          <a:bodyPr/>
+          <a:lstStyle/>
+          <a:p>
+            <a:pPr algn="r"/>
+            <a:fld id="{111E5896-917A-4035-A860-408E1EC3CD51}" type="slidenum">
+              <a:rPr lang="en-US" smtClean="0">
+                <a:solidFill>
+                  <a:srgbClr val="052049"/>
+                </a:solidFill>
+                <a:latin typeface="Arial" pitchFamily="34" charset="0"/>
+                <a:cs typeface="Arial" pitchFamily="34" charset="0"/>
+              </a:rPr>
+              <a:pPr algn="r"/>
+              <a:t>8</a:t>
+            </a:fld>
+            <a:endParaRPr lang="en-US" dirty="0">
+              <a:solidFill>
+                <a:srgbClr val="052049"/>
+              </a:solidFill>
+              <a:latin typeface="Arial" pitchFamily="34" charset="0"/>
+              <a:cs typeface="Arial" pitchFamily="34" charset="0"/>
+            </a:endParaRPr>
+          </a:p>
+        </p:txBody>
+      </p:sp>
+      <p:sp>
+        <p:nvSpPr>
+          <p:cNvPr id="5" name="Footer Placeholder 4"/>
+          <p:cNvSpPr>
+            <a:spLocks noGrp="1"/>
+          </p:cNvSpPr>
+          <p:nvPr>
+            <p:ph type="ftr" sz="quarter" idx="11"/>
+          </p:nvPr>
+        </p:nvSpPr>
+        <p:spPr/>
+        <p:txBody>
+          <a:bodyPr/>
+          <a:lstStyle/>
+          <a:p>
+            <a:r>
+              <a:rPr lang="en-US" sz="800">
+                <a:solidFill>
+                  <a:srgbClr val="052049"/>
+                </a:solidFill>
+                <a:latin typeface="+mj-lt"/>
+              </a:rPr>
+              <a:t>| [footer text here]</a:t>
+            </a:r>
+            <a:endParaRPr lang="en-US" sz="800" dirty="0">
+              <a:solidFill>
+                <a:srgbClr val="052049"/>
+              </a:solidFill>
+              <a:latin typeface="+mj-lt"/>
+            </a:endParaRPr>
+          </a:p>
+        </p:txBody>
+      </p:sp>
+    </p:spTree>
+    <p:extLst>
+      <p:ext uri="{BB962C8B-B14F-4D97-AF65-F5344CB8AC3E}">
+        <p14:creationId xmlns:p14="http://schemas.microsoft.com/office/powerpoint/2010/main" val="2368557832"/>
+      </p:ext>
+    </p:extLst>
+  </p:cSld>
+  <p:clrMapOvr>
+    <a:masterClrMapping/>
+  </p:clrMapOvr>
+</p:notes>
+</file>
+
+<file path=ppt/notesSlides/notesSlide8.xml><?xml version="1.0" encoding="utf-8"?>
+<p:notes xmlns:a="http://schemas.openxmlformats.org/drawingml/2006/main" xmlns:r="http://schemas.openxmlformats.org/officeDocument/2006/relationships" xmlns:p="http://schemas.openxmlformats.org/presentationml/2006/main">
+  <p:cSld>
+    <p:spTree>
+      <p:nvGrpSpPr>
+        <p:cNvPr id="1" name=""/>
+        <p:cNvGrpSpPr/>
+        <p:nvPr/>
+      </p:nvGrpSpPr>
+      <p:grpSpPr>
+        <a:xfrm>
+          <a:off x="0" y="0"/>
+          <a:ext cx="0" cy="0"/>
+          <a:chOff x="0" y="0"/>
+          <a:chExt cx="0" cy="0"/>
+        </a:xfrm>
+      </p:grpSpPr>
+      <p:sp>
+        <p:nvSpPr>
+          <p:cNvPr id="2" name="Slide Image Placeholder 1"/>
+          <p:cNvSpPr>
+            <a:spLocks noGrp="1" noRot="1" noChangeAspect="1"/>
+          </p:cNvSpPr>
+          <p:nvPr>
+            <p:ph type="sldImg"/>
+          </p:nvPr>
+        </p:nvSpPr>
+        <p:spPr/>
+      </p:sp>
+      <p:sp>
+        <p:nvSpPr>
+          <p:cNvPr id="3" name="Notes Placeholder 2"/>
+          <p:cNvSpPr>
+            <a:spLocks noGrp="1"/>
+          </p:cNvSpPr>
+          <p:nvPr>
+            <p:ph type="body" idx="1"/>
+          </p:nvPr>
+        </p:nvSpPr>
+        <p:spPr/>
+        <p:txBody>
+          <a:bodyPr/>
+          <a:lstStyle/>
+          <a:p>
+            <a:r>
+              <a:rPr lang="en-US" dirty="0"/>
+              <a:t>Now that you know a little more about the types of online resources you may encounter when you just google it, you should be able to select the resources that fit your needs when you see the google results! Thank you.</a:t>
+            </a:r>
+          </a:p>
+        </p:txBody>
+      </p:sp>
+      <p:sp>
+        <p:nvSpPr>
+          <p:cNvPr id="4" name="Slide Number Placeholder 3"/>
+          <p:cNvSpPr>
+            <a:spLocks noGrp="1"/>
+          </p:cNvSpPr>
+          <p:nvPr>
+            <p:ph type="sldNum" sz="quarter" idx="5"/>
+          </p:nvPr>
+        </p:nvSpPr>
+        <p:spPr/>
+        <p:txBody>
+          <a:bodyPr/>
+          <a:lstStyle/>
+          <a:p>
+            <a:pPr marL="0" marR="0" lvl="0" indent="0" algn="r" defTabSz="914400" rtl="0" eaLnBrk="1" fontAlgn="auto" latinLnBrk="0" hangingPunct="1">
+              <a:lnSpc>
+                <a:spcPct val="100000"/>
+              </a:lnSpc>
+              <a:spcBef>
+                <a:spcPts val="0"/>
+              </a:spcBef>
+              <a:spcAft>
+                <a:spcPts val="0"/>
+              </a:spcAft>
+              <a:buClrTx/>
+              <a:buSzTx/>
+              <a:buFontTx/>
+              <a:buNone/>
+              <a:tabLst/>
+              <a:defRPr/>
+            </a:pPr>
+            <a:fld id="{DF811066-0135-4CAA-8AD4-89A97190AC00}" type="slidenum">
+              <a:rPr kumimoji="0" lang="en-US" sz="1200" b="0" i="0" u="none" strike="noStrike" kern="1200" cap="none" spc="0" normalizeH="0" baseline="0" noProof="0" smtClean="0">
+                <a:ln>
+                  <a:noFill/>
+                </a:ln>
+                <a:solidFill>
+                  <a:prstClr val="black"/>
+                </a:solidFill>
+                <a:effectLst/>
+                <a:uLnTx/>
+                <a:uFillTx/>
+                <a:latin typeface="Calibri"/>
+                <a:ea typeface="+mn-ea"/>
+                <a:cs typeface="+mn-cs"/>
+              </a:rPr>
+              <a:pPr marL="0" marR="0" lvl="0" indent="0" algn="r" defTabSz="914400" rtl="0" eaLnBrk="1" fontAlgn="auto" latinLnBrk="0" hangingPunct="1">
+                <a:lnSpc>
+                  <a:spcPct val="100000"/>
+                </a:lnSpc>
+                <a:spcBef>
+                  <a:spcPts val="0"/>
+                </a:spcBef>
+                <a:spcAft>
+                  <a:spcPts val="0"/>
+                </a:spcAft>
+                <a:buClrTx/>
+                <a:buSzTx/>
+                <a:buFontTx/>
+                <a:buNone/>
+                <a:tabLst/>
+                <a:defRPr/>
+              </a:pPr>
+              <a:t>9</a:t>
+            </a:fld>
+            <a:endParaRPr kumimoji="0" lang="en-US" sz="1200" b="0" i="0" u="none" strike="noStrike" kern="1200" cap="none" spc="0" normalizeH="0" baseline="0" noProof="0">
+              <a:ln>
+                <a:noFill/>
+              </a:ln>
+              <a:solidFill>
+                <a:prstClr val="black"/>
+              </a:solidFill>
+              <a:effectLst/>
+              <a:uLnTx/>
+              <a:uFillTx/>
+              <a:latin typeface="Calibri"/>
+              <a:ea typeface="+mn-ea"/>
+              <a:cs typeface="+mn-cs"/>
+            </a:endParaRPr>
+          </a:p>
+        </p:txBody>
+      </p:sp>
+    </p:spTree>
+    <p:extLst>
+      <p:ext uri="{BB962C8B-B14F-4D97-AF65-F5344CB8AC3E}">
+        <p14:creationId xmlns:p14="http://schemas.microsoft.com/office/powerpoint/2010/main" val="3990263809"/>
+      </p:ext>
+    </p:extLst>
+  </p:cSld>
+  <p:clrMapOvr>
+    <a:masterClrMapping/>
+  </p:clrMapOvr>
+</p:notes>
+</file>
+
 <file path=ppt/slideLayouts/slideLayout1.xml><?xml version="1.0" encoding="utf-8"?>
 <p:sldLayout xmlns:a="http://schemas.openxmlformats.org/drawingml/2006/main" xmlns:r="http://schemas.openxmlformats.org/officeDocument/2006/relationships" xmlns:p="http://schemas.openxmlformats.org/presentationml/2006/main" type="title" preserve="1">
   <p:cSld name="Title Slide">
@@ -623,7 +1692,7 @@
           <a:p>
             <a:fld id="{7BFB377E-53ED-FE4D-83F9-4165E39010D6}" type="datetimeFigureOut">
               <a:rPr lang="en-US" smtClean="0"/>
-              <a:t>8/13/21</a:t>
+              <a:t>9/17/21</a:t>
             </a:fld>
             <a:endParaRPr lang="en-US"/>
           </a:p>
@@ -821,7 +1890,7 @@
           <a:p>
             <a:fld id="{7BFB377E-53ED-FE4D-83F9-4165E39010D6}" type="datetimeFigureOut">
               <a:rPr lang="en-US" smtClean="0"/>
-              <a:t>8/13/21</a:t>
+              <a:t>9/17/21</a:t>
             </a:fld>
             <a:endParaRPr lang="en-US"/>
           </a:p>
@@ -1029,7 +2098,7 @@
           <a:p>
             <a:fld id="{7BFB377E-53ED-FE4D-83F9-4165E39010D6}" type="datetimeFigureOut">
               <a:rPr lang="en-US" smtClean="0"/>
-              <a:t>8/13/21</a:t>
+              <a:t>9/17/21</a:t>
             </a:fld>
             <a:endParaRPr lang="en-US"/>
           </a:p>
@@ -1103,6 +2172,297 @@
 </file>
 
 <file path=ppt/slideLayouts/slideLayout12.xml><?xml version="1.0" encoding="utf-8"?>
+<p:sldLayout xmlns:a="http://schemas.openxmlformats.org/drawingml/2006/main" xmlns:r="http://schemas.openxmlformats.org/officeDocument/2006/relationships" xmlns:p="http://schemas.openxmlformats.org/presentationml/2006/main" userDrawn="1">
+  <p:cSld name="Two Column Slide – White">
+    <p:spTree>
+      <p:nvGrpSpPr>
+        <p:cNvPr id="1" name=""/>
+        <p:cNvGrpSpPr/>
+        <p:nvPr/>
+      </p:nvGrpSpPr>
+      <p:grpSpPr>
+        <a:xfrm>
+          <a:off x="0" y="0"/>
+          <a:ext cx="0" cy="0"/>
+          <a:chOff x="0" y="0"/>
+          <a:chExt cx="0" cy="0"/>
+        </a:xfrm>
+      </p:grpSpPr>
+      <p:sp>
+        <p:nvSpPr>
+          <p:cNvPr id="10" name="Footer Placeholder 9"/>
+          <p:cNvSpPr>
+            <a:spLocks noGrp="1"/>
+          </p:cNvSpPr>
+          <p:nvPr>
+            <p:ph type="ftr" sz="quarter" idx="12"/>
+          </p:nvPr>
+        </p:nvSpPr>
+        <p:spPr/>
+        <p:txBody>
+          <a:bodyPr/>
+          <a:lstStyle/>
+          <a:p>
+            <a:r>
+              <a:rPr lang="en-US" dirty="0"/>
+              <a:t>Presentation Title</a:t>
+            </a:r>
+          </a:p>
+        </p:txBody>
+      </p:sp>
+      <p:sp>
+        <p:nvSpPr>
+          <p:cNvPr id="14" name="Slide Number Placeholder 13"/>
+          <p:cNvSpPr>
+            <a:spLocks noGrp="1"/>
+          </p:cNvSpPr>
+          <p:nvPr>
+            <p:ph type="sldNum" sz="quarter" idx="13"/>
+          </p:nvPr>
+        </p:nvSpPr>
+        <p:spPr/>
+        <p:txBody>
+          <a:bodyPr/>
+          <a:lstStyle/>
+          <a:p>
+            <a:fld id="{7BCC8D0D-EAEC-449D-9161-023DFF90F2E2}" type="slidenum">
+              <a:rPr lang="en-US" smtClean="0"/>
+              <a:pPr/>
+              <a:t>‹#›</a:t>
+            </a:fld>
+            <a:endParaRPr lang="en-US" dirty="0"/>
+          </a:p>
+        </p:txBody>
+      </p:sp>
+      <p:sp>
+        <p:nvSpPr>
+          <p:cNvPr id="11" name="Title 15"/>
+          <p:cNvSpPr>
+            <a:spLocks noGrp="1"/>
+          </p:cNvSpPr>
+          <p:nvPr>
+            <p:ph type="title" hasCustomPrompt="1"/>
+          </p:nvPr>
+        </p:nvSpPr>
+        <p:spPr>
+          <a:xfrm>
+            <a:off x="604780" y="425001"/>
+            <a:ext cx="10898107" cy="611449"/>
+          </a:xfrm>
+        </p:spPr>
+        <p:txBody>
+          <a:bodyPr anchor="b">
+            <a:noAutofit/>
+          </a:bodyPr>
+          <a:lstStyle>
+            <a:lvl1pPr>
+              <a:defRPr sz="4800">
+                <a:latin typeface="+mj-lt"/>
+              </a:defRPr>
+            </a:lvl1pPr>
+          </a:lstStyle>
+          <a:p>
+            <a:r>
+              <a:rPr lang="en-US" dirty="0"/>
+              <a:t>Slide Title Here</a:t>
+            </a:r>
+          </a:p>
+        </p:txBody>
+      </p:sp>
+      <p:sp>
+        <p:nvSpPr>
+          <p:cNvPr id="12" name="Text Placeholder 3"/>
+          <p:cNvSpPr>
+            <a:spLocks noGrp="1"/>
+          </p:cNvSpPr>
+          <p:nvPr>
+            <p:ph type="body" sz="quarter" idx="15" hasCustomPrompt="1"/>
+          </p:nvPr>
+        </p:nvSpPr>
+        <p:spPr>
+          <a:xfrm>
+            <a:off x="609603" y="927654"/>
+            <a:ext cx="10893285" cy="446529"/>
+          </a:xfrm>
+          <a:prstGeom prst="rect">
+            <a:avLst/>
+          </a:prstGeom>
+        </p:spPr>
+        <p:txBody>
+          <a:bodyPr>
+            <a:noAutofit/>
+          </a:bodyPr>
+          <a:lstStyle>
+            <a:lvl1pPr marL="0" indent="0">
+              <a:lnSpc>
+                <a:spcPct val="100000"/>
+              </a:lnSpc>
+              <a:buNone/>
+              <a:defRPr sz="2400" i="0">
+                <a:latin typeface="+mn-lt"/>
+              </a:defRPr>
+            </a:lvl1pPr>
+            <a:lvl2pPr marL="306908" indent="0">
+              <a:lnSpc>
+                <a:spcPct val="100000"/>
+              </a:lnSpc>
+              <a:buNone/>
+              <a:defRPr i="1">
+                <a:latin typeface="+mn-lt"/>
+              </a:defRPr>
+            </a:lvl2pPr>
+            <a:lvl3pPr marL="687899" indent="0">
+              <a:lnSpc>
+                <a:spcPct val="100000"/>
+              </a:lnSpc>
+              <a:buNone/>
+              <a:defRPr i="1">
+                <a:latin typeface="+mn-lt"/>
+              </a:defRPr>
+            </a:lvl3pPr>
+            <a:lvl4pPr marL="1066773" indent="0">
+              <a:lnSpc>
+                <a:spcPct val="100000"/>
+              </a:lnSpc>
+              <a:buNone/>
+              <a:defRPr i="1">
+                <a:latin typeface="+mn-lt"/>
+              </a:defRPr>
+            </a:lvl4pPr>
+            <a:lvl5pPr marL="1447764" indent="0">
+              <a:lnSpc>
+                <a:spcPct val="100000"/>
+              </a:lnSpc>
+              <a:buNone/>
+              <a:defRPr i="1">
+                <a:latin typeface="+mn-lt"/>
+              </a:defRPr>
+            </a:lvl5pPr>
+          </a:lstStyle>
+          <a:p>
+            <a:pPr lvl="0"/>
+            <a:r>
+              <a:rPr lang="en-US" dirty="0"/>
+              <a:t>Optional Subhead here</a:t>
+            </a:r>
+          </a:p>
+        </p:txBody>
+      </p:sp>
+      <p:sp>
+        <p:nvSpPr>
+          <p:cNvPr id="8" name="Content Placeholder 3"/>
+          <p:cNvSpPr>
+            <a:spLocks noGrp="1"/>
+          </p:cNvSpPr>
+          <p:nvPr>
+            <p:ph sz="quarter" idx="18" hasCustomPrompt="1"/>
+          </p:nvPr>
+        </p:nvSpPr>
+        <p:spPr>
+          <a:xfrm>
+            <a:off x="609234" y="1894325"/>
+            <a:ext cx="5102453" cy="3804111"/>
+          </a:xfrm>
+        </p:spPr>
+        <p:txBody>
+          <a:bodyPr/>
+          <a:lstStyle/>
+          <a:p>
+            <a:pPr lvl="0"/>
+            <a:r>
+              <a:rPr lang="en-US" dirty="0"/>
+              <a:t>Click to add text</a:t>
+            </a:r>
+          </a:p>
+          <a:p>
+            <a:pPr lvl="1"/>
+            <a:r>
+              <a:rPr lang="en-US" dirty="0"/>
+              <a:t>Second level</a:t>
+            </a:r>
+          </a:p>
+          <a:p>
+            <a:pPr lvl="2"/>
+            <a:r>
+              <a:rPr lang="en-US" dirty="0"/>
+              <a:t>Third level</a:t>
+            </a:r>
+          </a:p>
+          <a:p>
+            <a:pPr lvl="3"/>
+            <a:r>
+              <a:rPr lang="en-US" dirty="0"/>
+              <a:t>Fourth level</a:t>
+            </a:r>
+          </a:p>
+        </p:txBody>
+      </p:sp>
+      <p:sp>
+        <p:nvSpPr>
+          <p:cNvPr id="9" name="Content Placeholder 3"/>
+          <p:cNvSpPr>
+            <a:spLocks noGrp="1"/>
+          </p:cNvSpPr>
+          <p:nvPr>
+            <p:ph sz="quarter" idx="19" hasCustomPrompt="1"/>
+          </p:nvPr>
+        </p:nvSpPr>
+        <p:spPr>
+          <a:xfrm>
+            <a:off x="6387182" y="1894325"/>
+            <a:ext cx="5102453" cy="3804111"/>
+          </a:xfrm>
+        </p:spPr>
+        <p:txBody>
+          <a:bodyPr/>
+          <a:lstStyle/>
+          <a:p>
+            <a:pPr lvl="0"/>
+            <a:r>
+              <a:rPr lang="en-US" dirty="0"/>
+              <a:t>Click to add text</a:t>
+            </a:r>
+          </a:p>
+          <a:p>
+            <a:pPr lvl="1"/>
+            <a:r>
+              <a:rPr lang="en-US" dirty="0"/>
+              <a:t>Second level</a:t>
+            </a:r>
+          </a:p>
+          <a:p>
+            <a:pPr lvl="2"/>
+            <a:r>
+              <a:rPr lang="en-US" dirty="0"/>
+              <a:t>Third level</a:t>
+            </a:r>
+          </a:p>
+          <a:p>
+            <a:pPr lvl="3"/>
+            <a:r>
+              <a:rPr lang="en-US" dirty="0"/>
+              <a:t>Fourth level</a:t>
+            </a:r>
+          </a:p>
+        </p:txBody>
+      </p:sp>
+    </p:spTree>
+    <p:extLst>
+      <p:ext uri="{BB962C8B-B14F-4D97-AF65-F5344CB8AC3E}">
+        <p14:creationId xmlns:p14="http://schemas.microsoft.com/office/powerpoint/2010/main" val="192085535"/>
+      </p:ext>
+    </p:extLst>
+  </p:cSld>
+  <p:clrMapOvr>
+    <a:masterClrMapping/>
+  </p:clrMapOvr>
+  <p:transition>
+    <p:fade/>
+  </p:transition>
+</p:sldLayout>
+</file>
+
+<file path=ppt/slideLayouts/slideLayout13.xml><?xml version="1.0" encoding="utf-8"?>
 <p:sldLayout xmlns:a="http://schemas.openxmlformats.org/drawingml/2006/main" xmlns:r="http://schemas.openxmlformats.org/officeDocument/2006/relationships" xmlns:p="http://schemas.openxmlformats.org/presentationml/2006/main" preserve="1" userDrawn="1">
   <p:cSld name="Cover – Blue1">
     <p:bg>
@@ -1383,7 +2743,7 @@
             <a:fld id="{7CA65D26-67D5-4CD2-90EC-E629659F24B3}" type="datetime1">
               <a:rPr lang="en-US" smtClean="0"/>
               <a:pPr/>
-              <a:t>8/13/21</a:t>
+              <a:t>9/17/21</a:t>
             </a:fld>
             <a:endParaRPr lang="en-US" dirty="0"/>
           </a:p>
@@ -1482,7 +2842,7 @@
 </p:sldLayout>
 </file>
 
-<file path=ppt/slideLayouts/slideLayout13.xml><?xml version="1.0" encoding="utf-8"?>
+<file path=ppt/slideLayouts/slideLayout14.xml><?xml version="1.0" encoding="utf-8"?>
 <p:sldLayout xmlns:a="http://schemas.openxmlformats.org/drawingml/2006/main" xmlns:r="http://schemas.openxmlformats.org/officeDocument/2006/relationships" xmlns:p="http://schemas.openxmlformats.org/presentationml/2006/main" preserve="1" userDrawn="1">
   <p:cSld name="Cover – Teal1">
     <p:bg>
@@ -1613,7 +2973,7 @@
             <a:fld id="{7CA65D26-67D5-4CD2-90EC-E629659F24B3}" type="datetime1">
               <a:rPr lang="en-US" smtClean="0"/>
               <a:pPr/>
-              <a:t>8/13/21</a:t>
+              <a:t>9/17/21</a:t>
             </a:fld>
             <a:endParaRPr lang="en-US" dirty="0"/>
           </a:p>
@@ -1861,7 +3221,7 @@
 </p:sldLayout>
 </file>
 
-<file path=ppt/slideLayouts/slideLayout14.xml><?xml version="1.0" encoding="utf-8"?>
+<file path=ppt/slideLayouts/slideLayout15.xml><?xml version="1.0" encoding="utf-8"?>
 <p:sldLayout xmlns:a="http://schemas.openxmlformats.org/drawingml/2006/main" xmlns:r="http://schemas.openxmlformats.org/officeDocument/2006/relationships" xmlns:p="http://schemas.openxmlformats.org/presentationml/2006/main" preserve="1" userDrawn="1">
   <p:cSld name="Cover – Blue2">
     <p:bg>
@@ -1992,7 +3352,7 @@
             <a:fld id="{7CA65D26-67D5-4CD2-90EC-E629659F24B3}" type="datetime1">
               <a:rPr lang="en-US" smtClean="0"/>
               <a:pPr/>
-              <a:t>8/13/21</a:t>
+              <a:t>9/17/21</a:t>
             </a:fld>
             <a:endParaRPr lang="en-US" dirty="0"/>
           </a:p>
@@ -2240,7 +3600,7 @@
 </p:sldLayout>
 </file>
 
-<file path=ppt/slideLayouts/slideLayout15.xml><?xml version="1.0" encoding="utf-8"?>
+<file path=ppt/slideLayouts/slideLayout16.xml><?xml version="1.0" encoding="utf-8"?>
 <p:sldLayout xmlns:a="http://schemas.openxmlformats.org/drawingml/2006/main" xmlns:r="http://schemas.openxmlformats.org/officeDocument/2006/relationships" xmlns:p="http://schemas.openxmlformats.org/presentationml/2006/main" preserve="1" userDrawn="1">
   <p:cSld name="Cover – Teal2">
     <p:bg>
@@ -2371,7 +3731,7 @@
             <a:fld id="{7CA65D26-67D5-4CD2-90EC-E629659F24B3}" type="datetime1">
               <a:rPr lang="en-US" smtClean="0"/>
               <a:pPr/>
-              <a:t>8/13/21</a:t>
+              <a:t>9/17/21</a:t>
             </a:fld>
             <a:endParaRPr lang="en-US" dirty="0"/>
           </a:p>
@@ -2619,7 +3979,7 @@
 </p:sldLayout>
 </file>
 
-<file path=ppt/slideLayouts/slideLayout16.xml><?xml version="1.0" encoding="utf-8"?>
+<file path=ppt/slideLayouts/slideLayout17.xml><?xml version="1.0" encoding="utf-8"?>
 <p:sldLayout xmlns:a="http://schemas.openxmlformats.org/drawingml/2006/main" xmlns:r="http://schemas.openxmlformats.org/officeDocument/2006/relationships" xmlns:p="http://schemas.openxmlformats.org/presentationml/2006/main" preserve="1" userDrawn="1">
   <p:cSld name="Cover – Navy">
     <p:bg>
@@ -2759,7 +4119,7 @@
             <a:fld id="{7CA65D26-67D5-4CD2-90EC-E629659F24B3}" type="datetime1">
               <a:rPr lang="en-US" smtClean="0"/>
               <a:pPr/>
-              <a:t>8/13/21</a:t>
+              <a:t>9/17/21</a:t>
             </a:fld>
             <a:endParaRPr lang="en-US" dirty="0"/>
           </a:p>
@@ -2965,7 +4325,7 @@
 </p:sldLayout>
 </file>
 
-<file path=ppt/slideLayouts/slideLayout17.xml><?xml version="1.0" encoding="utf-8"?>
+<file path=ppt/slideLayouts/slideLayout18.xml><?xml version="1.0" encoding="utf-8"?>
 <p:sldLayout xmlns:a="http://schemas.openxmlformats.org/drawingml/2006/main" xmlns:r="http://schemas.openxmlformats.org/officeDocument/2006/relationships" xmlns:p="http://schemas.openxmlformats.org/presentationml/2006/main" preserve="1" userDrawn="1">
   <p:cSld name="Bullet Slide-Navy">
     <p:bg>
@@ -3225,7 +4585,7 @@
 </p:sldLayout>
 </file>
 
-<file path=ppt/slideLayouts/slideLayout18.xml><?xml version="1.0" encoding="utf-8"?>
+<file path=ppt/slideLayouts/slideLayout19.xml><?xml version="1.0" encoding="utf-8"?>
 <p:sldLayout xmlns:a="http://schemas.openxmlformats.org/drawingml/2006/main" xmlns:r="http://schemas.openxmlformats.org/officeDocument/2006/relationships" xmlns:p="http://schemas.openxmlformats.org/presentationml/2006/main" preserve="1" userDrawn="1">
   <p:cSld name="Blank Slide – Navy">
     <p:bg>
@@ -3297,128 +4657,6 @@
     <p:extLst>
       <p:ext uri="{BB962C8B-B14F-4D97-AF65-F5344CB8AC3E}">
         <p14:creationId xmlns:p14="http://schemas.microsoft.com/office/powerpoint/2010/main" val="3425359341"/>
-      </p:ext>
-    </p:extLst>
-  </p:cSld>
-  <p:clrMapOvr>
-    <a:overrideClrMapping bg1="dk1" tx1="lt1" bg2="dk2" tx2="lt2" accent1="accent1" accent2="accent2" accent3="accent3" accent4="accent4" accent5="accent5" accent6="accent6" hlink="hlink" folHlink="folHlink"/>
-  </p:clrMapOvr>
-  <p:transition>
-    <p:fade/>
-  </p:transition>
-</p:sldLayout>
-</file>
-
-<file path=ppt/slideLayouts/slideLayout19.xml><?xml version="1.0" encoding="utf-8"?>
-<p:sldLayout xmlns:a="http://schemas.openxmlformats.org/drawingml/2006/main" xmlns:r="http://schemas.openxmlformats.org/officeDocument/2006/relationships" xmlns:p="http://schemas.openxmlformats.org/presentationml/2006/main" preserve="1" userDrawn="1">
-  <p:cSld name="Chart Slide – Navy">
-    <p:bg>
-      <p:bgRef idx="1001">
-        <a:schemeClr val="bg2"/>
-      </p:bgRef>
-    </p:bg>
-    <p:spTree>
-      <p:nvGrpSpPr>
-        <p:cNvPr id="1" name=""/>
-        <p:cNvGrpSpPr/>
-        <p:nvPr/>
-      </p:nvGrpSpPr>
-      <p:grpSpPr>
-        <a:xfrm>
-          <a:off x="0" y="0"/>
-          <a:ext cx="0" cy="0"/>
-          <a:chOff x="0" y="0"/>
-          <a:chExt cx="0" cy="0"/>
-        </a:xfrm>
-      </p:grpSpPr>
-      <p:sp>
-        <p:nvSpPr>
-          <p:cNvPr id="10" name="Footer Placeholder 9"/>
-          <p:cNvSpPr>
-            <a:spLocks noGrp="1"/>
-          </p:cNvSpPr>
-          <p:nvPr>
-            <p:ph type="ftr" sz="quarter" idx="12"/>
-          </p:nvPr>
-        </p:nvSpPr>
-        <p:spPr/>
-        <p:txBody>
-          <a:bodyPr/>
-          <a:lstStyle/>
-          <a:p>
-            <a:r>
-              <a:rPr lang="en-US" dirty="0"/>
-              <a:t>Presentation Title</a:t>
-            </a:r>
-          </a:p>
-        </p:txBody>
-      </p:sp>
-      <p:sp>
-        <p:nvSpPr>
-          <p:cNvPr id="14" name="Slide Number Placeholder 13"/>
-          <p:cNvSpPr>
-            <a:spLocks noGrp="1"/>
-          </p:cNvSpPr>
-          <p:nvPr>
-            <p:ph type="sldNum" sz="quarter" idx="13"/>
-          </p:nvPr>
-        </p:nvSpPr>
-        <p:spPr/>
-        <p:txBody>
-          <a:bodyPr/>
-          <a:lstStyle/>
-          <a:p>
-            <a:fld id="{7BCC8D0D-EAEC-449D-9161-023DFF90F2E2}" type="slidenum">
-              <a:rPr lang="en-US" smtClean="0"/>
-              <a:pPr/>
-              <a:t>‹#›</a:t>
-            </a:fld>
-            <a:endParaRPr lang="en-US" dirty="0"/>
-          </a:p>
-        </p:txBody>
-      </p:sp>
-      <p:sp>
-        <p:nvSpPr>
-          <p:cNvPr id="5" name="Chart Placeholder 2"/>
-          <p:cNvSpPr>
-            <a:spLocks noGrp="1"/>
-          </p:cNvSpPr>
-          <p:nvPr>
-            <p:ph type="chart" sz="quarter" idx="14"/>
-          </p:nvPr>
-        </p:nvSpPr>
-        <p:spPr>
-          <a:xfrm>
-            <a:off x="357810" y="469927"/>
-            <a:ext cx="11449876" cy="5297083"/>
-          </a:xfrm>
-          <a:prstGeom prst="rect">
-            <a:avLst/>
-          </a:prstGeom>
-        </p:spPr>
-        <p:txBody>
-          <a:bodyPr>
-            <a:normAutofit/>
-          </a:bodyPr>
-          <a:lstStyle>
-            <a:lvl1pPr marL="0" indent="0">
-              <a:buNone/>
-              <a:defRPr/>
-            </a:lvl1pPr>
-          </a:lstStyle>
-          <a:p>
-            <a:r>
-              <a:rPr lang="en-US"/>
-              <a:t>Click icon to add chart</a:t>
-            </a:r>
-            <a:endParaRPr lang="en-US" dirty="0"/>
-          </a:p>
-        </p:txBody>
-      </p:sp>
-    </p:spTree>
-    <p:extLst>
-      <p:ext uri="{BB962C8B-B14F-4D97-AF65-F5344CB8AC3E}">
-        <p14:creationId xmlns:p14="http://schemas.microsoft.com/office/powerpoint/2010/main" val="4233338048"/>
       </p:ext>
     </p:extLst>
   </p:cSld>
@@ -3556,7 +4794,7 @@
           <a:p>
             <a:fld id="{7BFB377E-53ED-FE4D-83F9-4165E39010D6}" type="datetimeFigureOut">
               <a:rPr lang="en-US" smtClean="0"/>
-              <a:t>8/13/21</a:t>
+              <a:t>9/17/21</a:t>
             </a:fld>
             <a:endParaRPr lang="en-US"/>
           </a:p>
@@ -3630,6 +4868,128 @@
 </file>
 
 <file path=ppt/slideLayouts/slideLayout20.xml><?xml version="1.0" encoding="utf-8"?>
+<p:sldLayout xmlns:a="http://schemas.openxmlformats.org/drawingml/2006/main" xmlns:r="http://schemas.openxmlformats.org/officeDocument/2006/relationships" xmlns:p="http://schemas.openxmlformats.org/presentationml/2006/main" preserve="1" userDrawn="1">
+  <p:cSld name="Chart Slide – Navy">
+    <p:bg>
+      <p:bgRef idx="1001">
+        <a:schemeClr val="bg2"/>
+      </p:bgRef>
+    </p:bg>
+    <p:spTree>
+      <p:nvGrpSpPr>
+        <p:cNvPr id="1" name=""/>
+        <p:cNvGrpSpPr/>
+        <p:nvPr/>
+      </p:nvGrpSpPr>
+      <p:grpSpPr>
+        <a:xfrm>
+          <a:off x="0" y="0"/>
+          <a:ext cx="0" cy="0"/>
+          <a:chOff x="0" y="0"/>
+          <a:chExt cx="0" cy="0"/>
+        </a:xfrm>
+      </p:grpSpPr>
+      <p:sp>
+        <p:nvSpPr>
+          <p:cNvPr id="10" name="Footer Placeholder 9"/>
+          <p:cNvSpPr>
+            <a:spLocks noGrp="1"/>
+          </p:cNvSpPr>
+          <p:nvPr>
+            <p:ph type="ftr" sz="quarter" idx="12"/>
+          </p:nvPr>
+        </p:nvSpPr>
+        <p:spPr/>
+        <p:txBody>
+          <a:bodyPr/>
+          <a:lstStyle/>
+          <a:p>
+            <a:r>
+              <a:rPr lang="en-US" dirty="0"/>
+              <a:t>Presentation Title</a:t>
+            </a:r>
+          </a:p>
+        </p:txBody>
+      </p:sp>
+      <p:sp>
+        <p:nvSpPr>
+          <p:cNvPr id="14" name="Slide Number Placeholder 13"/>
+          <p:cNvSpPr>
+            <a:spLocks noGrp="1"/>
+          </p:cNvSpPr>
+          <p:nvPr>
+            <p:ph type="sldNum" sz="quarter" idx="13"/>
+          </p:nvPr>
+        </p:nvSpPr>
+        <p:spPr/>
+        <p:txBody>
+          <a:bodyPr/>
+          <a:lstStyle/>
+          <a:p>
+            <a:fld id="{7BCC8D0D-EAEC-449D-9161-023DFF90F2E2}" type="slidenum">
+              <a:rPr lang="en-US" smtClean="0"/>
+              <a:pPr/>
+              <a:t>‹#›</a:t>
+            </a:fld>
+            <a:endParaRPr lang="en-US" dirty="0"/>
+          </a:p>
+        </p:txBody>
+      </p:sp>
+      <p:sp>
+        <p:nvSpPr>
+          <p:cNvPr id="5" name="Chart Placeholder 2"/>
+          <p:cNvSpPr>
+            <a:spLocks noGrp="1"/>
+          </p:cNvSpPr>
+          <p:nvPr>
+            <p:ph type="chart" sz="quarter" idx="14"/>
+          </p:nvPr>
+        </p:nvSpPr>
+        <p:spPr>
+          <a:xfrm>
+            <a:off x="357810" y="469927"/>
+            <a:ext cx="11449876" cy="5297083"/>
+          </a:xfrm>
+          <a:prstGeom prst="rect">
+            <a:avLst/>
+          </a:prstGeom>
+        </p:spPr>
+        <p:txBody>
+          <a:bodyPr>
+            <a:normAutofit/>
+          </a:bodyPr>
+          <a:lstStyle>
+            <a:lvl1pPr marL="0" indent="0">
+              <a:buNone/>
+              <a:defRPr/>
+            </a:lvl1pPr>
+          </a:lstStyle>
+          <a:p>
+            <a:r>
+              <a:rPr lang="en-US"/>
+              <a:t>Click icon to add chart</a:t>
+            </a:r>
+            <a:endParaRPr lang="en-US" dirty="0"/>
+          </a:p>
+        </p:txBody>
+      </p:sp>
+    </p:spTree>
+    <p:extLst>
+      <p:ext uri="{BB962C8B-B14F-4D97-AF65-F5344CB8AC3E}">
+        <p14:creationId xmlns:p14="http://schemas.microsoft.com/office/powerpoint/2010/main" val="4233338048"/>
+      </p:ext>
+    </p:extLst>
+  </p:cSld>
+  <p:clrMapOvr>
+    <a:overrideClrMapping bg1="dk1" tx1="lt1" bg2="dk2" tx2="lt2" accent1="accent1" accent2="accent2" accent3="accent3" accent4="accent4" accent5="accent5" accent6="accent6" hlink="hlink" folHlink="folHlink"/>
+  </p:clrMapOvr>
+  <p:transition>
+    <p:fade/>
+  </p:transition>
+</p:sldLayout>
+</file>
+
+<file path=ppt/slideLayouts/slideLayout21.xml><?xml version="1.0" encoding="utf-8"?>
 <p:sldLayout xmlns:a="http://schemas.openxmlformats.org/drawingml/2006/main" xmlns:r="http://schemas.openxmlformats.org/officeDocument/2006/relationships" xmlns:p="http://schemas.openxmlformats.org/presentationml/2006/main" preserve="1" userDrawn="1">
   <p:cSld name="Two Column Slide – Navy">
     <p:bg>
@@ -3951,7 +5311,7 @@
 </p:sldLayout>
 </file>
 
-<file path=ppt/slideLayouts/slideLayout21.xml><?xml version="1.0" encoding="utf-8"?>
+<file path=ppt/slideLayouts/slideLayout22.xml><?xml version="1.0" encoding="utf-8"?>
 <p:sldLayout xmlns:a="http://schemas.openxmlformats.org/drawingml/2006/main" xmlns:r="http://schemas.openxmlformats.org/officeDocument/2006/relationships" xmlns:p="http://schemas.openxmlformats.org/presentationml/2006/main" preserve="1" userDrawn="1">
   <p:cSld name="Bullet Slide-White">
     <p:bg>
@@ -4203,7 +5563,7 @@
 </p:sldLayout>
 </file>
 
-<file path=ppt/slideLayouts/slideLayout22.xml><?xml version="1.0" encoding="utf-8"?>
+<file path=ppt/slideLayouts/slideLayout23.xml><?xml version="1.0" encoding="utf-8"?>
 <p:sldLayout xmlns:a="http://schemas.openxmlformats.org/drawingml/2006/main" xmlns:r="http://schemas.openxmlformats.org/officeDocument/2006/relationships" xmlns:p="http://schemas.openxmlformats.org/presentationml/2006/main" preserve="1" userDrawn="1">
   <p:cSld name="Chart Slide – White">
     <p:spTree>
@@ -4320,7 +5680,7 @@
 </p:sldLayout>
 </file>
 
-<file path=ppt/slideLayouts/slideLayout23.xml><?xml version="1.0" encoding="utf-8"?>
+<file path=ppt/slideLayouts/slideLayout24.xml><?xml version="1.0" encoding="utf-8"?>
 <p:sldLayout xmlns:a="http://schemas.openxmlformats.org/drawingml/2006/main" xmlns:r="http://schemas.openxmlformats.org/officeDocument/2006/relationships" xmlns:p="http://schemas.openxmlformats.org/presentationml/2006/main" preserve="1" userDrawn="1">
   <p:cSld name="Two Column Slide – White">
     <p:spTree>
@@ -4611,7 +5971,7 @@
 </p:sldLayout>
 </file>
 
-<file path=ppt/slideLayouts/slideLayout24.xml><?xml version="1.0" encoding="utf-8"?>
+<file path=ppt/slideLayouts/slideLayout25.xml><?xml version="1.0" encoding="utf-8"?>
 <p:sldLayout xmlns:a="http://schemas.openxmlformats.org/drawingml/2006/main" xmlns:r="http://schemas.openxmlformats.org/officeDocument/2006/relationships" xmlns:p="http://schemas.openxmlformats.org/presentationml/2006/main" preserve="1" userDrawn="1">
   <p:cSld name="Quote Slide – Blue">
     <p:spTree>
@@ -4980,7 +6340,7 @@
 </p:sldLayout>
 </file>
 
-<file path=ppt/slideLayouts/slideLayout25.xml><?xml version="1.0" encoding="utf-8"?>
+<file path=ppt/slideLayouts/slideLayout26.xml><?xml version="1.0" encoding="utf-8"?>
 <p:sldLayout xmlns:a="http://schemas.openxmlformats.org/drawingml/2006/main" xmlns:r="http://schemas.openxmlformats.org/officeDocument/2006/relationships" xmlns:p="http://schemas.openxmlformats.org/presentationml/2006/main" preserve="1" userDrawn="1">
   <p:cSld name="Quote Slide – Teal">
     <p:spTree>
@@ -5349,7 +6709,7 @@
 </p:sldLayout>
 </file>
 
-<file path=ppt/slideLayouts/slideLayout26.xml><?xml version="1.0" encoding="utf-8"?>
+<file path=ppt/slideLayouts/slideLayout27.xml><?xml version="1.0" encoding="utf-8"?>
 <p:sldLayout xmlns:a="http://schemas.openxmlformats.org/drawingml/2006/main" xmlns:r="http://schemas.openxmlformats.org/officeDocument/2006/relationships" xmlns:p="http://schemas.openxmlformats.org/presentationml/2006/main" preserve="1" userDrawn="1">
   <p:cSld name="Quote Slide – Green">
     <p:spTree>
@@ -5718,7 +7078,7 @@
 </p:sldLayout>
 </file>
 
-<file path=ppt/slideLayouts/slideLayout27.xml><?xml version="1.0" encoding="utf-8"?>
+<file path=ppt/slideLayouts/slideLayout28.xml><?xml version="1.0" encoding="utf-8"?>
 <p:sldLayout xmlns:a="http://schemas.openxmlformats.org/drawingml/2006/main" xmlns:r="http://schemas.openxmlformats.org/officeDocument/2006/relationships" xmlns:p="http://schemas.openxmlformats.org/presentationml/2006/main" preserve="1" userDrawn="1">
   <p:cSld name="Section Header – Blue">
     <p:spTree>
@@ -5877,7 +7237,7 @@
 </p:sldLayout>
 </file>
 
-<file path=ppt/slideLayouts/slideLayout28.xml><?xml version="1.0" encoding="utf-8"?>
+<file path=ppt/slideLayouts/slideLayout29.xml><?xml version="1.0" encoding="utf-8"?>
 <p:sldLayout xmlns:a="http://schemas.openxmlformats.org/drawingml/2006/main" xmlns:r="http://schemas.openxmlformats.org/officeDocument/2006/relationships" xmlns:p="http://schemas.openxmlformats.org/presentationml/2006/main" preserve="1" userDrawn="1">
   <p:cSld name="Section Header – Teal">
     <p:spTree>
@@ -6024,165 +7384,6 @@
     <p:extLst>
       <p:ext uri="{BB962C8B-B14F-4D97-AF65-F5344CB8AC3E}">
         <p14:creationId xmlns:p14="http://schemas.microsoft.com/office/powerpoint/2010/main" val="2800722669"/>
-      </p:ext>
-    </p:extLst>
-  </p:cSld>
-  <p:clrMapOvr>
-    <a:masterClrMapping/>
-  </p:clrMapOvr>
-  <p:transition>
-    <p:fade/>
-  </p:transition>
-</p:sldLayout>
-</file>
-
-<file path=ppt/slideLayouts/slideLayout29.xml><?xml version="1.0" encoding="utf-8"?>
-<p:sldLayout xmlns:a="http://schemas.openxmlformats.org/drawingml/2006/main" xmlns:r="http://schemas.openxmlformats.org/officeDocument/2006/relationships" xmlns:p="http://schemas.openxmlformats.org/presentationml/2006/main" preserve="1" userDrawn="1">
-  <p:cSld name="Section Header – Green">
-    <p:spTree>
-      <p:nvGrpSpPr>
-        <p:cNvPr id="1" name=""/>
-        <p:cNvGrpSpPr/>
-        <p:nvPr/>
-      </p:nvGrpSpPr>
-      <p:grpSpPr>
-        <a:xfrm>
-          <a:off x="0" y="0"/>
-          <a:ext cx="0" cy="0"/>
-          <a:chOff x="0" y="0"/>
-          <a:chExt cx="0" cy="0"/>
-        </a:xfrm>
-      </p:grpSpPr>
-      <p:sp>
-        <p:nvSpPr>
-          <p:cNvPr id="4" name="Footer Placeholder 3"/>
-          <p:cNvSpPr>
-            <a:spLocks noGrp="1"/>
-          </p:cNvSpPr>
-          <p:nvPr>
-            <p:ph type="ftr" sz="quarter" idx="11"/>
-          </p:nvPr>
-        </p:nvSpPr>
-        <p:spPr/>
-        <p:txBody>
-          <a:bodyPr/>
-          <a:lstStyle/>
-          <a:p>
-            <a:r>
-              <a:rPr lang="en-US" dirty="0"/>
-              <a:t>Presentation Title</a:t>
-            </a:r>
-          </a:p>
-        </p:txBody>
-      </p:sp>
-      <p:sp>
-        <p:nvSpPr>
-          <p:cNvPr id="5" name="Slide Number Placeholder 4"/>
-          <p:cNvSpPr>
-            <a:spLocks noGrp="1"/>
-          </p:cNvSpPr>
-          <p:nvPr>
-            <p:ph type="sldNum" sz="quarter" idx="12"/>
-          </p:nvPr>
-        </p:nvSpPr>
-        <p:spPr/>
-        <p:txBody>
-          <a:bodyPr/>
-          <a:lstStyle/>
-          <a:p>
-            <a:fld id="{7BCC8D0D-EAEC-449D-9161-023DFF90F2E2}" type="slidenum">
-              <a:rPr lang="en-US" smtClean="0"/>
-              <a:pPr/>
-              <a:t>‹#›</a:t>
-            </a:fld>
-            <a:endParaRPr lang="en-US" dirty="0"/>
-          </a:p>
-        </p:txBody>
-      </p:sp>
-      <p:sp>
-        <p:nvSpPr>
-          <p:cNvPr id="6" name="Rectangle 5"/>
-          <p:cNvSpPr/>
-          <p:nvPr userDrawn="1"/>
-        </p:nvSpPr>
-        <p:spPr bwMode="auto">
-          <a:xfrm>
-            <a:off x="1" y="2363625"/>
-            <a:ext cx="9402305" cy="1881809"/>
-          </a:xfrm>
-          <a:prstGeom prst="rect">
-            <a:avLst/>
-          </a:prstGeom>
-          <a:solidFill>
-            <a:srgbClr val="90BD31"/>
-          </a:solidFill>
-          <a:ln w="19050" algn="ctr">
-            <a:noFill/>
-            <a:miter lim="800000"/>
-            <a:headEnd/>
-            <a:tailEnd/>
-          </a:ln>
-        </p:spPr>
-        <p:txBody>
-          <a:bodyPr wrap="none" rtlCol="0" anchor="ctr"/>
-          <a:lstStyle/>
-          <a:p>
-            <a:pPr algn="ctr">
-              <a:lnSpc>
-                <a:spcPct val="90000"/>
-              </a:lnSpc>
-            </a:pPr>
-            <a:endParaRPr lang="en-US" sz="2133" b="1" dirty="0" err="1">
-              <a:solidFill>
-                <a:schemeClr val="bg1"/>
-              </a:solidFill>
-              <a:latin typeface="+mj-lt"/>
-            </a:endParaRPr>
-          </a:p>
-        </p:txBody>
-      </p:sp>
-      <p:sp>
-        <p:nvSpPr>
-          <p:cNvPr id="7" name="Title 15"/>
-          <p:cNvSpPr>
-            <a:spLocks noGrp="1"/>
-          </p:cNvSpPr>
-          <p:nvPr>
-            <p:ph type="title" hasCustomPrompt="1"/>
-          </p:nvPr>
-        </p:nvSpPr>
-        <p:spPr>
-          <a:xfrm>
-            <a:off x="604780" y="2559252"/>
-            <a:ext cx="8580549" cy="1477195"/>
-          </a:xfrm>
-        </p:spPr>
-        <p:txBody>
-          <a:bodyPr anchor="ctr">
-            <a:noAutofit/>
-          </a:bodyPr>
-          <a:lstStyle>
-            <a:lvl1pPr>
-              <a:defRPr sz="4800" baseline="0">
-                <a:solidFill>
-                  <a:schemeClr val="bg1"/>
-                </a:solidFill>
-                <a:latin typeface="+mj-lt"/>
-              </a:defRPr>
-            </a:lvl1pPr>
-          </a:lstStyle>
-          <a:p>
-            <a:r>
-              <a:rPr lang="en-US" dirty="0"/>
-              <a:t>Section Header Here</a:t>
-            </a:r>
-          </a:p>
-        </p:txBody>
-      </p:sp>
-    </p:spTree>
-    <p:extLst>
-      <p:ext uri="{BB962C8B-B14F-4D97-AF65-F5344CB8AC3E}">
-        <p14:creationId xmlns:p14="http://schemas.microsoft.com/office/powerpoint/2010/main" val="402629782"/>
       </p:ext>
     </p:extLst>
   </p:cSld>
@@ -6397,7 +7598,7 @@
           <a:p>
             <a:fld id="{7BFB377E-53ED-FE4D-83F9-4165E39010D6}" type="datetimeFigureOut">
               <a:rPr lang="en-US" smtClean="0"/>
-              <a:t>8/13/21</a:t>
+              <a:t>9/17/21</a:t>
             </a:fld>
             <a:endParaRPr lang="en-US"/>
           </a:p>
@@ -6471,6 +7672,165 @@
 </file>
 
 <file path=ppt/slideLayouts/slideLayout30.xml><?xml version="1.0" encoding="utf-8"?>
+<p:sldLayout xmlns:a="http://schemas.openxmlformats.org/drawingml/2006/main" xmlns:r="http://schemas.openxmlformats.org/officeDocument/2006/relationships" xmlns:p="http://schemas.openxmlformats.org/presentationml/2006/main" preserve="1" userDrawn="1">
+  <p:cSld name="Section Header – Green">
+    <p:spTree>
+      <p:nvGrpSpPr>
+        <p:cNvPr id="1" name=""/>
+        <p:cNvGrpSpPr/>
+        <p:nvPr/>
+      </p:nvGrpSpPr>
+      <p:grpSpPr>
+        <a:xfrm>
+          <a:off x="0" y="0"/>
+          <a:ext cx="0" cy="0"/>
+          <a:chOff x="0" y="0"/>
+          <a:chExt cx="0" cy="0"/>
+        </a:xfrm>
+      </p:grpSpPr>
+      <p:sp>
+        <p:nvSpPr>
+          <p:cNvPr id="4" name="Footer Placeholder 3"/>
+          <p:cNvSpPr>
+            <a:spLocks noGrp="1"/>
+          </p:cNvSpPr>
+          <p:nvPr>
+            <p:ph type="ftr" sz="quarter" idx="11"/>
+          </p:nvPr>
+        </p:nvSpPr>
+        <p:spPr/>
+        <p:txBody>
+          <a:bodyPr/>
+          <a:lstStyle/>
+          <a:p>
+            <a:r>
+              <a:rPr lang="en-US" dirty="0"/>
+              <a:t>Presentation Title</a:t>
+            </a:r>
+          </a:p>
+        </p:txBody>
+      </p:sp>
+      <p:sp>
+        <p:nvSpPr>
+          <p:cNvPr id="5" name="Slide Number Placeholder 4"/>
+          <p:cNvSpPr>
+            <a:spLocks noGrp="1"/>
+          </p:cNvSpPr>
+          <p:nvPr>
+            <p:ph type="sldNum" sz="quarter" idx="12"/>
+          </p:nvPr>
+        </p:nvSpPr>
+        <p:spPr/>
+        <p:txBody>
+          <a:bodyPr/>
+          <a:lstStyle/>
+          <a:p>
+            <a:fld id="{7BCC8D0D-EAEC-449D-9161-023DFF90F2E2}" type="slidenum">
+              <a:rPr lang="en-US" smtClean="0"/>
+              <a:pPr/>
+              <a:t>‹#›</a:t>
+            </a:fld>
+            <a:endParaRPr lang="en-US" dirty="0"/>
+          </a:p>
+        </p:txBody>
+      </p:sp>
+      <p:sp>
+        <p:nvSpPr>
+          <p:cNvPr id="6" name="Rectangle 5"/>
+          <p:cNvSpPr/>
+          <p:nvPr userDrawn="1"/>
+        </p:nvSpPr>
+        <p:spPr bwMode="auto">
+          <a:xfrm>
+            <a:off x="1" y="2363625"/>
+            <a:ext cx="9402305" cy="1881809"/>
+          </a:xfrm>
+          <a:prstGeom prst="rect">
+            <a:avLst/>
+          </a:prstGeom>
+          <a:solidFill>
+            <a:srgbClr val="90BD31"/>
+          </a:solidFill>
+          <a:ln w="19050" algn="ctr">
+            <a:noFill/>
+            <a:miter lim="800000"/>
+            <a:headEnd/>
+            <a:tailEnd/>
+          </a:ln>
+        </p:spPr>
+        <p:txBody>
+          <a:bodyPr wrap="none" rtlCol="0" anchor="ctr"/>
+          <a:lstStyle/>
+          <a:p>
+            <a:pPr algn="ctr">
+              <a:lnSpc>
+                <a:spcPct val="90000"/>
+              </a:lnSpc>
+            </a:pPr>
+            <a:endParaRPr lang="en-US" sz="2133" b="1" dirty="0" err="1">
+              <a:solidFill>
+                <a:schemeClr val="bg1"/>
+              </a:solidFill>
+              <a:latin typeface="+mj-lt"/>
+            </a:endParaRPr>
+          </a:p>
+        </p:txBody>
+      </p:sp>
+      <p:sp>
+        <p:nvSpPr>
+          <p:cNvPr id="7" name="Title 15"/>
+          <p:cNvSpPr>
+            <a:spLocks noGrp="1"/>
+          </p:cNvSpPr>
+          <p:nvPr>
+            <p:ph type="title" hasCustomPrompt="1"/>
+          </p:nvPr>
+        </p:nvSpPr>
+        <p:spPr>
+          <a:xfrm>
+            <a:off x="604780" y="2559252"/>
+            <a:ext cx="8580549" cy="1477195"/>
+          </a:xfrm>
+        </p:spPr>
+        <p:txBody>
+          <a:bodyPr anchor="ctr">
+            <a:noAutofit/>
+          </a:bodyPr>
+          <a:lstStyle>
+            <a:lvl1pPr>
+              <a:defRPr sz="4800" baseline="0">
+                <a:solidFill>
+                  <a:schemeClr val="bg1"/>
+                </a:solidFill>
+                <a:latin typeface="+mj-lt"/>
+              </a:defRPr>
+            </a:lvl1pPr>
+          </a:lstStyle>
+          <a:p>
+            <a:r>
+              <a:rPr lang="en-US" dirty="0"/>
+              <a:t>Section Header Here</a:t>
+            </a:r>
+          </a:p>
+        </p:txBody>
+      </p:sp>
+    </p:spTree>
+    <p:extLst>
+      <p:ext uri="{BB962C8B-B14F-4D97-AF65-F5344CB8AC3E}">
+        <p14:creationId xmlns:p14="http://schemas.microsoft.com/office/powerpoint/2010/main" val="402629782"/>
+      </p:ext>
+    </p:extLst>
+  </p:cSld>
+  <p:clrMapOvr>
+    <a:masterClrMapping/>
+  </p:clrMapOvr>
+  <p:transition>
+    <p:fade/>
+  </p:transition>
+</p:sldLayout>
+</file>
+
+<file path=ppt/slideLayouts/slideLayout31.xml><?xml version="1.0" encoding="utf-8"?>
 <p:sldLayout xmlns:a="http://schemas.openxmlformats.org/drawingml/2006/main" xmlns:r="http://schemas.openxmlformats.org/officeDocument/2006/relationships" xmlns:p="http://schemas.openxmlformats.org/presentationml/2006/main" preserve="1" userDrawn="1">
   <p:cSld name="1_Section Header – Green">
     <p:spTree>
@@ -6629,7 +7989,7 @@
 </p:sldLayout>
 </file>
 
-<file path=ppt/slideLayouts/slideLayout31.xml><?xml version="1.0" encoding="utf-8"?>
+<file path=ppt/slideLayouts/slideLayout32.xml><?xml version="1.0" encoding="utf-8"?>
 <p:sldLayout xmlns:a="http://schemas.openxmlformats.org/drawingml/2006/main" xmlns:r="http://schemas.openxmlformats.org/officeDocument/2006/relationships" xmlns:p="http://schemas.openxmlformats.org/presentationml/2006/main" showMasterSp="0" preserve="1">
   <p:cSld name="Closing with logo_1">
     <p:bg>
@@ -6731,7 +8091,7 @@
 </p:sldLayout>
 </file>
 
-<file path=ppt/slideLayouts/slideLayout32.xml><?xml version="1.0" encoding="utf-8"?>
+<file path=ppt/slideLayouts/slideLayout33.xml><?xml version="1.0" encoding="utf-8"?>
 <p:sldLayout xmlns:a="http://schemas.openxmlformats.org/drawingml/2006/main" xmlns:r="http://schemas.openxmlformats.org/officeDocument/2006/relationships" xmlns:p="http://schemas.openxmlformats.org/presentationml/2006/main" showMasterSp="0" preserve="1">
   <p:cSld name="Closing with logo_2">
     <p:bg>
@@ -6799,7 +8159,7 @@
 </p:sldLayout>
 </file>
 
-<file path=ppt/slideLayouts/slideLayout33.xml><?xml version="1.0" encoding="utf-8"?>
+<file path=ppt/slideLayouts/slideLayout34.xml><?xml version="1.0" encoding="utf-8"?>
 <p:sldLayout xmlns:a="http://schemas.openxmlformats.org/drawingml/2006/main" xmlns:r="http://schemas.openxmlformats.org/officeDocument/2006/relationships" xmlns:p="http://schemas.openxmlformats.org/presentationml/2006/main" showMasterSp="0" preserve="1">
   <p:cSld name="Closing – Research">
     <p:bg>
@@ -6925,7 +8285,7 @@
 </p:sldLayout>
 </file>
 
-<file path=ppt/slideLayouts/slideLayout34.xml><?xml version="1.0" encoding="utf-8"?>
+<file path=ppt/slideLayouts/slideLayout35.xml><?xml version="1.0" encoding="utf-8"?>
 <p:sldLayout xmlns:a="http://schemas.openxmlformats.org/drawingml/2006/main" xmlns:r="http://schemas.openxmlformats.org/officeDocument/2006/relationships" xmlns:p="http://schemas.openxmlformats.org/presentationml/2006/main" showMasterSp="0" preserve="1">
   <p:cSld name="Closing – Education">
     <p:bg>
@@ -7051,7 +8411,7 @@
 </p:sldLayout>
 </file>
 
-<file path=ppt/slideLayouts/slideLayout35.xml><?xml version="1.0" encoding="utf-8"?>
+<file path=ppt/slideLayouts/slideLayout36.xml><?xml version="1.0" encoding="utf-8"?>
 <p:sldLayout xmlns:a="http://schemas.openxmlformats.org/drawingml/2006/main" xmlns:r="http://schemas.openxmlformats.org/officeDocument/2006/relationships" xmlns:p="http://schemas.openxmlformats.org/presentationml/2006/main" showMasterSp="0" preserve="1">
   <p:cSld name="Closing – Patient Care">
     <p:bg>
@@ -7177,7 +8537,7 @@
 </p:sldLayout>
 </file>
 
-<file path=ppt/slideLayouts/slideLayout36.xml><?xml version="1.0" encoding="utf-8"?>
+<file path=ppt/slideLayouts/slideLayout37.xml><?xml version="1.0" encoding="utf-8"?>
 <p:sldLayout xmlns:a="http://schemas.openxmlformats.org/drawingml/2006/main" xmlns:r="http://schemas.openxmlformats.org/officeDocument/2006/relationships" xmlns:p="http://schemas.openxmlformats.org/presentationml/2006/main" type="title">
   <p:cSld name="Title Slide">
     <p:spTree>
@@ -7324,7 +8684,7 @@
           <a:p>
             <a:fld id="{F1482167-8811-434F-A92E-FCD7829DA7CB}" type="datetime1">
               <a:rPr lang="en-US" smtClean="0"/>
-              <a:t>8/13/21</a:t>
+              <a:t>9/17/21</a:t>
             </a:fld>
             <a:endParaRPr lang="en-US"/>
           </a:p>
@@ -7397,7 +8757,7 @@
 </p:sldLayout>
 </file>
 
-<file path=ppt/slideLayouts/slideLayout37.xml><?xml version="1.0" encoding="utf-8"?>
+<file path=ppt/slideLayouts/slideLayout38.xml><?xml version="1.0" encoding="utf-8"?>
 <p:sldLayout xmlns:a="http://schemas.openxmlformats.org/drawingml/2006/main" xmlns:r="http://schemas.openxmlformats.org/officeDocument/2006/relationships" xmlns:p="http://schemas.openxmlformats.org/presentationml/2006/main" type="blank">
   <p:cSld name="Blank">
     <p:spTree>
@@ -7437,7 +8797,7 @@
           <a:p>
             <a:fld id="{E0DDE3D8-06A1-5448-8966-288515773649}" type="datetime1">
               <a:rPr lang="en-US" smtClean="0"/>
-              <a:t>8/13/21</a:t>
+              <a:t>9/17/21</a:t>
             </a:fld>
             <a:endParaRPr lang="en-US"/>
           </a:p>
@@ -7510,7 +8870,7 @@
 </p:sldLayout>
 </file>
 
-<file path=ppt/slideLayouts/slideLayout38.xml><?xml version="1.0" encoding="utf-8"?>
+<file path=ppt/slideLayouts/slideLayout39.xml><?xml version="1.0" encoding="utf-8"?>
 <p:sldLayout xmlns:a="http://schemas.openxmlformats.org/drawingml/2006/main" xmlns:r="http://schemas.openxmlformats.org/officeDocument/2006/relationships" xmlns:p="http://schemas.openxmlformats.org/presentationml/2006/main" type="titleOnly">
   <p:cSld name="Title Only">
     <p:spTree>
@@ -7839,7 +9199,7 @@
           <a:p>
             <a:fld id="{7BFB377E-53ED-FE4D-83F9-4165E39010D6}" type="datetimeFigureOut">
               <a:rPr lang="en-US" smtClean="0"/>
-              <a:t>8/13/21</a:t>
+              <a:t>9/17/21</a:t>
             </a:fld>
             <a:endParaRPr lang="en-US"/>
           </a:p>
@@ -8251,7 +9611,7 @@
           <a:p>
             <a:fld id="{7BFB377E-53ED-FE4D-83F9-4165E39010D6}" type="datetimeFigureOut">
               <a:rPr lang="en-US" smtClean="0"/>
-              <a:t>8/13/21</a:t>
+              <a:t>9/17/21</a:t>
             </a:fld>
             <a:endParaRPr lang="en-US"/>
           </a:p>
@@ -8392,7 +9752,7 @@
           <a:p>
             <a:fld id="{7BFB377E-53ED-FE4D-83F9-4165E39010D6}" type="datetimeFigureOut">
               <a:rPr lang="en-US" smtClean="0"/>
-              <a:t>8/13/21</a:t>
+              <a:t>9/17/21</a:t>
             </a:fld>
             <a:endParaRPr lang="en-US"/>
           </a:p>
@@ -8505,7 +9865,7 @@
           <a:p>
             <a:fld id="{7BFB377E-53ED-FE4D-83F9-4165E39010D6}" type="datetimeFigureOut">
               <a:rPr lang="en-US" smtClean="0"/>
-              <a:t>8/13/21</a:t>
+              <a:t>9/17/21</a:t>
             </a:fld>
             <a:endParaRPr lang="en-US"/>
           </a:p>
@@ -8816,7 +10176,7 @@
           <a:p>
             <a:fld id="{7BFB377E-53ED-FE4D-83F9-4165E39010D6}" type="datetimeFigureOut">
               <a:rPr lang="en-US" smtClean="0"/>
-              <a:t>8/13/21</a:t>
+              <a:t>9/17/21</a:t>
             </a:fld>
             <a:endParaRPr lang="en-US"/>
           </a:p>
@@ -9104,7 +10464,7 @@
           <a:p>
             <a:fld id="{7BFB377E-53ED-FE4D-83F9-4165E39010D6}" type="datetimeFigureOut">
               <a:rPr lang="en-US" smtClean="0"/>
-              <a:t>8/13/21</a:t>
+              <a:t>9/17/21</a:t>
             </a:fld>
             <a:endParaRPr lang="en-US"/>
           </a:p>
@@ -9345,7 +10705,7 @@
           <a:p>
             <a:fld id="{7BFB377E-53ED-FE4D-83F9-4165E39010D6}" type="datetimeFigureOut">
               <a:rPr lang="en-US" smtClean="0"/>
-              <a:t>8/13/21</a:t>
+              <a:t>9/17/21</a:t>
             </a:fld>
             <a:endParaRPr lang="en-US"/>
           </a:p>
@@ -9461,6 +10821,7 @@
     <p:sldLayoutId id="2147483669" r:id="rId9"/>
     <p:sldLayoutId id="2147483670" r:id="rId10"/>
     <p:sldLayoutId id="2147483671" r:id="rId11"/>
+    <p:sldLayoutId id="2147483701" r:id="rId12"/>
   </p:sldLayoutIdLst>
   <p:txStyles>
     <p:titleStyle>
@@ -11044,633 +12405,6 @@
           </a:p>
         </p:txBody>
       </p:sp>
-      <p:sp>
-        <p:nvSpPr>
-          <p:cNvPr id="7" name="TextBox 6">
-            <a:extLst>
-              <a:ext uri="{FF2B5EF4-FFF2-40B4-BE49-F238E27FC236}">
-                <a16:creationId xmlns:a16="http://schemas.microsoft.com/office/drawing/2014/main" id="{89268938-0E8B-A541-9E7E-733421F56448}"/>
-              </a:ext>
-            </a:extLst>
-          </p:cNvPr>
-          <p:cNvSpPr txBox="1"/>
-          <p:nvPr/>
-        </p:nvSpPr>
-        <p:spPr>
-          <a:xfrm>
-            <a:off x="381000" y="1905000"/>
-            <a:ext cx="10664137" cy="2123658"/>
-          </a:xfrm>
-          <a:prstGeom prst="rect">
-            <a:avLst/>
-          </a:prstGeom>
-          <a:noFill/>
-        </p:spPr>
-        <p:txBody>
-          <a:bodyPr wrap="square" rtlCol="0" anchor="ctr">
-            <a:spAutoFit/>
-          </a:bodyPr>
-          <a:lstStyle/>
-          <a:p>
-            <a:r>
-              <a:rPr lang="en-US" sz="6600" b="1" dirty="0">
-                <a:solidFill>
-                  <a:schemeClr val="bg1"/>
-                </a:solidFill>
-                <a:latin typeface="Arial Nova" panose="020B0504020202020204" pitchFamily="34" charset="0"/>
-                <a:ea typeface="Helvetica Neue" panose="02000503000000020004" pitchFamily="2" charset="0"/>
-                <a:cs typeface="Helvetica Neue" panose="02000503000000020004" pitchFamily="2" charset="0"/>
-              </a:rPr>
-              <a:t>We will begin at</a:t>
-            </a:r>
-          </a:p>
-          <a:p>
-            <a:r>
-              <a:rPr lang="en-US" sz="6600" b="1" dirty="0">
-                <a:solidFill>
-                  <a:schemeClr val="bg1"/>
-                </a:solidFill>
-                <a:latin typeface="Arial Nova" panose="020B0504020202020204" pitchFamily="34" charset="0"/>
-                <a:ea typeface="Helvetica Neue" panose="02000503000000020004" pitchFamily="2" charset="0"/>
-                <a:cs typeface="Helvetica Neue" panose="02000503000000020004" pitchFamily="2" charset="0"/>
-              </a:rPr>
-              <a:t>4:10 PM Pacific!</a:t>
-            </a:r>
-          </a:p>
-        </p:txBody>
-      </p:sp>
-      <p:pic>
-        <p:nvPicPr>
-          <p:cNvPr id="1026" name="Picture 2" descr="Strategies for Faculty to Alleviate Student Zoom Fatigue | Library Drop-in  Series - UCSF Events Calendar">
-            <a:extLst>
-              <a:ext uri="{FF2B5EF4-FFF2-40B4-BE49-F238E27FC236}">
-                <a16:creationId xmlns:a16="http://schemas.microsoft.com/office/drawing/2014/main" id="{B204D766-499E-9143-8137-DD1B09B106FF}"/>
-              </a:ext>
-            </a:extLst>
-          </p:cNvPr>
-          <p:cNvPicPr>
-            <a:picLocks noChangeAspect="1" noChangeArrowheads="1"/>
-          </p:cNvPicPr>
-          <p:nvPr/>
-        </p:nvPicPr>
-        <p:blipFill rotWithShape="1">
-          <a:blip r:embed="rId2">
-            <a:extLst>
-              <a:ext uri="{28A0092B-C50C-407E-A947-70E740481C1C}">
-                <a14:useLocalDpi xmlns:a14="http://schemas.microsoft.com/office/drawing/2010/main" val="0"/>
-              </a:ext>
-            </a:extLst>
-          </a:blip>
-          <a:srcRect l="6251" t="32548" r="9374" b="39271"/>
-          <a:stretch/>
-        </p:blipFill>
-        <p:spPr bwMode="auto">
-          <a:xfrm>
-            <a:off x="9220200" y="5669181"/>
-            <a:ext cx="2763045" cy="922855"/>
-          </a:xfrm>
-          <a:prstGeom prst="rect">
-            <a:avLst/>
-          </a:prstGeom>
-          <a:noFill/>
-          <a:extLst>
-            <a:ext uri="{909E8E84-426E-40DD-AFC4-6F175D3DCCD1}">
-              <a14:hiddenFill xmlns:a14="http://schemas.microsoft.com/office/drawing/2010/main">
-                <a:solidFill>
-                  <a:srgbClr val="FFFFFF"/>
-                </a:solidFill>
-              </a14:hiddenFill>
-            </a:ext>
-          </a:extLst>
-        </p:spPr>
-      </p:pic>
-    </p:spTree>
-    <p:extLst>
-      <p:ext uri="{BB962C8B-B14F-4D97-AF65-F5344CB8AC3E}">
-        <p14:creationId xmlns:p14="http://schemas.microsoft.com/office/powerpoint/2010/main" val="200909335"/>
-      </p:ext>
-    </p:extLst>
-  </p:cSld>
-  <p:clrMapOvr>
-    <a:masterClrMapping/>
-  </p:clrMapOvr>
-  <mc:AlternateContent xmlns:mc="http://schemas.openxmlformats.org/markup-compatibility/2006" xmlns:p14="http://schemas.microsoft.com/office/powerpoint/2010/main">
-    <mc:Choice Requires="p14">
-      <p:transition spd="med" p14:dur="700">
-        <p:fade/>
-      </p:transition>
-    </mc:Choice>
-    <mc:Fallback xmlns="">
-      <p:transition spd="med">
-        <p:fade/>
-      </p:transition>
-    </mc:Fallback>
-  </mc:AlternateContent>
-</p:sld>
-</file>
-
-<file path=ppt/slides/slide2.xml><?xml version="1.0" encoding="utf-8"?>
-<p:sld xmlns:a="http://schemas.openxmlformats.org/drawingml/2006/main" xmlns:r="http://schemas.openxmlformats.org/officeDocument/2006/relationships" xmlns:p="http://schemas.openxmlformats.org/presentationml/2006/main">
-  <p:cSld>
-    <p:spTree>
-      <p:nvGrpSpPr>
-        <p:cNvPr id="1" name=""/>
-        <p:cNvGrpSpPr/>
-        <p:nvPr/>
-      </p:nvGrpSpPr>
-      <p:grpSpPr>
-        <a:xfrm>
-          <a:off x="0" y="0"/>
-          <a:ext cx="0" cy="0"/>
-          <a:chOff x="0" y="0"/>
-          <a:chExt cx="0" cy="0"/>
-        </a:xfrm>
-      </p:grpSpPr>
-      <p:sp>
-        <p:nvSpPr>
-          <p:cNvPr id="5" name="Rectangle 4">
-            <a:extLst>
-              <a:ext uri="{FF2B5EF4-FFF2-40B4-BE49-F238E27FC236}">
-                <a16:creationId xmlns:a16="http://schemas.microsoft.com/office/drawing/2014/main" id="{9B781FAD-AC30-424A-8B4A-23815D0A3185}"/>
-              </a:ext>
-            </a:extLst>
-          </p:cNvPr>
-          <p:cNvSpPr/>
-          <p:nvPr/>
-        </p:nvSpPr>
-        <p:spPr>
-          <a:xfrm>
-            <a:off x="0" y="0"/>
-            <a:ext cx="4905632" cy="6858000"/>
-          </a:xfrm>
-          <a:prstGeom prst="rect">
-            <a:avLst/>
-          </a:prstGeom>
-          <a:solidFill>
-            <a:srgbClr val="052049"/>
-          </a:solidFill>
-          <a:ln>
-            <a:noFill/>
-          </a:ln>
-        </p:spPr>
-        <p:style>
-          <a:lnRef idx="2">
-            <a:schemeClr val="accent1">
-              <a:shade val="50000"/>
-            </a:schemeClr>
-          </a:lnRef>
-          <a:fillRef idx="1">
-            <a:schemeClr val="accent1"/>
-          </a:fillRef>
-          <a:effectRef idx="0">
-            <a:schemeClr val="accent1"/>
-          </a:effectRef>
-          <a:fontRef idx="minor">
-            <a:schemeClr val="lt1"/>
-          </a:fontRef>
-        </p:style>
-        <p:txBody>
-          <a:bodyPr rtlCol="0" anchor="ctr"/>
-          <a:lstStyle/>
-          <a:p>
-            <a:pPr algn="ctr" defTabSz="1219170"/>
-            <a:endParaRPr lang="en-US" dirty="0">
-              <a:solidFill>
-                <a:prstClr val="white"/>
-              </a:solidFill>
-              <a:latin typeface="Calibri" panose="020F0502020204030204"/>
-            </a:endParaRPr>
-          </a:p>
-        </p:txBody>
-      </p:sp>
-      <p:grpSp>
-        <p:nvGrpSpPr>
-          <p:cNvPr id="14" name="Group 13">
-            <a:extLst>
-              <a:ext uri="{FF2B5EF4-FFF2-40B4-BE49-F238E27FC236}">
-                <a16:creationId xmlns:a16="http://schemas.microsoft.com/office/drawing/2014/main" id="{8CF35013-AB02-AA42-83CD-5B6CE695A3A4}"/>
-              </a:ext>
-            </a:extLst>
-          </p:cNvPr>
-          <p:cNvGrpSpPr/>
-          <p:nvPr/>
-        </p:nvGrpSpPr>
-        <p:grpSpPr>
-          <a:xfrm>
-            <a:off x="423741" y="2521059"/>
-            <a:ext cx="4481891" cy="1815882"/>
-            <a:chOff x="423741" y="2321004"/>
-            <a:chExt cx="3356920" cy="1815880"/>
-          </a:xfrm>
-        </p:grpSpPr>
-        <p:sp>
-          <p:nvSpPr>
-            <p:cNvPr id="10" name="TextBox 9">
-              <a:extLst>
-                <a:ext uri="{FF2B5EF4-FFF2-40B4-BE49-F238E27FC236}">
-                  <a16:creationId xmlns:a16="http://schemas.microsoft.com/office/drawing/2014/main" id="{A4FFD85B-4EA8-F944-9BC5-51B5E77030FC}"/>
-                </a:ext>
-              </a:extLst>
-            </p:cNvPr>
-            <p:cNvSpPr txBox="1"/>
-            <p:nvPr/>
-          </p:nvSpPr>
-          <p:spPr>
-            <a:xfrm>
-              <a:off x="423741" y="2321004"/>
-              <a:ext cx="3356920" cy="1446548"/>
-            </a:xfrm>
-            <a:prstGeom prst="rect">
-              <a:avLst/>
-            </a:prstGeom>
-            <a:noFill/>
-          </p:spPr>
-          <p:txBody>
-            <a:bodyPr wrap="square" rtlCol="0">
-              <a:spAutoFit/>
-            </a:bodyPr>
-            <a:lstStyle/>
-            <a:p>
-              <a:pPr defTabSz="1219170"/>
-              <a:r>
-                <a:rPr lang="en-US" sz="4400" b="1" dirty="0">
-                  <a:solidFill>
-                    <a:prstClr val="white"/>
-                  </a:solidFill>
-                  <a:latin typeface="Arial Nova" panose="020B0504020202020204" pitchFamily="34" charset="0"/>
-                  <a:ea typeface="Helvetica Neue" panose="02000503000000020004" pitchFamily="2" charset="0"/>
-                  <a:cs typeface="Helvetica Neue" panose="02000503000000020004" pitchFamily="2" charset="0"/>
-                </a:rPr>
-                <a:t>Zoom Reminders</a:t>
-              </a:r>
-            </a:p>
-          </p:txBody>
-        </p:sp>
-        <p:sp>
-          <p:nvSpPr>
-            <p:cNvPr id="11" name="TextBox 10">
-              <a:extLst>
-                <a:ext uri="{FF2B5EF4-FFF2-40B4-BE49-F238E27FC236}">
-                  <a16:creationId xmlns:a16="http://schemas.microsoft.com/office/drawing/2014/main" id="{68B54A8B-3E8E-3A49-A20E-4DF6F1980546}"/>
-                </a:ext>
-              </a:extLst>
-            </p:cNvPr>
-            <p:cNvSpPr txBox="1"/>
-            <p:nvPr/>
-          </p:nvSpPr>
-          <p:spPr>
-            <a:xfrm>
-              <a:off x="423741" y="3767552"/>
-              <a:ext cx="3356919" cy="369332"/>
-            </a:xfrm>
-            <a:prstGeom prst="rect">
-              <a:avLst/>
-            </a:prstGeom>
-            <a:noFill/>
-          </p:spPr>
-          <p:txBody>
-            <a:bodyPr wrap="square" rtlCol="0">
-              <a:spAutoFit/>
-            </a:bodyPr>
-            <a:lstStyle/>
-            <a:p>
-              <a:pPr defTabSz="1219170"/>
-              <a:r>
-                <a:rPr lang="en-US" dirty="0">
-                  <a:solidFill>
-                    <a:prstClr val="white"/>
-                  </a:solidFill>
-                  <a:latin typeface="Arial Nova Light" panose="020B0304020202020204" pitchFamily="34" charset="0"/>
-                  <a:ea typeface="Helvetica Neue Light" panose="02000403000000020004" pitchFamily="2" charset="0"/>
-                </a:rPr>
-                <a:t>We will begin in a moment!</a:t>
-              </a:r>
-            </a:p>
-          </p:txBody>
-        </p:sp>
-      </p:grpSp>
-      <p:sp>
-        <p:nvSpPr>
-          <p:cNvPr id="13" name="TextBox 12">
-            <a:extLst>
-              <a:ext uri="{FF2B5EF4-FFF2-40B4-BE49-F238E27FC236}">
-                <a16:creationId xmlns:a16="http://schemas.microsoft.com/office/drawing/2014/main" id="{CA59D29C-EF02-4943-A493-FE34AB8A2AA6}"/>
-              </a:ext>
-            </a:extLst>
-          </p:cNvPr>
-          <p:cNvSpPr txBox="1"/>
-          <p:nvPr/>
-        </p:nvSpPr>
-        <p:spPr>
-          <a:xfrm>
-            <a:off x="5329371" y="949193"/>
-            <a:ext cx="6716856" cy="4959627"/>
-          </a:xfrm>
-          <a:prstGeom prst="rect">
-            <a:avLst/>
-          </a:prstGeom>
-          <a:noFill/>
-        </p:spPr>
-        <p:txBody>
-          <a:bodyPr wrap="square" rtlCol="0" anchor="ctr">
-            <a:spAutoFit/>
-          </a:bodyPr>
-          <a:lstStyle/>
-          <a:p>
-            <a:pPr defTabSz="1219170">
-              <a:spcAft>
-                <a:spcPts val="1400"/>
-              </a:spcAft>
-            </a:pPr>
-            <a:r>
-              <a:rPr lang="en-US" sz="2133" dirty="0">
-                <a:solidFill>
-                  <a:prstClr val="black"/>
-                </a:solidFill>
-                <a:latin typeface="Arial Nova Light" panose="020B0304020202020204" pitchFamily="34" charset="0"/>
-                <a:ea typeface="Helvetica Neue Light" panose="02000403000000020004" pitchFamily="2" charset="0"/>
-              </a:rPr>
-              <a:t>We have a large group today, so the following tips will help things run smoothly:</a:t>
-            </a:r>
-          </a:p>
-          <a:p>
-            <a:pPr marL="342900" indent="-342900" defTabSz="1219170">
-              <a:spcAft>
-                <a:spcPts val="1400"/>
-              </a:spcAft>
-              <a:buFont typeface="Arial" panose="020B0604020202020204" pitchFamily="34" charset="0"/>
-              <a:buChar char="•"/>
-            </a:pPr>
-            <a:r>
-              <a:rPr lang="en-US" sz="2133" dirty="0">
-                <a:solidFill>
-                  <a:prstClr val="black"/>
-                </a:solidFill>
-                <a:latin typeface="Arial Nova Light" panose="020B0304020202020204" pitchFamily="34" charset="0"/>
-                <a:ea typeface="Helvetica Neue Light" panose="02000403000000020004" pitchFamily="2" charset="0"/>
-              </a:rPr>
-              <a:t>Please stay muted during the session.</a:t>
-            </a:r>
-          </a:p>
-          <a:p>
-            <a:pPr marL="800100" lvl="1" indent="-342900" defTabSz="1219170">
-              <a:spcAft>
-                <a:spcPts val="1400"/>
-              </a:spcAft>
-              <a:buFont typeface="Arial" panose="020B0604020202020204" pitchFamily="34" charset="0"/>
-              <a:buChar char="•"/>
-            </a:pPr>
-            <a:r>
-              <a:rPr lang="en-US" sz="2133" dirty="0">
-                <a:solidFill>
-                  <a:prstClr val="black"/>
-                </a:solidFill>
-                <a:latin typeface="Arial Nova Light" panose="020B0304020202020204" pitchFamily="34" charset="0"/>
-                <a:ea typeface="Helvetica Neue Light" panose="02000403000000020004" pitchFamily="2" charset="0"/>
-              </a:rPr>
-              <a:t>If you have questions, pose them inside of chat.</a:t>
-            </a:r>
-          </a:p>
-          <a:p>
-            <a:pPr marL="342900" indent="-342900" defTabSz="1219170">
-              <a:spcAft>
-                <a:spcPts val="1400"/>
-              </a:spcAft>
-              <a:buFont typeface="Arial" panose="020B0604020202020204" pitchFamily="34" charset="0"/>
-              <a:buChar char="•"/>
-            </a:pPr>
-            <a:r>
-              <a:rPr lang="en-US" sz="2133" dirty="0">
-                <a:solidFill>
-                  <a:prstClr val="black"/>
-                </a:solidFill>
-                <a:latin typeface="Arial Nova Light" panose="020B0304020202020204" pitchFamily="34" charset="0"/>
-                <a:ea typeface="Helvetica Neue Light" panose="02000403000000020004" pitchFamily="2" charset="0"/>
-              </a:rPr>
-              <a:t>Cameras are optional.</a:t>
-            </a:r>
-          </a:p>
-          <a:p>
-            <a:pPr marL="342900" indent="-342900" defTabSz="1219170">
-              <a:spcAft>
-                <a:spcPts val="1400"/>
-              </a:spcAft>
-              <a:buFont typeface="Arial" panose="020B0604020202020204" pitchFamily="34" charset="0"/>
-              <a:buChar char="•"/>
-            </a:pPr>
-            <a:r>
-              <a:rPr lang="en-US" sz="2133" dirty="0">
-                <a:solidFill>
-                  <a:prstClr val="black"/>
-                </a:solidFill>
-                <a:latin typeface="Arial Nova Light" panose="020B0304020202020204" pitchFamily="34" charset="0"/>
-                <a:ea typeface="Helvetica Neue Light" panose="02000403000000020004" pitchFamily="2" charset="0"/>
-              </a:rPr>
-              <a:t>Speaker view is the optimal way to watch today’s workshop. </a:t>
-            </a:r>
-          </a:p>
-          <a:p>
-            <a:pPr marL="342900" indent="-342900" defTabSz="1219170">
-              <a:spcAft>
-                <a:spcPts val="1400"/>
-              </a:spcAft>
-              <a:buFont typeface="Arial" panose="020B0604020202020204" pitchFamily="34" charset="0"/>
-              <a:buChar char="•"/>
-            </a:pPr>
-            <a:r>
-              <a:rPr lang="en-US" sz="2133" dirty="0">
-                <a:solidFill>
-                  <a:prstClr val="black"/>
-                </a:solidFill>
-                <a:latin typeface="Arial Nova Light" panose="020B0304020202020204" pitchFamily="34" charset="0"/>
-                <a:ea typeface="Helvetica Neue Light" panose="02000403000000020004" pitchFamily="2" charset="0"/>
-              </a:rPr>
-              <a:t>Be ready to participate in Zoom polls and other activities.</a:t>
-            </a:r>
-          </a:p>
-          <a:p>
-            <a:pPr marL="342900" indent="-342900" defTabSz="1219170">
-              <a:spcAft>
-                <a:spcPts val="1400"/>
-              </a:spcAft>
-              <a:buFont typeface="Arial" panose="020B0604020202020204" pitchFamily="34" charset="0"/>
-              <a:buChar char="•"/>
-            </a:pPr>
-            <a:endParaRPr lang="en-US" sz="2133" dirty="0">
-              <a:solidFill>
-                <a:prstClr val="black"/>
-              </a:solidFill>
-              <a:latin typeface="Arial Nova Light" panose="020B0304020202020204" pitchFamily="34" charset="0"/>
-              <a:ea typeface="Helvetica Neue Light" panose="02000403000000020004" pitchFamily="2" charset="0"/>
-            </a:endParaRPr>
-          </a:p>
-          <a:p>
-            <a:pPr defTabSz="1219170">
-              <a:spcAft>
-                <a:spcPts val="1400"/>
-              </a:spcAft>
-            </a:pPr>
-            <a:r>
-              <a:rPr lang="en-US" sz="2133" dirty="0">
-                <a:solidFill>
-                  <a:prstClr val="black"/>
-                </a:solidFill>
-                <a:latin typeface="Arial Nova Light" panose="020B0304020202020204" pitchFamily="34" charset="0"/>
-                <a:ea typeface="Helvetica Neue Light" panose="02000403000000020004" pitchFamily="2" charset="0"/>
-              </a:rPr>
-              <a:t>Today’s session will be recorded!</a:t>
-            </a:r>
-          </a:p>
-        </p:txBody>
-      </p:sp>
-    </p:spTree>
-    <p:extLst>
-      <p:ext uri="{BB962C8B-B14F-4D97-AF65-F5344CB8AC3E}">
-        <p14:creationId xmlns:p14="http://schemas.microsoft.com/office/powerpoint/2010/main" val="3577384363"/>
-      </p:ext>
-    </p:extLst>
-  </p:cSld>
-  <p:clrMapOvr>
-    <a:masterClrMapping/>
-  </p:clrMapOvr>
-  <mc:AlternateContent xmlns:mc="http://schemas.openxmlformats.org/markup-compatibility/2006" xmlns:p14="http://schemas.microsoft.com/office/powerpoint/2010/main">
-    <mc:Choice Requires="p14">
-      <p:transition spd="med" p14:dur="700">
-        <p:fade/>
-      </p:transition>
-    </mc:Choice>
-    <mc:Fallback xmlns="">
-      <p:transition spd="med">
-        <p:fade/>
-      </p:transition>
-    </mc:Fallback>
-  </mc:AlternateContent>
-</p:sld>
-</file>
-
-<file path=ppt/slides/slide3.xml><?xml version="1.0" encoding="utf-8"?>
-<p:sld xmlns:a="http://schemas.openxmlformats.org/drawingml/2006/main" xmlns:r="http://schemas.openxmlformats.org/officeDocument/2006/relationships" xmlns:p="http://schemas.openxmlformats.org/presentationml/2006/main">
-  <p:cSld>
-    <p:spTree>
-      <p:nvGrpSpPr>
-        <p:cNvPr id="1" name=""/>
-        <p:cNvGrpSpPr/>
-        <p:nvPr/>
-      </p:nvGrpSpPr>
-      <p:grpSpPr>
-        <a:xfrm>
-          <a:off x="0" y="0"/>
-          <a:ext cx="0" cy="0"/>
-          <a:chOff x="0" y="0"/>
-          <a:chExt cx="0" cy="0"/>
-        </a:xfrm>
-      </p:grpSpPr>
-      <p:sp>
-        <p:nvSpPr>
-          <p:cNvPr id="2" name="Footer Placeholder 1">
-            <a:extLst>
-              <a:ext uri="{FF2B5EF4-FFF2-40B4-BE49-F238E27FC236}">
-                <a16:creationId xmlns:a16="http://schemas.microsoft.com/office/drawing/2014/main" id="{E0436E9B-FF7E-3441-AC26-0AFC77E5CCEA}"/>
-              </a:ext>
-            </a:extLst>
-          </p:cNvPr>
-          <p:cNvSpPr>
-            <a:spLocks noGrp="1"/>
-          </p:cNvSpPr>
-          <p:nvPr>
-            <p:ph type="ftr" sz="quarter" idx="11"/>
-          </p:nvPr>
-        </p:nvSpPr>
-        <p:spPr/>
-        <p:txBody>
-          <a:bodyPr/>
-          <a:lstStyle/>
-          <a:p>
-            <a:endParaRPr lang="en-US"/>
-          </a:p>
-        </p:txBody>
-      </p:sp>
-      <p:sp>
-        <p:nvSpPr>
-          <p:cNvPr id="3" name="Slide Number Placeholder 2">
-            <a:extLst>
-              <a:ext uri="{FF2B5EF4-FFF2-40B4-BE49-F238E27FC236}">
-                <a16:creationId xmlns:a16="http://schemas.microsoft.com/office/drawing/2014/main" id="{A01720A6-D800-C341-88A8-20599E7869F1}"/>
-              </a:ext>
-            </a:extLst>
-          </p:cNvPr>
-          <p:cNvSpPr>
-            <a:spLocks noGrp="1"/>
-          </p:cNvSpPr>
-          <p:nvPr>
-            <p:ph type="sldNum" sz="quarter" idx="12"/>
-          </p:nvPr>
-        </p:nvSpPr>
-        <p:spPr/>
-        <p:txBody>
-          <a:bodyPr/>
-          <a:lstStyle/>
-          <a:p>
-            <a:fld id="{1529993C-42E9-7A47-A707-A40C22FBC595}" type="slidenum">
-              <a:rPr lang="en-US" smtClean="0"/>
-              <a:t>3</a:t>
-            </a:fld>
-            <a:endParaRPr lang="en-US"/>
-          </a:p>
-        </p:txBody>
-      </p:sp>
-      <p:sp>
-        <p:nvSpPr>
-          <p:cNvPr id="4" name="Rectangle 3">
-            <a:extLst>
-              <a:ext uri="{FF2B5EF4-FFF2-40B4-BE49-F238E27FC236}">
-                <a16:creationId xmlns:a16="http://schemas.microsoft.com/office/drawing/2014/main" id="{176FDB38-0D67-6442-A0A7-9F88D380D6D9}"/>
-              </a:ext>
-            </a:extLst>
-          </p:cNvPr>
-          <p:cNvSpPr/>
-          <p:nvPr/>
-        </p:nvSpPr>
-        <p:spPr>
-          <a:xfrm>
-            <a:off x="0" y="0"/>
-            <a:ext cx="12192000" cy="6858000"/>
-          </a:xfrm>
-          <a:prstGeom prst="rect">
-            <a:avLst/>
-          </a:prstGeom>
-          <a:solidFill>
-            <a:srgbClr val="112048"/>
-          </a:solidFill>
-          <a:ln>
-            <a:noFill/>
-          </a:ln>
-        </p:spPr>
-        <p:style>
-          <a:lnRef idx="2">
-            <a:schemeClr val="accent1">
-              <a:shade val="50000"/>
-            </a:schemeClr>
-          </a:lnRef>
-          <a:fillRef idx="1">
-            <a:schemeClr val="accent1"/>
-          </a:fillRef>
-          <a:effectRef idx="0">
-            <a:schemeClr val="accent1"/>
-          </a:effectRef>
-          <a:fontRef idx="minor">
-            <a:schemeClr val="lt1"/>
-          </a:fontRef>
-        </p:style>
-        <p:txBody>
-          <a:bodyPr rtlCol="0" anchor="ctr"/>
-          <a:lstStyle/>
-          <a:p>
-            <a:pPr algn="ctr"/>
-            <a:endParaRPr lang="en-US" dirty="0"/>
-          </a:p>
-        </p:txBody>
-      </p:sp>
       <p:grpSp>
         <p:nvGrpSpPr>
           <p:cNvPr id="6" name="Group 5">
@@ -11782,7 +12516,27 @@
                   <a:latin typeface="Arial Nova Light" panose="020B0304020202020204" pitchFamily="34" charset="0"/>
                   <a:ea typeface="Helvetica Neue Light" panose="02000403000000020004" pitchFamily="2" charset="0"/>
                 </a:rPr>
-                <a:t>Finding Data Science Help Online</a:t>
+                <a:t>Getting Started with </a:t>
+              </a:r>
+              <a:r>
+                <a:rPr lang="en-US" sz="2800" dirty="0" err="1">
+                  <a:solidFill>
+                    <a:schemeClr val="bg1"/>
+                  </a:solidFill>
+                  <a:latin typeface="Arial Nova Light" panose="020B0304020202020204" pitchFamily="34" charset="0"/>
+                  <a:ea typeface="Helvetica Neue Light" panose="02000403000000020004" pitchFamily="2" charset="0"/>
+                </a:rPr>
+                <a:t>Gather.Town</a:t>
+              </a:r>
+              <a:r>
+                <a:rPr lang="en-US" sz="2800" dirty="0">
+                  <a:solidFill>
+                    <a:schemeClr val="bg1"/>
+                  </a:solidFill>
+                  <a:latin typeface="Arial Nova Light" panose="020B0304020202020204" pitchFamily="34" charset="0"/>
+                  <a:ea typeface="Helvetica Neue Light" panose="02000403000000020004" pitchFamily="2" charset="0"/>
+                </a:rPr>
+                <a:t>!</a:t>
               </a:r>
             </a:p>
           </p:txBody>
@@ -11837,6 +12591,321 @@
     <p:extLst>
       <p:ext uri="{BB962C8B-B14F-4D97-AF65-F5344CB8AC3E}">
         <p14:creationId xmlns:p14="http://schemas.microsoft.com/office/powerpoint/2010/main" val="2714267469"/>
+      </p:ext>
+    </p:extLst>
+  </p:cSld>
+  <p:clrMapOvr>
+    <a:masterClrMapping/>
+  </p:clrMapOvr>
+  <mc:AlternateContent xmlns:mc="http://schemas.openxmlformats.org/markup-compatibility/2006" xmlns:p14="http://schemas.microsoft.com/office/powerpoint/2010/main">
+    <mc:Choice Requires="p14">
+      <p:transition spd="med" p14:dur="700">
+        <p:fade/>
+      </p:transition>
+    </mc:Choice>
+    <mc:Fallback xmlns="">
+      <p:transition spd="med">
+        <p:fade/>
+      </p:transition>
+    </mc:Fallback>
+  </mc:AlternateContent>
+</p:sld>
+</file>
+
+<file path=ppt/slides/slide2.xml><?xml version="1.0" encoding="utf-8"?>
+<p:sld xmlns:a="http://schemas.openxmlformats.org/drawingml/2006/main" xmlns:r="http://schemas.openxmlformats.org/officeDocument/2006/relationships" xmlns:p="http://schemas.openxmlformats.org/presentationml/2006/main">
+  <p:cSld>
+    <p:spTree>
+      <p:nvGrpSpPr>
+        <p:cNvPr id="1" name=""/>
+        <p:cNvGrpSpPr/>
+        <p:nvPr/>
+      </p:nvGrpSpPr>
+      <p:grpSpPr>
+        <a:xfrm>
+          <a:off x="0" y="0"/>
+          <a:ext cx="0" cy="0"/>
+          <a:chOff x="0" y="0"/>
+          <a:chExt cx="0" cy="0"/>
+        </a:xfrm>
+      </p:grpSpPr>
+      <p:sp>
+        <p:nvSpPr>
+          <p:cNvPr id="3" name="Title 2">
+            <a:extLst>
+              <a:ext uri="{FF2B5EF4-FFF2-40B4-BE49-F238E27FC236}">
+                <a16:creationId xmlns:a16="http://schemas.microsoft.com/office/drawing/2014/main" id="{A1118B4A-7223-694A-9013-D436B96536FB}"/>
+              </a:ext>
+            </a:extLst>
+          </p:cNvPr>
+          <p:cNvSpPr>
+            <a:spLocks noGrp="1"/>
+          </p:cNvSpPr>
+          <p:nvPr>
+            <p:ph type="title"/>
+          </p:nvPr>
+        </p:nvSpPr>
+        <p:spPr>
+          <a:xfrm>
+            <a:off x="646946" y="1600200"/>
+            <a:ext cx="10898107" cy="611449"/>
+          </a:xfrm>
+        </p:spPr>
+        <p:txBody>
+          <a:bodyPr anchor="ctr"/>
+          <a:lstStyle/>
+          <a:p>
+            <a:r>
+              <a:rPr lang="en-US" sz="4400" b="1" dirty="0">
+                <a:solidFill>
+                  <a:srgbClr val="051F49"/>
+                </a:solidFill>
+                <a:latin typeface="Arial Nova" panose="020B0504020202020204" pitchFamily="34" charset="0"/>
+                <a:ea typeface="Helvetica Neue" panose="02000503000000020004" pitchFamily="2" charset="0"/>
+                <a:cs typeface="Helvetica Neue" panose="02000503000000020004" pitchFamily="2" charset="0"/>
+              </a:rPr>
+              <a:t>Today, we are using </a:t>
+            </a:r>
+            <a:r>
+              <a:rPr lang="en-US" sz="4400" b="1" dirty="0" err="1">
+                <a:solidFill>
+                  <a:srgbClr val="051F49"/>
+                </a:solidFill>
+                <a:latin typeface="Arial Nova" panose="020B0504020202020204" pitchFamily="34" charset="0"/>
+                <a:ea typeface="Helvetica Neue" panose="02000503000000020004" pitchFamily="2" charset="0"/>
+                <a:cs typeface="Helvetica Neue" panose="02000503000000020004" pitchFamily="2" charset="0"/>
+              </a:rPr>
+              <a:t>Gather.Town</a:t>
+            </a:r>
+            <a:r>
+              <a:rPr lang="en-US" sz="4400" b="1" dirty="0">
+                <a:solidFill>
+                  <a:srgbClr val="051F49"/>
+                </a:solidFill>
+                <a:latin typeface="Arial Nova" panose="020B0504020202020204" pitchFamily="34" charset="0"/>
+                <a:ea typeface="Helvetica Neue" panose="02000503000000020004" pitchFamily="2" charset="0"/>
+                <a:cs typeface="Helvetica Neue" panose="02000503000000020004" pitchFamily="2" charset="0"/>
+              </a:rPr>
+              <a:t>!</a:t>
+            </a:r>
+            <a:endParaRPr lang="en-US" sz="4400" dirty="0"/>
+          </a:p>
+        </p:txBody>
+      </p:sp>
+      <p:pic>
+        <p:nvPicPr>
+          <p:cNvPr id="2" name="Picture 1">
+            <a:extLst>
+              <a:ext uri="{FF2B5EF4-FFF2-40B4-BE49-F238E27FC236}">
+                <a16:creationId xmlns:a16="http://schemas.microsoft.com/office/drawing/2014/main" id="{D657AA8D-795E-7F46-9541-2584B9BB34D1}"/>
+              </a:ext>
+            </a:extLst>
+          </p:cNvPr>
+          <p:cNvPicPr>
+            <a:picLocks noChangeAspect="1"/>
+          </p:cNvPicPr>
+          <p:nvPr/>
+        </p:nvPicPr>
+        <p:blipFill>
+          <a:blip r:embed="rId3"/>
+          <a:stretch>
+            <a:fillRect/>
+          </a:stretch>
+        </p:blipFill>
+        <p:spPr>
+          <a:xfrm>
+            <a:off x="6766742" y="2971800"/>
+            <a:ext cx="4770012" cy="3124200"/>
+          </a:xfrm>
+          <a:prstGeom prst="rect">
+            <a:avLst/>
+          </a:prstGeom>
+        </p:spPr>
+      </p:pic>
+    </p:spTree>
+    <p:extLst>
+      <p:ext uri="{BB962C8B-B14F-4D97-AF65-F5344CB8AC3E}">
+        <p14:creationId xmlns:p14="http://schemas.microsoft.com/office/powerpoint/2010/main" val="1946605320"/>
+      </p:ext>
+    </p:extLst>
+  </p:cSld>
+  <p:clrMapOvr>
+    <a:masterClrMapping/>
+  </p:clrMapOvr>
+  <mc:AlternateContent xmlns:mc="http://schemas.openxmlformats.org/markup-compatibility/2006" xmlns:p14="http://schemas.microsoft.com/office/powerpoint/2010/main">
+    <mc:Choice Requires="p14">
+      <p:transition spd="med" p14:dur="700">
+        <p:fade/>
+      </p:transition>
+    </mc:Choice>
+    <mc:Fallback xmlns="">
+      <p:transition spd="med">
+        <p:fade/>
+      </p:transition>
+    </mc:Fallback>
+  </mc:AlternateContent>
+</p:sld>
+</file>
+
+<file path=ppt/slides/slide3.xml><?xml version="1.0" encoding="utf-8"?>
+<p:sld xmlns:a="http://schemas.openxmlformats.org/drawingml/2006/main" xmlns:r="http://schemas.openxmlformats.org/officeDocument/2006/relationships" xmlns:p="http://schemas.openxmlformats.org/presentationml/2006/main">
+  <p:cSld>
+    <p:spTree>
+      <p:nvGrpSpPr>
+        <p:cNvPr id="1" name=""/>
+        <p:cNvGrpSpPr/>
+        <p:nvPr/>
+      </p:nvGrpSpPr>
+      <p:grpSpPr>
+        <a:xfrm>
+          <a:off x="0" y="0"/>
+          <a:ext cx="0" cy="0"/>
+          <a:chOff x="0" y="0"/>
+          <a:chExt cx="0" cy="0"/>
+        </a:xfrm>
+      </p:grpSpPr>
+      <p:sp>
+        <p:nvSpPr>
+          <p:cNvPr id="3" name="Title 2">
+            <a:extLst>
+              <a:ext uri="{FF2B5EF4-FFF2-40B4-BE49-F238E27FC236}">
+                <a16:creationId xmlns:a16="http://schemas.microsoft.com/office/drawing/2014/main" id="{A1118B4A-7223-694A-9013-D436B96536FB}"/>
+              </a:ext>
+            </a:extLst>
+          </p:cNvPr>
+          <p:cNvSpPr>
+            <a:spLocks noGrp="1"/>
+          </p:cNvSpPr>
+          <p:nvPr>
+            <p:ph type="title"/>
+          </p:nvPr>
+        </p:nvSpPr>
+        <p:spPr>
+          <a:xfrm>
+            <a:off x="646946" y="1600200"/>
+            <a:ext cx="10898107" cy="611449"/>
+          </a:xfrm>
+        </p:spPr>
+        <p:txBody>
+          <a:bodyPr anchor="ctr"/>
+          <a:lstStyle/>
+          <a:p>
+            <a:r>
+              <a:rPr lang="en-US" sz="4400" b="1" dirty="0">
+                <a:solidFill>
+                  <a:srgbClr val="051F49"/>
+                </a:solidFill>
+                <a:latin typeface="Arial Nova" panose="020B0504020202020204" pitchFamily="34" charset="0"/>
+                <a:ea typeface="Helvetica Neue" panose="02000503000000020004" pitchFamily="2" charset="0"/>
+                <a:cs typeface="Helvetica Neue" panose="02000503000000020004" pitchFamily="2" charset="0"/>
+              </a:rPr>
+              <a:t>If it’s your first time, you might’ve already completed the tutorial.</a:t>
+            </a:r>
+            <a:endParaRPr lang="en-US" sz="4400" dirty="0"/>
+          </a:p>
+        </p:txBody>
+      </p:sp>
+      <p:pic>
+        <p:nvPicPr>
+          <p:cNvPr id="2" name="Picture 1">
+            <a:extLst>
+              <a:ext uri="{FF2B5EF4-FFF2-40B4-BE49-F238E27FC236}">
+                <a16:creationId xmlns:a16="http://schemas.microsoft.com/office/drawing/2014/main" id="{D657AA8D-795E-7F46-9541-2584B9BB34D1}"/>
+              </a:ext>
+            </a:extLst>
+          </p:cNvPr>
+          <p:cNvPicPr>
+            <a:picLocks noChangeAspect="1"/>
+          </p:cNvPicPr>
+          <p:nvPr/>
+        </p:nvPicPr>
+        <p:blipFill>
+          <a:blip r:embed="rId3"/>
+          <a:stretch>
+            <a:fillRect/>
+          </a:stretch>
+        </p:blipFill>
+        <p:spPr>
+          <a:xfrm>
+            <a:off x="6766742" y="2971800"/>
+            <a:ext cx="4770012" cy="3124200"/>
+          </a:xfrm>
+          <a:prstGeom prst="rect">
+            <a:avLst/>
+          </a:prstGeom>
+        </p:spPr>
+      </p:pic>
+      <p:sp>
+        <p:nvSpPr>
+          <p:cNvPr id="4" name="TextBox 3">
+            <a:extLst>
+              <a:ext uri="{FF2B5EF4-FFF2-40B4-BE49-F238E27FC236}">
+                <a16:creationId xmlns:a16="http://schemas.microsoft.com/office/drawing/2014/main" id="{FD2D7AE3-6A34-4549-BE41-74EBBD1CF1CA}"/>
+              </a:ext>
+            </a:extLst>
+          </p:cNvPr>
+          <p:cNvSpPr txBox="1"/>
+          <p:nvPr/>
+        </p:nvSpPr>
+        <p:spPr>
+          <a:xfrm>
+            <a:off x="646946" y="2971800"/>
+            <a:ext cx="5220454" cy="420564"/>
+          </a:xfrm>
+          <a:prstGeom prst="rect">
+            <a:avLst/>
+          </a:prstGeom>
+          <a:noFill/>
+        </p:spPr>
+        <p:txBody>
+          <a:bodyPr wrap="square" rtlCol="0" anchor="t">
+            <a:spAutoFit/>
+          </a:bodyPr>
+          <a:lstStyle/>
+          <a:p>
+            <a:pPr defTabSz="1219170">
+              <a:spcAft>
+                <a:spcPts val="1400"/>
+              </a:spcAft>
+            </a:pPr>
+            <a:r>
+              <a:rPr lang="en-US" sz="2133" dirty="0">
+                <a:solidFill>
+                  <a:srgbClr val="112048"/>
+                </a:solidFill>
+                <a:latin typeface="Arial Nova Light" panose="020B0304020202020204" pitchFamily="34" charset="0"/>
+                <a:ea typeface="Helvetica Neue Light" panose="02000403000000020004" pitchFamily="2" charset="0"/>
+              </a:rPr>
+              <a:t>Otherwise, you can review it </a:t>
+            </a:r>
+            <a:r>
+              <a:rPr lang="en-US" sz="2133" dirty="0">
+                <a:solidFill>
+                  <a:srgbClr val="112048"/>
+                </a:solidFill>
+                <a:latin typeface="Arial Nova Light" panose="020B0304020202020204" pitchFamily="34" charset="0"/>
+                <a:ea typeface="Helvetica Neue Light" panose="02000403000000020004" pitchFamily="2" charset="0"/>
+                <a:hlinkClick r:id="rId4"/>
+              </a:rPr>
+              <a:t>here</a:t>
+            </a:r>
+            <a:r>
+              <a:rPr lang="en-US" sz="2133" dirty="0">
+                <a:solidFill>
+                  <a:srgbClr val="112048"/>
+                </a:solidFill>
+                <a:latin typeface="Arial Nova Light" panose="020B0304020202020204" pitchFamily="34" charset="0"/>
+                <a:ea typeface="Helvetica Neue Light" panose="02000403000000020004" pitchFamily="2" charset="0"/>
+              </a:rPr>
+              <a:t>.</a:t>
+            </a:r>
+          </a:p>
+        </p:txBody>
+      </p:sp>
+    </p:spTree>
+    <p:extLst>
+      <p:ext uri="{BB962C8B-B14F-4D97-AF65-F5344CB8AC3E}">
+        <p14:creationId xmlns:p14="http://schemas.microsoft.com/office/powerpoint/2010/main" val="4019097975"/>
       </p:ext>
     </p:extLst>
   </p:cSld>
@@ -11877,62 +12946,81 @@
       </p:grpSpPr>
       <p:sp>
         <p:nvSpPr>
-          <p:cNvPr id="5" name="Rectangle 4">
+          <p:cNvPr id="3" name="Title 2">
             <a:extLst>
               <a:ext uri="{FF2B5EF4-FFF2-40B4-BE49-F238E27FC236}">
-                <a16:creationId xmlns:a16="http://schemas.microsoft.com/office/drawing/2014/main" id="{9B781FAD-AC30-424A-8B4A-23815D0A3185}"/>
+                <a16:creationId xmlns:a16="http://schemas.microsoft.com/office/drawing/2014/main" id="{A1118B4A-7223-694A-9013-D436B96536FB}"/>
               </a:ext>
             </a:extLst>
           </p:cNvPr>
-          <p:cNvSpPr/>
+          <p:cNvSpPr>
+            <a:spLocks noGrp="1"/>
+          </p:cNvSpPr>
+          <p:nvPr>
+            <p:ph type="title"/>
+          </p:nvPr>
+        </p:nvSpPr>
+        <p:spPr>
+          <a:xfrm>
+            <a:off x="646946" y="1600200"/>
+            <a:ext cx="10898107" cy="611449"/>
+          </a:xfrm>
+        </p:spPr>
+        <p:txBody>
+          <a:bodyPr anchor="ctr"/>
+          <a:lstStyle/>
+          <a:p>
+            <a:r>
+              <a:rPr lang="en-US" sz="4400" b="1" dirty="0">
+                <a:solidFill>
+                  <a:srgbClr val="051F49"/>
+                </a:solidFill>
+                <a:latin typeface="Arial Nova" panose="020B0504020202020204" pitchFamily="34" charset="0"/>
+                <a:ea typeface="Helvetica Neue" panose="02000503000000020004" pitchFamily="2" charset="0"/>
+                <a:cs typeface="Helvetica Neue" panose="02000503000000020004" pitchFamily="2" charset="0"/>
+              </a:rPr>
+              <a:t>You may have to enable screenshare and other permissions if it’s your first time.</a:t>
+            </a:r>
+            <a:endParaRPr lang="en-US" sz="4400" dirty="0"/>
+          </a:p>
+        </p:txBody>
+      </p:sp>
+      <p:pic>
+        <p:nvPicPr>
+          <p:cNvPr id="2" name="Picture 1">
+            <a:extLst>
+              <a:ext uri="{FF2B5EF4-FFF2-40B4-BE49-F238E27FC236}">
+                <a16:creationId xmlns:a16="http://schemas.microsoft.com/office/drawing/2014/main" id="{D657AA8D-795E-7F46-9541-2584B9BB34D1}"/>
+              </a:ext>
+            </a:extLst>
+          </p:cNvPr>
+          <p:cNvPicPr>
+            <a:picLocks noChangeAspect="1"/>
+          </p:cNvPicPr>
           <p:nvPr/>
-        </p:nvSpPr>
+        </p:nvPicPr>
+        <p:blipFill>
+          <a:blip r:embed="rId3"/>
+          <a:stretch>
+            <a:fillRect/>
+          </a:stretch>
+        </p:blipFill>
         <p:spPr>
           <a:xfrm>
-            <a:off x="0" y="0"/>
-            <a:ext cx="4905632" cy="6858000"/>
+            <a:off x="6766742" y="2971800"/>
+            <a:ext cx="4770012" cy="3124200"/>
           </a:xfrm>
           <a:prstGeom prst="rect">
             <a:avLst/>
           </a:prstGeom>
-          <a:solidFill>
-            <a:srgbClr val="052049"/>
-          </a:solidFill>
-          <a:ln>
-            <a:noFill/>
-          </a:ln>
-        </p:spPr>
-        <p:style>
-          <a:lnRef idx="2">
-            <a:schemeClr val="accent1">
-              <a:shade val="50000"/>
-            </a:schemeClr>
-          </a:lnRef>
-          <a:fillRef idx="1">
-            <a:schemeClr val="accent1"/>
-          </a:fillRef>
-          <a:effectRef idx="0">
-            <a:schemeClr val="accent1"/>
-          </a:effectRef>
-          <a:fontRef idx="minor">
-            <a:schemeClr val="lt1"/>
-          </a:fontRef>
-        </p:style>
-        <p:txBody>
-          <a:bodyPr rtlCol="0" anchor="ctr"/>
-          <a:lstStyle/>
-          <a:p>
-            <a:pPr algn="ctr"/>
-            <a:endParaRPr lang="en-US" dirty="0"/>
-          </a:p>
-        </p:txBody>
-      </p:sp>
-      <p:sp>
-        <p:nvSpPr>
-          <p:cNvPr id="10" name="TextBox 9">
+        </p:spPr>
+      </p:pic>
+      <p:sp>
+        <p:nvSpPr>
+          <p:cNvPr id="4" name="TextBox 3">
             <a:extLst>
               <a:ext uri="{FF2B5EF4-FFF2-40B4-BE49-F238E27FC236}">
-                <a16:creationId xmlns:a16="http://schemas.microsoft.com/office/drawing/2014/main" id="{A4FFD85B-4EA8-F944-9BC5-51B5E77030FC}"/>
+                <a16:creationId xmlns:a16="http://schemas.microsoft.com/office/drawing/2014/main" id="{FD2D7AE3-6A34-4549-BE41-74EBBD1CF1CA}"/>
               </a:ext>
             </a:extLst>
           </p:cNvPr>
@@ -11941,8 +13029,8 @@
         </p:nvSpPr>
         <p:spPr>
           <a:xfrm>
-            <a:off x="423741" y="3028892"/>
-            <a:ext cx="4481891" cy="769441"/>
+            <a:off x="646946" y="2971800"/>
+            <a:ext cx="5220454" cy="420564"/>
           </a:xfrm>
           <a:prstGeom prst="rect">
             <a:avLst/>
@@ -11950,124 +13038,46 @@
           <a:noFill/>
         </p:spPr>
         <p:txBody>
-          <a:bodyPr wrap="square" rtlCol="0">
+          <a:bodyPr wrap="square" rtlCol="0" anchor="t">
             <a:spAutoFit/>
           </a:bodyPr>
           <a:lstStyle/>
           <a:p>
-            <a:r>
-              <a:rPr lang="en-US" sz="4400" b="1" dirty="0">
-                <a:solidFill>
-                  <a:schemeClr val="bg1"/>
-                </a:solidFill>
-                <a:latin typeface="Arial Nova" panose="020B0504020202020204" pitchFamily="34" charset="0"/>
-                <a:ea typeface="Helvetica Neue" panose="02000503000000020004" pitchFamily="2" charset="0"/>
-                <a:cs typeface="Helvetica Neue" panose="02000503000000020004" pitchFamily="2" charset="0"/>
-              </a:rPr>
-              <a:t>Agenda</a:t>
-            </a:r>
-          </a:p>
-        </p:txBody>
-      </p:sp>
-      <p:sp>
-        <p:nvSpPr>
-          <p:cNvPr id="13" name="TextBox 12">
-            <a:extLst>
-              <a:ext uri="{FF2B5EF4-FFF2-40B4-BE49-F238E27FC236}">
-                <a16:creationId xmlns:a16="http://schemas.microsoft.com/office/drawing/2014/main" id="{CA59D29C-EF02-4943-A493-FE34AB8A2AA6}"/>
-              </a:ext>
-            </a:extLst>
-          </p:cNvPr>
-          <p:cNvSpPr txBox="1"/>
-          <p:nvPr/>
-        </p:nvSpPr>
-        <p:spPr>
-          <a:xfrm>
-            <a:off x="5392707" y="2182608"/>
-            <a:ext cx="6214407" cy="2492798"/>
-          </a:xfrm>
-          <a:prstGeom prst="rect">
-            <a:avLst/>
-          </a:prstGeom>
-          <a:noFill/>
-        </p:spPr>
-        <p:txBody>
-          <a:bodyPr wrap="square" rtlCol="0" anchor="ctr">
-            <a:spAutoFit/>
-          </a:bodyPr>
-          <a:lstStyle/>
-          <a:p>
-            <a:pPr>
+            <a:pPr defTabSz="1219170">
               <a:spcAft>
-                <a:spcPts val="600"/>
+                <a:spcPts val="1400"/>
               </a:spcAft>
             </a:pPr>
             <a:r>
-              <a:rPr lang="en-US" sz="2400" b="1" dirty="0">
-                <a:latin typeface="Arial Nova" panose="020B0504020202020204" pitchFamily="34" charset="0"/>
-                <a:ea typeface="Helvetica Neue" panose="02000503000000020004" pitchFamily="2" charset="0"/>
-                <a:cs typeface="Helvetica Neue" panose="02000503000000020004" pitchFamily="2" charset="0"/>
-              </a:rPr>
-              <a:t>We will introduce the following topics:</a:t>
-            </a:r>
-          </a:p>
-          <a:p>
-            <a:pPr marL="457189" indent="-457189">
-              <a:spcAft>
-                <a:spcPts val="600"/>
-              </a:spcAft>
-              <a:buFont typeface="Arial" panose="020B0604020202020204" pitchFamily="34" charset="0"/>
-              <a:buChar char="•"/>
-            </a:pPr>
-            <a:r>
               <a:rPr lang="en-US" sz="2133" dirty="0">
+                <a:solidFill>
+                  <a:srgbClr val="112048"/>
+                </a:solidFill>
                 <a:latin typeface="Arial Nova Light" panose="020B0304020202020204" pitchFamily="34" charset="0"/>
                 <a:ea typeface="Helvetica Neue Light" panose="02000403000000020004" pitchFamily="2" charset="0"/>
               </a:rPr>
-              <a:t>Navigating Online Data Science Resources</a:t>
-            </a:r>
-          </a:p>
-          <a:p>
-            <a:pPr marL="457189" indent="-457189">
-              <a:spcAft>
-                <a:spcPts val="600"/>
-              </a:spcAft>
-              <a:buFont typeface="Arial" panose="020B0604020202020204" pitchFamily="34" charset="0"/>
-              <a:buChar char="•"/>
-            </a:pPr>
+              <a:t>See the instructions </a:t>
+            </a:r>
             <a:r>
               <a:rPr lang="en-US" sz="2133" dirty="0">
+                <a:solidFill>
+                  <a:srgbClr val="112048"/>
+                </a:solidFill>
+                <a:latin typeface="Arial Nova Light" panose="020B0304020202020204" pitchFamily="34" charset="0"/>
+                <a:ea typeface="Helvetica Neue Light" panose="02000403000000020004" pitchFamily="2" charset="0"/>
+                <a:hlinkClick r:id="rId4"/>
+              </a:rPr>
+              <a:t>here</a:t>
+            </a:r>
+            <a:r>
+              <a:rPr lang="en-US" sz="2133" dirty="0">
+                <a:solidFill>
+                  <a:srgbClr val="112048"/>
+                </a:solidFill>
                 <a:latin typeface="Arial Nova Light" panose="020B0304020202020204" pitchFamily="34" charset="0"/>
                 <a:ea typeface="Helvetica Neue Light" panose="02000403000000020004" pitchFamily="2" charset="0"/>
               </a:rPr>
-              <a:t>Posting Questions in Online Forums</a:t>
-            </a:r>
-          </a:p>
-          <a:p>
-            <a:pPr marL="457189" indent="-457189">
-              <a:spcAft>
-                <a:spcPts val="600"/>
-              </a:spcAft>
-              <a:buFont typeface="Arial" panose="020B0604020202020204" pitchFamily="34" charset="0"/>
-              <a:buChar char="•"/>
-            </a:pPr>
-            <a:endParaRPr lang="en-US" sz="2133" dirty="0">
-              <a:latin typeface="Arial Nova Light" panose="020B0304020202020204" pitchFamily="34" charset="0"/>
-              <a:ea typeface="Helvetica Neue Light" panose="02000403000000020004" pitchFamily="2" charset="0"/>
-            </a:endParaRPr>
-          </a:p>
-          <a:p>
-            <a:pPr>
-              <a:spcAft>
-                <a:spcPts val="600"/>
-              </a:spcAft>
-            </a:pPr>
-            <a:r>
-              <a:rPr lang="en-US" sz="2400" b="1" dirty="0">
-                <a:latin typeface="Arial Nova" panose="020B0504020202020204" pitchFamily="34" charset="0"/>
-                <a:ea typeface="Helvetica Neue Light" panose="02000403000000020004" pitchFamily="2" charset="0"/>
-              </a:rPr>
-              <a:t>In addition, you’ll apply what you’ve learned to a hands-on challenge!</a:t>
+              <a:t>.</a:t>
             </a:r>
           </a:p>
         </p:txBody>
@@ -12075,7 +13085,7 @@
     </p:spTree>
     <p:extLst>
       <p:ext uri="{BB962C8B-B14F-4D97-AF65-F5344CB8AC3E}">
-        <p14:creationId xmlns:p14="http://schemas.microsoft.com/office/powerpoint/2010/main" val="3508203496"/>
+        <p14:creationId xmlns:p14="http://schemas.microsoft.com/office/powerpoint/2010/main" val="3026909791"/>
       </p:ext>
     </p:extLst>
   </p:cSld>
@@ -12094,6 +13104,1123 @@
       </p:transition>
     </mc:Fallback>
   </mc:AlternateContent>
+</p:sld>
+</file>
+
+<file path=ppt/slides/slide5.xml><?xml version="1.0" encoding="utf-8"?>
+<p:sld xmlns:a="http://schemas.openxmlformats.org/drawingml/2006/main" xmlns:r="http://schemas.openxmlformats.org/officeDocument/2006/relationships" xmlns:p="http://schemas.openxmlformats.org/presentationml/2006/main">
+  <p:cSld>
+    <p:spTree>
+      <p:nvGrpSpPr>
+        <p:cNvPr id="1" name=""/>
+        <p:cNvGrpSpPr/>
+        <p:nvPr/>
+      </p:nvGrpSpPr>
+      <p:grpSpPr>
+        <a:xfrm>
+          <a:off x="0" y="0"/>
+          <a:ext cx="0" cy="0"/>
+          <a:chOff x="0" y="0"/>
+          <a:chExt cx="0" cy="0"/>
+        </a:xfrm>
+      </p:grpSpPr>
+      <p:sp>
+        <p:nvSpPr>
+          <p:cNvPr id="3" name="Title 2">
+            <a:extLst>
+              <a:ext uri="{FF2B5EF4-FFF2-40B4-BE49-F238E27FC236}">
+                <a16:creationId xmlns:a16="http://schemas.microsoft.com/office/drawing/2014/main" id="{A1118B4A-7223-694A-9013-D436B96536FB}"/>
+              </a:ext>
+            </a:extLst>
+          </p:cNvPr>
+          <p:cNvSpPr>
+            <a:spLocks noGrp="1"/>
+          </p:cNvSpPr>
+          <p:nvPr>
+            <p:ph type="title"/>
+          </p:nvPr>
+        </p:nvSpPr>
+        <p:spPr>
+          <a:xfrm>
+            <a:off x="646946" y="1600200"/>
+            <a:ext cx="10898107" cy="611449"/>
+          </a:xfrm>
+        </p:spPr>
+        <p:txBody>
+          <a:bodyPr anchor="ctr"/>
+          <a:lstStyle/>
+          <a:p>
+            <a:r>
+              <a:rPr lang="en-US" sz="4400" b="1" dirty="0">
+                <a:solidFill>
+                  <a:srgbClr val="051F49"/>
+                </a:solidFill>
+                <a:latin typeface="Arial Nova" panose="020B0504020202020204" pitchFamily="34" charset="0"/>
+                <a:ea typeface="Helvetica Neue" panose="02000503000000020004" pitchFamily="2" charset="0"/>
+                <a:cs typeface="Helvetica Neue" panose="02000503000000020004" pitchFamily="2" charset="0"/>
+              </a:rPr>
+              <a:t>We will begin in the presentation space on the left side of the room.</a:t>
+            </a:r>
+            <a:endParaRPr lang="en-US" sz="4400" dirty="0"/>
+          </a:p>
+        </p:txBody>
+      </p:sp>
+      <p:pic>
+        <p:nvPicPr>
+          <p:cNvPr id="2" name="Picture 1">
+            <a:extLst>
+              <a:ext uri="{FF2B5EF4-FFF2-40B4-BE49-F238E27FC236}">
+                <a16:creationId xmlns:a16="http://schemas.microsoft.com/office/drawing/2014/main" id="{D657AA8D-795E-7F46-9541-2584B9BB34D1}"/>
+              </a:ext>
+            </a:extLst>
+          </p:cNvPr>
+          <p:cNvPicPr>
+            <a:picLocks noChangeAspect="1"/>
+          </p:cNvPicPr>
+          <p:nvPr/>
+        </p:nvPicPr>
+        <p:blipFill>
+          <a:blip r:embed="rId3"/>
+          <a:stretch>
+            <a:fillRect/>
+          </a:stretch>
+        </p:blipFill>
+        <p:spPr>
+          <a:xfrm>
+            <a:off x="6766742" y="2971800"/>
+            <a:ext cx="4770012" cy="3124200"/>
+          </a:xfrm>
+          <a:prstGeom prst="rect">
+            <a:avLst/>
+          </a:prstGeom>
+        </p:spPr>
+      </p:pic>
+      <p:sp>
+        <p:nvSpPr>
+          <p:cNvPr id="4" name="Rectangle 3">
+            <a:extLst>
+              <a:ext uri="{FF2B5EF4-FFF2-40B4-BE49-F238E27FC236}">
+                <a16:creationId xmlns:a16="http://schemas.microsoft.com/office/drawing/2014/main" id="{107DD06C-7254-FF42-AED9-16294E7009E7}"/>
+              </a:ext>
+            </a:extLst>
+          </p:cNvPr>
+          <p:cNvSpPr/>
+          <p:nvPr/>
+        </p:nvSpPr>
+        <p:spPr>
+          <a:xfrm>
+            <a:off x="6934200" y="3886200"/>
+            <a:ext cx="1371600" cy="1828800"/>
+          </a:xfrm>
+          <a:prstGeom prst="rect">
+            <a:avLst/>
+          </a:prstGeom>
+          <a:noFill/>
+          <a:ln w="38100">
+            <a:solidFill>
+              <a:schemeClr val="bg1"/>
+            </a:solidFill>
+            <a:prstDash val="sysDash"/>
+          </a:ln>
+        </p:spPr>
+        <p:style>
+          <a:lnRef idx="2">
+            <a:schemeClr val="accent1">
+              <a:shade val="50000"/>
+            </a:schemeClr>
+          </a:lnRef>
+          <a:fillRef idx="1">
+            <a:schemeClr val="accent1"/>
+          </a:fillRef>
+          <a:effectRef idx="0">
+            <a:schemeClr val="accent1"/>
+          </a:effectRef>
+          <a:fontRef idx="minor">
+            <a:schemeClr val="lt1"/>
+          </a:fontRef>
+        </p:style>
+        <p:txBody>
+          <a:bodyPr rtlCol="0" anchor="ctr"/>
+          <a:lstStyle/>
+          <a:p>
+            <a:pPr algn="ctr"/>
+            <a:endParaRPr lang="en-US"/>
+          </a:p>
+        </p:txBody>
+      </p:sp>
+      <p:cxnSp>
+        <p:nvCxnSpPr>
+          <p:cNvPr id="6" name="Straight Arrow Connector 5">
+            <a:extLst>
+              <a:ext uri="{FF2B5EF4-FFF2-40B4-BE49-F238E27FC236}">
+                <a16:creationId xmlns:a16="http://schemas.microsoft.com/office/drawing/2014/main" id="{0C89EC74-1232-D34D-BCC5-2EB79467FF93}"/>
+              </a:ext>
+            </a:extLst>
+          </p:cNvPr>
+          <p:cNvCxnSpPr>
+            <a:cxnSpLocks/>
+            <a:stCxn id="7" idx="0"/>
+            <a:endCxn id="4" idx="1"/>
+          </p:cNvCxnSpPr>
+          <p:nvPr/>
+        </p:nvCxnSpPr>
+        <p:spPr>
+          <a:xfrm flipV="1">
+            <a:off x="5891763" y="4800600"/>
+            <a:ext cx="1042437" cy="405143"/>
+          </a:xfrm>
+          <a:prstGeom prst="straightConnector1">
+            <a:avLst/>
+          </a:prstGeom>
+          <a:ln w="38100">
+            <a:solidFill>
+              <a:srgbClr val="112048"/>
+            </a:solidFill>
+            <a:tailEnd type="triangle"/>
+          </a:ln>
+        </p:spPr>
+        <p:style>
+          <a:lnRef idx="1">
+            <a:schemeClr val="accent1"/>
+          </a:lnRef>
+          <a:fillRef idx="0">
+            <a:schemeClr val="accent1"/>
+          </a:fillRef>
+          <a:effectRef idx="0">
+            <a:schemeClr val="accent1"/>
+          </a:effectRef>
+          <a:fontRef idx="minor">
+            <a:schemeClr val="tx1"/>
+          </a:fontRef>
+        </p:style>
+      </p:cxnSp>
+      <p:sp>
+        <p:nvSpPr>
+          <p:cNvPr id="7" name="Rectangle 6">
+            <a:extLst>
+              <a:ext uri="{FF2B5EF4-FFF2-40B4-BE49-F238E27FC236}">
+                <a16:creationId xmlns:a16="http://schemas.microsoft.com/office/drawing/2014/main" id="{AB300D4B-9C97-EE46-9139-104CC9D15C37}"/>
+              </a:ext>
+            </a:extLst>
+          </p:cNvPr>
+          <p:cNvSpPr/>
+          <p:nvPr/>
+        </p:nvSpPr>
+        <p:spPr>
+          <a:xfrm>
+            <a:off x="5181600" y="5205743"/>
+            <a:ext cx="1420325" cy="646331"/>
+          </a:xfrm>
+          <a:prstGeom prst="rect">
+            <a:avLst/>
+          </a:prstGeom>
+        </p:spPr>
+        <p:txBody>
+          <a:bodyPr wrap="none" anchor="ctr">
+            <a:spAutoFit/>
+          </a:bodyPr>
+          <a:lstStyle/>
+          <a:p>
+            <a:r>
+              <a:rPr lang="en-US" dirty="0">
+                <a:solidFill>
+                  <a:srgbClr val="112048"/>
+                </a:solidFill>
+                <a:latin typeface="Arial Nova Light" panose="020B0304020202020204" pitchFamily="34" charset="0"/>
+                <a:ea typeface="Helvetica Neue Light" panose="02000403000000020004" pitchFamily="2" charset="0"/>
+              </a:rPr>
+              <a:t>Presentation</a:t>
+            </a:r>
+          </a:p>
+          <a:p>
+            <a:pPr algn="ctr"/>
+            <a:r>
+              <a:rPr lang="en-US" dirty="0">
+                <a:solidFill>
+                  <a:srgbClr val="112048"/>
+                </a:solidFill>
+                <a:latin typeface="Arial Nova Light" panose="020B0304020202020204" pitchFamily="34" charset="0"/>
+                <a:ea typeface="Helvetica Neue Light" panose="02000403000000020004" pitchFamily="2" charset="0"/>
+              </a:rPr>
+              <a:t>Space</a:t>
+            </a:r>
+            <a:endParaRPr lang="en-US" dirty="0"/>
+          </a:p>
+        </p:txBody>
+      </p:sp>
+    </p:spTree>
+    <p:extLst>
+      <p:ext uri="{BB962C8B-B14F-4D97-AF65-F5344CB8AC3E}">
+        <p14:creationId xmlns:p14="http://schemas.microsoft.com/office/powerpoint/2010/main" val="3566338134"/>
+      </p:ext>
+    </p:extLst>
+  </p:cSld>
+  <p:clrMapOvr>
+    <a:masterClrMapping/>
+  </p:clrMapOvr>
+  <mc:AlternateContent xmlns:mc="http://schemas.openxmlformats.org/markup-compatibility/2006" xmlns:p14="http://schemas.microsoft.com/office/powerpoint/2010/main">
+    <mc:Choice Requires="p14">
+      <p:transition spd="med" p14:dur="700">
+        <p:fade/>
+      </p:transition>
+    </mc:Choice>
+    <mc:Fallback xmlns="">
+      <p:transition spd="med">
+        <p:fade/>
+      </p:transition>
+    </mc:Fallback>
+  </mc:AlternateContent>
+</p:sld>
+</file>
+
+<file path=ppt/slides/slide6.xml><?xml version="1.0" encoding="utf-8"?>
+<p:sld xmlns:a="http://schemas.openxmlformats.org/drawingml/2006/main" xmlns:r="http://schemas.openxmlformats.org/officeDocument/2006/relationships" xmlns:p="http://schemas.openxmlformats.org/presentationml/2006/main">
+  <p:cSld>
+    <p:spTree>
+      <p:nvGrpSpPr>
+        <p:cNvPr id="1" name=""/>
+        <p:cNvGrpSpPr/>
+        <p:nvPr/>
+      </p:nvGrpSpPr>
+      <p:grpSpPr>
+        <a:xfrm>
+          <a:off x="0" y="0"/>
+          <a:ext cx="0" cy="0"/>
+          <a:chOff x="0" y="0"/>
+          <a:chExt cx="0" cy="0"/>
+        </a:xfrm>
+      </p:grpSpPr>
+      <p:sp>
+        <p:nvSpPr>
+          <p:cNvPr id="3" name="Title 2">
+            <a:extLst>
+              <a:ext uri="{FF2B5EF4-FFF2-40B4-BE49-F238E27FC236}">
+                <a16:creationId xmlns:a16="http://schemas.microsoft.com/office/drawing/2014/main" id="{A1118B4A-7223-694A-9013-D436B96536FB}"/>
+              </a:ext>
+            </a:extLst>
+          </p:cNvPr>
+          <p:cNvSpPr>
+            <a:spLocks noGrp="1"/>
+          </p:cNvSpPr>
+          <p:nvPr>
+            <p:ph type="title"/>
+          </p:nvPr>
+        </p:nvSpPr>
+        <p:spPr>
+          <a:xfrm>
+            <a:off x="646946" y="1600200"/>
+            <a:ext cx="10898107" cy="611449"/>
+          </a:xfrm>
+        </p:spPr>
+        <p:txBody>
+          <a:bodyPr anchor="ctr"/>
+          <a:lstStyle/>
+          <a:p>
+            <a:r>
+              <a:rPr lang="en-US" sz="4400" b="1" dirty="0">
+                <a:solidFill>
+                  <a:srgbClr val="051F49"/>
+                </a:solidFill>
+                <a:latin typeface="Arial Nova" panose="020B0504020202020204" pitchFamily="34" charset="0"/>
+                <a:ea typeface="Helvetica Neue" panose="02000503000000020004" pitchFamily="2" charset="0"/>
+                <a:cs typeface="Helvetica Neue" panose="02000503000000020004" pitchFamily="2" charset="0"/>
+              </a:rPr>
+              <a:t>Later for the group activities, you will go to the breakout rooms on the right. </a:t>
+            </a:r>
+            <a:endParaRPr lang="en-US" sz="4400" dirty="0"/>
+          </a:p>
+        </p:txBody>
+      </p:sp>
+      <p:pic>
+        <p:nvPicPr>
+          <p:cNvPr id="2" name="Picture 1">
+            <a:extLst>
+              <a:ext uri="{FF2B5EF4-FFF2-40B4-BE49-F238E27FC236}">
+                <a16:creationId xmlns:a16="http://schemas.microsoft.com/office/drawing/2014/main" id="{D657AA8D-795E-7F46-9541-2584B9BB34D1}"/>
+              </a:ext>
+            </a:extLst>
+          </p:cNvPr>
+          <p:cNvPicPr>
+            <a:picLocks noChangeAspect="1"/>
+          </p:cNvPicPr>
+          <p:nvPr/>
+        </p:nvPicPr>
+        <p:blipFill>
+          <a:blip r:embed="rId3"/>
+          <a:stretch>
+            <a:fillRect/>
+          </a:stretch>
+        </p:blipFill>
+        <p:spPr>
+          <a:xfrm>
+            <a:off x="6766742" y="2971800"/>
+            <a:ext cx="4770012" cy="3124200"/>
+          </a:xfrm>
+          <a:prstGeom prst="rect">
+            <a:avLst/>
+          </a:prstGeom>
+        </p:spPr>
+      </p:pic>
+      <p:sp>
+        <p:nvSpPr>
+          <p:cNvPr id="4" name="Rectangle 3">
+            <a:extLst>
+              <a:ext uri="{FF2B5EF4-FFF2-40B4-BE49-F238E27FC236}">
+                <a16:creationId xmlns:a16="http://schemas.microsoft.com/office/drawing/2014/main" id="{107DD06C-7254-FF42-AED9-16294E7009E7}"/>
+              </a:ext>
+            </a:extLst>
+          </p:cNvPr>
+          <p:cNvSpPr/>
+          <p:nvPr/>
+        </p:nvSpPr>
+        <p:spPr>
+          <a:xfrm>
+            <a:off x="9829800" y="3276600"/>
+            <a:ext cx="1371600" cy="2438400"/>
+          </a:xfrm>
+          <a:prstGeom prst="rect">
+            <a:avLst/>
+          </a:prstGeom>
+          <a:noFill/>
+          <a:ln w="38100">
+            <a:solidFill>
+              <a:schemeClr val="bg1"/>
+            </a:solidFill>
+            <a:prstDash val="sysDash"/>
+          </a:ln>
+        </p:spPr>
+        <p:style>
+          <a:lnRef idx="2">
+            <a:schemeClr val="accent1">
+              <a:shade val="50000"/>
+            </a:schemeClr>
+          </a:lnRef>
+          <a:fillRef idx="1">
+            <a:schemeClr val="accent1"/>
+          </a:fillRef>
+          <a:effectRef idx="0">
+            <a:schemeClr val="accent1"/>
+          </a:effectRef>
+          <a:fontRef idx="minor">
+            <a:schemeClr val="lt1"/>
+          </a:fontRef>
+        </p:style>
+        <p:txBody>
+          <a:bodyPr rtlCol="0" anchor="ctr"/>
+          <a:lstStyle/>
+          <a:p>
+            <a:pPr algn="ctr"/>
+            <a:endParaRPr lang="en-US"/>
+          </a:p>
+        </p:txBody>
+      </p:sp>
+      <p:cxnSp>
+        <p:nvCxnSpPr>
+          <p:cNvPr id="6" name="Straight Arrow Connector 5">
+            <a:extLst>
+              <a:ext uri="{FF2B5EF4-FFF2-40B4-BE49-F238E27FC236}">
+                <a16:creationId xmlns:a16="http://schemas.microsoft.com/office/drawing/2014/main" id="{0C89EC74-1232-D34D-BCC5-2EB79467FF93}"/>
+              </a:ext>
+            </a:extLst>
+          </p:cNvPr>
+          <p:cNvCxnSpPr>
+            <a:cxnSpLocks/>
+            <a:stCxn id="7" idx="0"/>
+            <a:endCxn id="4" idx="2"/>
+          </p:cNvCxnSpPr>
+          <p:nvPr/>
+        </p:nvCxnSpPr>
+        <p:spPr>
+          <a:xfrm flipV="1">
+            <a:off x="10062190" y="5715000"/>
+            <a:ext cx="453410" cy="533400"/>
+          </a:xfrm>
+          <a:prstGeom prst="straightConnector1">
+            <a:avLst/>
+          </a:prstGeom>
+          <a:ln w="38100">
+            <a:solidFill>
+              <a:srgbClr val="112048"/>
+            </a:solidFill>
+            <a:tailEnd type="triangle"/>
+          </a:ln>
+        </p:spPr>
+        <p:style>
+          <a:lnRef idx="1">
+            <a:schemeClr val="accent1"/>
+          </a:lnRef>
+          <a:fillRef idx="0">
+            <a:schemeClr val="accent1"/>
+          </a:fillRef>
+          <a:effectRef idx="0">
+            <a:schemeClr val="accent1"/>
+          </a:effectRef>
+          <a:fontRef idx="minor">
+            <a:schemeClr val="tx1"/>
+          </a:fontRef>
+        </p:style>
+      </p:cxnSp>
+      <p:sp>
+        <p:nvSpPr>
+          <p:cNvPr id="7" name="Rectangle 6">
+            <a:extLst>
+              <a:ext uri="{FF2B5EF4-FFF2-40B4-BE49-F238E27FC236}">
+                <a16:creationId xmlns:a16="http://schemas.microsoft.com/office/drawing/2014/main" id="{AB300D4B-9C97-EE46-9139-104CC9D15C37}"/>
+              </a:ext>
+            </a:extLst>
+          </p:cNvPr>
+          <p:cNvSpPr/>
+          <p:nvPr/>
+        </p:nvSpPr>
+        <p:spPr>
+          <a:xfrm>
+            <a:off x="9151748" y="6248400"/>
+            <a:ext cx="1820883" cy="369332"/>
+          </a:xfrm>
+          <a:prstGeom prst="rect">
+            <a:avLst/>
+          </a:prstGeom>
+        </p:spPr>
+        <p:txBody>
+          <a:bodyPr wrap="none" anchor="ctr">
+            <a:spAutoFit/>
+          </a:bodyPr>
+          <a:lstStyle/>
+          <a:p>
+            <a:r>
+              <a:rPr lang="en-US" dirty="0">
+                <a:solidFill>
+                  <a:srgbClr val="112048"/>
+                </a:solidFill>
+                <a:latin typeface="Arial Nova Light" panose="020B0304020202020204" pitchFamily="34" charset="0"/>
+                <a:ea typeface="Helvetica Neue Light" panose="02000403000000020004" pitchFamily="2" charset="0"/>
+              </a:rPr>
+              <a:t>Breakout Rooms</a:t>
+            </a:r>
+            <a:endParaRPr lang="en-US" dirty="0"/>
+          </a:p>
+        </p:txBody>
+      </p:sp>
+      <p:sp>
+        <p:nvSpPr>
+          <p:cNvPr id="8" name="TextBox 7">
+            <a:extLst>
+              <a:ext uri="{FF2B5EF4-FFF2-40B4-BE49-F238E27FC236}">
+                <a16:creationId xmlns:a16="http://schemas.microsoft.com/office/drawing/2014/main" id="{BD3F8C49-C62C-A940-85E9-339D46F7AD2D}"/>
+              </a:ext>
+            </a:extLst>
+          </p:cNvPr>
+          <p:cNvSpPr txBox="1"/>
+          <p:nvPr/>
+        </p:nvSpPr>
+        <p:spPr>
+          <a:xfrm>
+            <a:off x="646946" y="2971800"/>
+            <a:ext cx="5220454" cy="2092561"/>
+          </a:xfrm>
+          <a:prstGeom prst="rect">
+            <a:avLst/>
+          </a:prstGeom>
+          <a:noFill/>
+        </p:spPr>
+        <p:txBody>
+          <a:bodyPr wrap="square" rtlCol="0" anchor="t">
+            <a:spAutoFit/>
+          </a:bodyPr>
+          <a:lstStyle/>
+          <a:p>
+            <a:pPr defTabSz="1219170">
+              <a:spcAft>
+                <a:spcPts val="1400"/>
+              </a:spcAft>
+            </a:pPr>
+            <a:r>
+              <a:rPr lang="en-US" sz="2133" dirty="0">
+                <a:solidFill>
+                  <a:srgbClr val="112048"/>
+                </a:solidFill>
+                <a:latin typeface="Arial Nova Light" panose="020B0304020202020204" pitchFamily="34" charset="0"/>
+                <a:ea typeface="Helvetica Neue Light" panose="02000403000000020004" pitchFamily="2" charset="0"/>
+              </a:rPr>
+              <a:t>The discussions in each breakout room is isolated.</a:t>
+            </a:r>
+          </a:p>
+          <a:p>
+            <a:pPr defTabSz="1219170">
+              <a:spcAft>
+                <a:spcPts val="1400"/>
+              </a:spcAft>
+            </a:pPr>
+            <a:endParaRPr lang="en-US" sz="2133" dirty="0">
+              <a:solidFill>
+                <a:srgbClr val="112048"/>
+              </a:solidFill>
+              <a:latin typeface="Arial Nova Light" panose="020B0304020202020204" pitchFamily="34" charset="0"/>
+              <a:ea typeface="Helvetica Neue Light" panose="02000403000000020004" pitchFamily="2" charset="0"/>
+            </a:endParaRPr>
+          </a:p>
+          <a:p>
+            <a:pPr defTabSz="1219170">
+              <a:spcAft>
+                <a:spcPts val="1400"/>
+              </a:spcAft>
+            </a:pPr>
+            <a:r>
+              <a:rPr lang="en-US" sz="2133" dirty="0">
+                <a:solidFill>
+                  <a:srgbClr val="112048"/>
+                </a:solidFill>
+                <a:latin typeface="Arial Nova Light" panose="020B0304020202020204" pitchFamily="34" charset="0"/>
+                <a:ea typeface="Helvetica Neue Light" panose="02000403000000020004" pitchFamily="2" charset="0"/>
+              </a:rPr>
+              <a:t>Feel free to utilize the whiteboards in your group work.</a:t>
+            </a:r>
+          </a:p>
+        </p:txBody>
+      </p:sp>
+    </p:spTree>
+    <p:extLst>
+      <p:ext uri="{BB962C8B-B14F-4D97-AF65-F5344CB8AC3E}">
+        <p14:creationId xmlns:p14="http://schemas.microsoft.com/office/powerpoint/2010/main" val="2784294586"/>
+      </p:ext>
+    </p:extLst>
+  </p:cSld>
+  <p:clrMapOvr>
+    <a:masterClrMapping/>
+  </p:clrMapOvr>
+  <mc:AlternateContent xmlns:mc="http://schemas.openxmlformats.org/markup-compatibility/2006" xmlns:p14="http://schemas.microsoft.com/office/powerpoint/2010/main">
+    <mc:Choice Requires="p14">
+      <p:transition spd="med" p14:dur="700">
+        <p:fade/>
+      </p:transition>
+    </mc:Choice>
+    <mc:Fallback xmlns="">
+      <p:transition spd="med">
+        <p:fade/>
+      </p:transition>
+    </mc:Fallback>
+  </mc:AlternateContent>
+</p:sld>
+</file>
+
+<file path=ppt/slides/slide7.xml><?xml version="1.0" encoding="utf-8"?>
+<p:sld xmlns:a="http://schemas.openxmlformats.org/drawingml/2006/main" xmlns:r="http://schemas.openxmlformats.org/officeDocument/2006/relationships" xmlns:p="http://schemas.openxmlformats.org/presentationml/2006/main">
+  <p:cSld>
+    <p:spTree>
+      <p:nvGrpSpPr>
+        <p:cNvPr id="1" name=""/>
+        <p:cNvGrpSpPr/>
+        <p:nvPr/>
+      </p:nvGrpSpPr>
+      <p:grpSpPr>
+        <a:xfrm>
+          <a:off x="0" y="0"/>
+          <a:ext cx="0" cy="0"/>
+          <a:chOff x="0" y="0"/>
+          <a:chExt cx="0" cy="0"/>
+        </a:xfrm>
+      </p:grpSpPr>
+      <p:sp>
+        <p:nvSpPr>
+          <p:cNvPr id="3" name="Title 2">
+            <a:extLst>
+              <a:ext uri="{FF2B5EF4-FFF2-40B4-BE49-F238E27FC236}">
+                <a16:creationId xmlns:a16="http://schemas.microsoft.com/office/drawing/2014/main" id="{A1118B4A-7223-694A-9013-D436B96536FB}"/>
+              </a:ext>
+            </a:extLst>
+          </p:cNvPr>
+          <p:cNvSpPr>
+            <a:spLocks noGrp="1"/>
+          </p:cNvSpPr>
+          <p:nvPr>
+            <p:ph type="title"/>
+          </p:nvPr>
+        </p:nvSpPr>
+        <p:spPr>
+          <a:xfrm>
+            <a:off x="646946" y="1600200"/>
+            <a:ext cx="10898107" cy="611449"/>
+          </a:xfrm>
+        </p:spPr>
+        <p:txBody>
+          <a:bodyPr anchor="ctr"/>
+          <a:lstStyle/>
+          <a:p>
+            <a:r>
+              <a:rPr lang="en-US" sz="4400" b="1" dirty="0">
+                <a:solidFill>
+                  <a:srgbClr val="051F49"/>
+                </a:solidFill>
+                <a:latin typeface="Arial Nova" panose="020B0504020202020204" pitchFamily="34" charset="0"/>
+                <a:ea typeface="Helvetica Neue" panose="02000503000000020004" pitchFamily="2" charset="0"/>
+                <a:cs typeface="Helvetica Neue" panose="02000503000000020004" pitchFamily="2" charset="0"/>
+              </a:rPr>
+              <a:t>At the end of the session, there will be time for casual discussions and networking.</a:t>
+            </a:r>
+            <a:endParaRPr lang="en-US" sz="4400" dirty="0"/>
+          </a:p>
+        </p:txBody>
+      </p:sp>
+      <p:pic>
+        <p:nvPicPr>
+          <p:cNvPr id="2" name="Picture 1">
+            <a:extLst>
+              <a:ext uri="{FF2B5EF4-FFF2-40B4-BE49-F238E27FC236}">
+                <a16:creationId xmlns:a16="http://schemas.microsoft.com/office/drawing/2014/main" id="{D657AA8D-795E-7F46-9541-2584B9BB34D1}"/>
+              </a:ext>
+            </a:extLst>
+          </p:cNvPr>
+          <p:cNvPicPr>
+            <a:picLocks noChangeAspect="1"/>
+          </p:cNvPicPr>
+          <p:nvPr/>
+        </p:nvPicPr>
+        <p:blipFill>
+          <a:blip r:embed="rId3"/>
+          <a:stretch>
+            <a:fillRect/>
+          </a:stretch>
+        </p:blipFill>
+        <p:spPr>
+          <a:xfrm>
+            <a:off x="6766742" y="2971800"/>
+            <a:ext cx="4770012" cy="3124200"/>
+          </a:xfrm>
+          <a:prstGeom prst="rect">
+            <a:avLst/>
+          </a:prstGeom>
+        </p:spPr>
+      </p:pic>
+      <p:sp>
+        <p:nvSpPr>
+          <p:cNvPr id="4" name="Rectangle 3">
+            <a:extLst>
+              <a:ext uri="{FF2B5EF4-FFF2-40B4-BE49-F238E27FC236}">
+                <a16:creationId xmlns:a16="http://schemas.microsoft.com/office/drawing/2014/main" id="{107DD06C-7254-FF42-AED9-16294E7009E7}"/>
+              </a:ext>
+            </a:extLst>
+          </p:cNvPr>
+          <p:cNvSpPr/>
+          <p:nvPr/>
+        </p:nvSpPr>
+        <p:spPr>
+          <a:xfrm>
+            <a:off x="8382000" y="3352800"/>
+            <a:ext cx="1371600" cy="1295400"/>
+          </a:xfrm>
+          <a:prstGeom prst="rect">
+            <a:avLst/>
+          </a:prstGeom>
+          <a:noFill/>
+          <a:ln w="38100">
+            <a:solidFill>
+              <a:schemeClr val="bg1"/>
+            </a:solidFill>
+            <a:prstDash val="sysDash"/>
+          </a:ln>
+        </p:spPr>
+        <p:style>
+          <a:lnRef idx="2">
+            <a:schemeClr val="accent1">
+              <a:shade val="50000"/>
+            </a:schemeClr>
+          </a:lnRef>
+          <a:fillRef idx="1">
+            <a:schemeClr val="accent1"/>
+          </a:fillRef>
+          <a:effectRef idx="0">
+            <a:schemeClr val="accent1"/>
+          </a:effectRef>
+          <a:fontRef idx="minor">
+            <a:schemeClr val="lt1"/>
+          </a:fontRef>
+        </p:style>
+        <p:txBody>
+          <a:bodyPr rtlCol="0" anchor="ctr"/>
+          <a:lstStyle/>
+          <a:p>
+            <a:pPr algn="ctr"/>
+            <a:endParaRPr lang="en-US"/>
+          </a:p>
+        </p:txBody>
+      </p:sp>
+      <p:cxnSp>
+        <p:nvCxnSpPr>
+          <p:cNvPr id="6" name="Straight Arrow Connector 5">
+            <a:extLst>
+              <a:ext uri="{FF2B5EF4-FFF2-40B4-BE49-F238E27FC236}">
+                <a16:creationId xmlns:a16="http://schemas.microsoft.com/office/drawing/2014/main" id="{0C89EC74-1232-D34D-BCC5-2EB79467FF93}"/>
+              </a:ext>
+            </a:extLst>
+          </p:cNvPr>
+          <p:cNvCxnSpPr>
+            <a:cxnSpLocks/>
+            <a:stCxn id="7" idx="3"/>
+            <a:endCxn id="4" idx="1"/>
+          </p:cNvCxnSpPr>
+          <p:nvPr/>
+        </p:nvCxnSpPr>
+        <p:spPr>
+          <a:xfrm flipV="1">
+            <a:off x="6126176" y="4000500"/>
+            <a:ext cx="2255824" cy="490271"/>
+          </a:xfrm>
+          <a:prstGeom prst="straightConnector1">
+            <a:avLst/>
+          </a:prstGeom>
+          <a:ln w="38100">
+            <a:solidFill>
+              <a:srgbClr val="112048"/>
+            </a:solidFill>
+            <a:tailEnd type="triangle"/>
+          </a:ln>
+        </p:spPr>
+        <p:style>
+          <a:lnRef idx="1">
+            <a:schemeClr val="accent1"/>
+          </a:lnRef>
+          <a:fillRef idx="0">
+            <a:schemeClr val="accent1"/>
+          </a:fillRef>
+          <a:effectRef idx="0">
+            <a:schemeClr val="accent1"/>
+          </a:effectRef>
+          <a:fontRef idx="minor">
+            <a:schemeClr val="tx1"/>
+          </a:fontRef>
+        </p:style>
+      </p:cxnSp>
+      <p:sp>
+        <p:nvSpPr>
+          <p:cNvPr id="7" name="Rectangle 6">
+            <a:extLst>
+              <a:ext uri="{FF2B5EF4-FFF2-40B4-BE49-F238E27FC236}">
+                <a16:creationId xmlns:a16="http://schemas.microsoft.com/office/drawing/2014/main" id="{AB300D4B-9C97-EE46-9139-104CC9D15C37}"/>
+              </a:ext>
+            </a:extLst>
+          </p:cNvPr>
+          <p:cNvSpPr/>
+          <p:nvPr/>
+        </p:nvSpPr>
+        <p:spPr>
+          <a:xfrm>
+            <a:off x="4291122" y="4306105"/>
+            <a:ext cx="1835054" cy="369332"/>
+          </a:xfrm>
+          <a:prstGeom prst="rect">
+            <a:avLst/>
+          </a:prstGeom>
+        </p:spPr>
+        <p:txBody>
+          <a:bodyPr wrap="none" anchor="ctr">
+            <a:spAutoFit/>
+          </a:bodyPr>
+          <a:lstStyle/>
+          <a:p>
+            <a:r>
+              <a:rPr lang="en-US" dirty="0">
+                <a:solidFill>
+                  <a:srgbClr val="112048"/>
+                </a:solidFill>
+                <a:latin typeface="Arial Nova Light" panose="020B0304020202020204" pitchFamily="34" charset="0"/>
+                <a:ea typeface="Helvetica Neue Light" panose="02000403000000020004" pitchFamily="2" charset="0"/>
+              </a:rPr>
+              <a:t>Networking Area</a:t>
+            </a:r>
+            <a:endParaRPr lang="en-US" dirty="0"/>
+          </a:p>
+        </p:txBody>
+      </p:sp>
+      <p:sp>
+        <p:nvSpPr>
+          <p:cNvPr id="8" name="TextBox 7">
+            <a:extLst>
+              <a:ext uri="{FF2B5EF4-FFF2-40B4-BE49-F238E27FC236}">
+                <a16:creationId xmlns:a16="http://schemas.microsoft.com/office/drawing/2014/main" id="{BD3F8C49-C62C-A940-85E9-339D46F7AD2D}"/>
+              </a:ext>
+            </a:extLst>
+          </p:cNvPr>
+          <p:cNvSpPr txBox="1"/>
+          <p:nvPr/>
+        </p:nvSpPr>
+        <p:spPr>
+          <a:xfrm>
+            <a:off x="646946" y="2971800"/>
+            <a:ext cx="5951900" cy="748795"/>
+          </a:xfrm>
+          <a:prstGeom prst="rect">
+            <a:avLst/>
+          </a:prstGeom>
+          <a:noFill/>
+        </p:spPr>
+        <p:txBody>
+          <a:bodyPr wrap="square" rtlCol="0" anchor="t">
+            <a:spAutoFit/>
+          </a:bodyPr>
+          <a:lstStyle/>
+          <a:p>
+            <a:pPr defTabSz="1219170">
+              <a:spcAft>
+                <a:spcPts val="1400"/>
+              </a:spcAft>
+            </a:pPr>
+            <a:r>
+              <a:rPr lang="en-US" sz="2133" dirty="0">
+                <a:solidFill>
+                  <a:srgbClr val="112048"/>
+                </a:solidFill>
+                <a:latin typeface="Arial Nova Light" panose="020B0304020202020204" pitchFamily="34" charset="0"/>
+                <a:ea typeface="Helvetica Neue Light" panose="02000403000000020004" pitchFamily="2" charset="0"/>
+              </a:rPr>
+              <a:t>You can use the coffee tables in the networking area to hold isolated conversations.</a:t>
+            </a:r>
+          </a:p>
+        </p:txBody>
+      </p:sp>
+    </p:spTree>
+    <p:extLst>
+      <p:ext uri="{BB962C8B-B14F-4D97-AF65-F5344CB8AC3E}">
+        <p14:creationId xmlns:p14="http://schemas.microsoft.com/office/powerpoint/2010/main" val="718723537"/>
+      </p:ext>
+    </p:extLst>
+  </p:cSld>
+  <p:clrMapOvr>
+    <a:masterClrMapping/>
+  </p:clrMapOvr>
+  <mc:AlternateContent xmlns:mc="http://schemas.openxmlformats.org/markup-compatibility/2006" xmlns:p14="http://schemas.microsoft.com/office/powerpoint/2010/main">
+    <mc:Choice Requires="p14">
+      <p:transition spd="med" p14:dur="700">
+        <p:fade/>
+      </p:transition>
+    </mc:Choice>
+    <mc:Fallback xmlns="">
+      <p:transition spd="med">
+        <p:fade/>
+      </p:transition>
+    </mc:Fallback>
+  </mc:AlternateContent>
+</p:sld>
+</file>
+
+<file path=ppt/slides/slide8.xml><?xml version="1.0" encoding="utf-8"?>
+<p:sld xmlns:a="http://schemas.openxmlformats.org/drawingml/2006/main" xmlns:r="http://schemas.openxmlformats.org/officeDocument/2006/relationships" xmlns:p="http://schemas.openxmlformats.org/presentationml/2006/main">
+  <p:cSld>
+    <p:spTree>
+      <p:nvGrpSpPr>
+        <p:cNvPr id="1" name=""/>
+        <p:cNvGrpSpPr/>
+        <p:nvPr/>
+      </p:nvGrpSpPr>
+      <p:grpSpPr>
+        <a:xfrm>
+          <a:off x="0" y="0"/>
+          <a:ext cx="0" cy="0"/>
+          <a:chOff x="0" y="0"/>
+          <a:chExt cx="0" cy="0"/>
+        </a:xfrm>
+      </p:grpSpPr>
+      <p:sp>
+        <p:nvSpPr>
+          <p:cNvPr id="3" name="Title 2">
+            <a:extLst>
+              <a:ext uri="{FF2B5EF4-FFF2-40B4-BE49-F238E27FC236}">
+                <a16:creationId xmlns:a16="http://schemas.microsoft.com/office/drawing/2014/main" id="{A1118B4A-7223-694A-9013-D436B96536FB}"/>
+              </a:ext>
+            </a:extLst>
+          </p:cNvPr>
+          <p:cNvSpPr>
+            <a:spLocks noGrp="1"/>
+          </p:cNvSpPr>
+          <p:nvPr>
+            <p:ph type="title"/>
+          </p:nvPr>
+        </p:nvSpPr>
+        <p:spPr>
+          <a:xfrm>
+            <a:off x="646946" y="1600200"/>
+            <a:ext cx="10898107" cy="611449"/>
+          </a:xfrm>
+        </p:spPr>
+        <p:txBody>
+          <a:bodyPr anchor="ctr"/>
+          <a:lstStyle/>
+          <a:p>
+            <a:r>
+              <a:rPr lang="en-US" sz="4400" b="1" dirty="0">
+                <a:solidFill>
+                  <a:srgbClr val="051F49"/>
+                </a:solidFill>
+                <a:latin typeface="Arial Nova" panose="020B0504020202020204" pitchFamily="34" charset="0"/>
+                <a:ea typeface="Helvetica Neue" panose="02000503000000020004" pitchFamily="2" charset="0"/>
+                <a:cs typeface="Helvetica Neue" panose="02000503000000020004" pitchFamily="2" charset="0"/>
+              </a:rPr>
+              <a:t>Now you are ready for our Hacky Hour!</a:t>
+            </a:r>
+            <a:endParaRPr lang="en-US" sz="4400" dirty="0"/>
+          </a:p>
+        </p:txBody>
+      </p:sp>
+      <p:pic>
+        <p:nvPicPr>
+          <p:cNvPr id="2" name="Picture 1">
+            <a:extLst>
+              <a:ext uri="{FF2B5EF4-FFF2-40B4-BE49-F238E27FC236}">
+                <a16:creationId xmlns:a16="http://schemas.microsoft.com/office/drawing/2014/main" id="{D657AA8D-795E-7F46-9541-2584B9BB34D1}"/>
+              </a:ext>
+            </a:extLst>
+          </p:cNvPr>
+          <p:cNvPicPr>
+            <a:picLocks noChangeAspect="1"/>
+          </p:cNvPicPr>
+          <p:nvPr/>
+        </p:nvPicPr>
+        <p:blipFill>
+          <a:blip r:embed="rId3"/>
+          <a:stretch>
+            <a:fillRect/>
+          </a:stretch>
+        </p:blipFill>
+        <p:spPr>
+          <a:xfrm>
+            <a:off x="6766742" y="2971800"/>
+            <a:ext cx="4770012" cy="3124200"/>
+          </a:xfrm>
+          <a:prstGeom prst="rect">
+            <a:avLst/>
+          </a:prstGeom>
+        </p:spPr>
+      </p:pic>
+      <p:sp>
+        <p:nvSpPr>
+          <p:cNvPr id="4" name="TextBox 3">
+            <a:extLst>
+              <a:ext uri="{FF2B5EF4-FFF2-40B4-BE49-F238E27FC236}">
+                <a16:creationId xmlns:a16="http://schemas.microsoft.com/office/drawing/2014/main" id="{CB5B364B-3261-E345-B598-8134AEDDA779}"/>
+              </a:ext>
+            </a:extLst>
+          </p:cNvPr>
+          <p:cNvSpPr txBox="1"/>
+          <p:nvPr/>
+        </p:nvSpPr>
+        <p:spPr>
+          <a:xfrm>
+            <a:off x="646946" y="2971800"/>
+            <a:ext cx="5951900" cy="420564"/>
+          </a:xfrm>
+          <a:prstGeom prst="rect">
+            <a:avLst/>
+          </a:prstGeom>
+          <a:noFill/>
+        </p:spPr>
+        <p:txBody>
+          <a:bodyPr wrap="square" rtlCol="0" anchor="t">
+            <a:spAutoFit/>
+          </a:bodyPr>
+          <a:lstStyle/>
+          <a:p>
+            <a:pPr defTabSz="1219170">
+              <a:spcAft>
+                <a:spcPts val="1400"/>
+              </a:spcAft>
+            </a:pPr>
+            <a:r>
+              <a:rPr lang="en-US" sz="2133" b="1" dirty="0">
+                <a:solidFill>
+                  <a:srgbClr val="112048"/>
+                </a:solidFill>
+                <a:latin typeface="Arial Nova" panose="020B0504020202020204" pitchFamily="34" charset="0"/>
+                <a:ea typeface="Helvetica Neue Light" panose="02000403000000020004" pitchFamily="2" charset="0"/>
+              </a:rPr>
+              <a:t>Fun Tip: </a:t>
+            </a:r>
+            <a:r>
+              <a:rPr lang="en-US" sz="2133" dirty="0">
+                <a:solidFill>
+                  <a:srgbClr val="112048"/>
+                </a:solidFill>
+                <a:latin typeface="Arial Nova Light" panose="020B0304020202020204" pitchFamily="34" charset="0"/>
+                <a:ea typeface="Helvetica Neue Light" panose="02000403000000020004" pitchFamily="2" charset="0"/>
+              </a:rPr>
+              <a:t>Hold </a:t>
+            </a:r>
+            <a:r>
+              <a:rPr lang="en-US" sz="2133" i="1" dirty="0">
+                <a:solidFill>
+                  <a:srgbClr val="112048"/>
+                </a:solidFill>
+                <a:latin typeface="Arial Nova Light" panose="020B0304020202020204" pitchFamily="34" charset="0"/>
+                <a:ea typeface="Helvetica Neue Light" panose="02000403000000020004" pitchFamily="2" charset="0"/>
+              </a:rPr>
+              <a:t>z</a:t>
+            </a:r>
+            <a:r>
+              <a:rPr lang="en-US" sz="2133" dirty="0">
+                <a:solidFill>
+                  <a:srgbClr val="112048"/>
+                </a:solidFill>
+                <a:latin typeface="Arial Nova Light" panose="020B0304020202020204" pitchFamily="34" charset="0"/>
+                <a:ea typeface="Helvetica Neue Light" panose="02000403000000020004" pitchFamily="2" charset="0"/>
+              </a:rPr>
+              <a:t> and see what happens 😉</a:t>
+            </a:r>
+          </a:p>
+        </p:txBody>
+      </p:sp>
+    </p:spTree>
+    <p:extLst>
+      <p:ext uri="{BB962C8B-B14F-4D97-AF65-F5344CB8AC3E}">
+        <p14:creationId xmlns:p14="http://schemas.microsoft.com/office/powerpoint/2010/main" val="547216667"/>
+      </p:ext>
+    </p:extLst>
+  </p:cSld>
+  <p:clrMapOvr>
+    <a:masterClrMapping/>
+  </p:clrMapOvr>
+  <mc:AlternateContent xmlns:mc="http://schemas.openxmlformats.org/markup-compatibility/2006" xmlns:p14="http://schemas.microsoft.com/office/powerpoint/2010/main">
+    <mc:Choice Requires="p14">
+      <p:transition spd="med" p14:dur="700">
+        <p:fade/>
+      </p:transition>
+    </mc:Choice>
+    <mc:Fallback xmlns="">
+      <p:transition spd="med">
+        <p:fade/>
+      </p:transition>
+    </mc:Fallback>
+  </mc:AlternateContent>
+</p:sld>
+</file>
+
+<file path=ppt/slides/slide9.xml><?xml version="1.0" encoding="utf-8"?>
+<p:sld xmlns:a="http://schemas.openxmlformats.org/drawingml/2006/main" xmlns:r="http://schemas.openxmlformats.org/officeDocument/2006/relationships" xmlns:p="http://schemas.openxmlformats.org/presentationml/2006/main">
+  <p:cSld>
+    <p:spTree>
+      <p:nvGrpSpPr>
+        <p:cNvPr id="1" name=""/>
+        <p:cNvGrpSpPr/>
+        <p:nvPr/>
+      </p:nvGrpSpPr>
+      <p:grpSpPr>
+        <a:xfrm>
+          <a:off x="0" y="0"/>
+          <a:ext cx="0" cy="0"/>
+          <a:chOff x="0" y="0"/>
+          <a:chExt cx="0" cy="0"/>
+        </a:xfrm>
+      </p:grpSpPr>
+    </p:spTree>
+    <p:extLst>
+      <p:ext uri="{BB962C8B-B14F-4D97-AF65-F5344CB8AC3E}">
+        <p14:creationId xmlns:p14="http://schemas.microsoft.com/office/powerpoint/2010/main" val="2533538191"/>
+      </p:ext>
+    </p:extLst>
+  </p:cSld>
+  <p:clrMapOvr>
+    <a:masterClrMapping/>
+  </p:clrMapOvr>
+  <p:transition>
+    <p:fade/>
+  </p:transition>
 </p:sld>
 </file>
 

--- a/slides/powerpoint/00_intro.pptx
+++ b/slides/powerpoint/00_intro.pptx
@@ -217,7 +217,7 @@
           <a:p>
             <a:fld id="{D0FE861C-486B-4E18-A0E9-A790238A915C}" type="datetimeFigureOut">
               <a:rPr lang="en-US" smtClean="0"/>
-              <a:t>9/17/21</a:t>
+              <a:t>9/22/21</a:t>
             </a:fld>
             <a:endParaRPr lang="en-US"/>
           </a:p>
@@ -1692,7 +1692,7 @@
           <a:p>
             <a:fld id="{7BFB377E-53ED-FE4D-83F9-4165E39010D6}" type="datetimeFigureOut">
               <a:rPr lang="en-US" smtClean="0"/>
-              <a:t>9/17/21</a:t>
+              <a:t>9/22/21</a:t>
             </a:fld>
             <a:endParaRPr lang="en-US"/>
           </a:p>
@@ -1890,7 +1890,7 @@
           <a:p>
             <a:fld id="{7BFB377E-53ED-FE4D-83F9-4165E39010D6}" type="datetimeFigureOut">
               <a:rPr lang="en-US" smtClean="0"/>
-              <a:t>9/17/21</a:t>
+              <a:t>9/22/21</a:t>
             </a:fld>
             <a:endParaRPr lang="en-US"/>
           </a:p>
@@ -2098,7 +2098,7 @@
           <a:p>
             <a:fld id="{7BFB377E-53ED-FE4D-83F9-4165E39010D6}" type="datetimeFigureOut">
               <a:rPr lang="en-US" smtClean="0"/>
-              <a:t>9/17/21</a:t>
+              <a:t>9/22/21</a:t>
             </a:fld>
             <a:endParaRPr lang="en-US"/>
           </a:p>
@@ -2743,7 +2743,7 @@
             <a:fld id="{7CA65D26-67D5-4CD2-90EC-E629659F24B3}" type="datetime1">
               <a:rPr lang="en-US" smtClean="0"/>
               <a:pPr/>
-              <a:t>9/17/21</a:t>
+              <a:t>9/22/21</a:t>
             </a:fld>
             <a:endParaRPr lang="en-US" dirty="0"/>
           </a:p>
@@ -2973,7 +2973,7 @@
             <a:fld id="{7CA65D26-67D5-4CD2-90EC-E629659F24B3}" type="datetime1">
               <a:rPr lang="en-US" smtClean="0"/>
               <a:pPr/>
-              <a:t>9/17/21</a:t>
+              <a:t>9/22/21</a:t>
             </a:fld>
             <a:endParaRPr lang="en-US" dirty="0"/>
           </a:p>
@@ -3352,7 +3352,7 @@
             <a:fld id="{7CA65D26-67D5-4CD2-90EC-E629659F24B3}" type="datetime1">
               <a:rPr lang="en-US" smtClean="0"/>
               <a:pPr/>
-              <a:t>9/17/21</a:t>
+              <a:t>9/22/21</a:t>
             </a:fld>
             <a:endParaRPr lang="en-US" dirty="0"/>
           </a:p>
@@ -3731,7 +3731,7 @@
             <a:fld id="{7CA65D26-67D5-4CD2-90EC-E629659F24B3}" type="datetime1">
               <a:rPr lang="en-US" smtClean="0"/>
               <a:pPr/>
-              <a:t>9/17/21</a:t>
+              <a:t>9/22/21</a:t>
             </a:fld>
             <a:endParaRPr lang="en-US" dirty="0"/>
           </a:p>
@@ -4119,7 +4119,7 @@
             <a:fld id="{7CA65D26-67D5-4CD2-90EC-E629659F24B3}" type="datetime1">
               <a:rPr lang="en-US" smtClean="0"/>
               <a:pPr/>
-              <a:t>9/17/21</a:t>
+              <a:t>9/22/21</a:t>
             </a:fld>
             <a:endParaRPr lang="en-US" dirty="0"/>
           </a:p>
@@ -4794,7 +4794,7 @@
           <a:p>
             <a:fld id="{7BFB377E-53ED-FE4D-83F9-4165E39010D6}" type="datetimeFigureOut">
               <a:rPr lang="en-US" smtClean="0"/>
-              <a:t>9/17/21</a:t>
+              <a:t>9/22/21</a:t>
             </a:fld>
             <a:endParaRPr lang="en-US"/>
           </a:p>
@@ -7598,7 +7598,7 @@
           <a:p>
             <a:fld id="{7BFB377E-53ED-FE4D-83F9-4165E39010D6}" type="datetimeFigureOut">
               <a:rPr lang="en-US" smtClean="0"/>
-              <a:t>9/17/21</a:t>
+              <a:t>9/22/21</a:t>
             </a:fld>
             <a:endParaRPr lang="en-US"/>
           </a:p>
@@ -8684,7 +8684,7 @@
           <a:p>
             <a:fld id="{F1482167-8811-434F-A92E-FCD7829DA7CB}" type="datetime1">
               <a:rPr lang="en-US" smtClean="0"/>
-              <a:t>9/17/21</a:t>
+              <a:t>9/22/21</a:t>
             </a:fld>
             <a:endParaRPr lang="en-US"/>
           </a:p>
@@ -8797,7 +8797,7 @@
           <a:p>
             <a:fld id="{E0DDE3D8-06A1-5448-8966-288515773649}" type="datetime1">
               <a:rPr lang="en-US" smtClean="0"/>
-              <a:t>9/17/21</a:t>
+              <a:t>9/22/21</a:t>
             </a:fld>
             <a:endParaRPr lang="en-US"/>
           </a:p>
@@ -9199,7 +9199,7 @@
           <a:p>
             <a:fld id="{7BFB377E-53ED-FE4D-83F9-4165E39010D6}" type="datetimeFigureOut">
               <a:rPr lang="en-US" smtClean="0"/>
-              <a:t>9/17/21</a:t>
+              <a:t>9/22/21</a:t>
             </a:fld>
             <a:endParaRPr lang="en-US"/>
           </a:p>
@@ -9611,7 +9611,7 @@
           <a:p>
             <a:fld id="{7BFB377E-53ED-FE4D-83F9-4165E39010D6}" type="datetimeFigureOut">
               <a:rPr lang="en-US" smtClean="0"/>
-              <a:t>9/17/21</a:t>
+              <a:t>9/22/21</a:t>
             </a:fld>
             <a:endParaRPr lang="en-US"/>
           </a:p>
@@ -9752,7 +9752,7 @@
           <a:p>
             <a:fld id="{7BFB377E-53ED-FE4D-83F9-4165E39010D6}" type="datetimeFigureOut">
               <a:rPr lang="en-US" smtClean="0"/>
-              <a:t>9/17/21</a:t>
+              <a:t>9/22/21</a:t>
             </a:fld>
             <a:endParaRPr lang="en-US"/>
           </a:p>
@@ -9865,7 +9865,7 @@
           <a:p>
             <a:fld id="{7BFB377E-53ED-FE4D-83F9-4165E39010D6}" type="datetimeFigureOut">
               <a:rPr lang="en-US" smtClean="0"/>
-              <a:t>9/17/21</a:t>
+              <a:t>9/22/21</a:t>
             </a:fld>
             <a:endParaRPr lang="en-US"/>
           </a:p>
@@ -10176,7 +10176,7 @@
           <a:p>
             <a:fld id="{7BFB377E-53ED-FE4D-83F9-4165E39010D6}" type="datetimeFigureOut">
               <a:rPr lang="en-US" smtClean="0"/>
-              <a:t>9/17/21</a:t>
+              <a:t>9/22/21</a:t>
             </a:fld>
             <a:endParaRPr lang="en-US"/>
           </a:p>
@@ -10464,7 +10464,7 @@
           <a:p>
             <a:fld id="{7BFB377E-53ED-FE4D-83F9-4165E39010D6}" type="datetimeFigureOut">
               <a:rPr lang="en-US" smtClean="0"/>
-              <a:t>9/17/21</a:t>
+              <a:t>9/22/21</a:t>
             </a:fld>
             <a:endParaRPr lang="en-US"/>
           </a:p>
@@ -10705,7 +10705,7 @@
           <a:p>
             <a:fld id="{7BFB377E-53ED-FE4D-83F9-4165E39010D6}" type="datetimeFigureOut">
               <a:rPr lang="en-US" smtClean="0"/>
-              <a:t>9/17/21</a:t>
+              <a:t>9/22/21</a:t>
             </a:fld>
             <a:endParaRPr lang="en-US"/>
           </a:p>
@@ -14105,7 +14105,7 @@
         <p:spPr>
           <a:xfrm>
             <a:off x="646946" y="2971800"/>
-            <a:ext cx="5951900" cy="420564"/>
+            <a:ext cx="5951900" cy="928331"/>
           </a:xfrm>
           <a:prstGeom prst="rect">
             <a:avLst/>
@@ -14117,6 +14117,40 @@
             <a:spAutoFit/>
           </a:bodyPr>
           <a:lstStyle/>
+          <a:p>
+            <a:pPr defTabSz="1219170">
+              <a:spcAft>
+                <a:spcPts val="1400"/>
+              </a:spcAft>
+            </a:pPr>
+            <a:r>
+              <a:rPr lang="en-US" sz="2133" b="1" dirty="0">
+                <a:solidFill>
+                  <a:srgbClr val="112048"/>
+                </a:solidFill>
+                <a:latin typeface="Arial Nova" panose="020B0504020202020204" pitchFamily="34" charset="0"/>
+                <a:ea typeface="Helvetica Neue Light" panose="02000403000000020004" pitchFamily="2" charset="0"/>
+              </a:rPr>
+              <a:t>Head over to </a:t>
+            </a:r>
+            <a:r>
+              <a:rPr lang="en-US" sz="2133" b="1">
+                <a:solidFill>
+                  <a:srgbClr val="112048"/>
+                </a:solidFill>
+                <a:latin typeface="Arial Nova" panose="020B0504020202020204" pitchFamily="34" charset="0"/>
+                <a:ea typeface="Helvetica Neue Light" panose="02000403000000020004" pitchFamily="2" charset="0"/>
+              </a:rPr>
+              <a:t>the presentation space!</a:t>
+            </a:r>
+            <a:endParaRPr lang="en-US" sz="2133" b="1" dirty="0">
+              <a:solidFill>
+                <a:srgbClr val="112048"/>
+              </a:solidFill>
+              <a:latin typeface="Arial Nova" panose="020B0504020202020204" pitchFamily="34" charset="0"/>
+              <a:ea typeface="Helvetica Neue Light" panose="02000403000000020004" pitchFamily="2" charset="0"/>
+            </a:endParaRPr>
+          </a:p>
           <a:p>
             <a:pPr defTabSz="1219170">
               <a:spcAft>
